--- a/Slides/09_CSS_TrainingPlan.pptx
+++ b/Slides/09_CSS_TrainingPlan.pptx
@@ -5,7 +5,7 @@
     <p:sldMasterId id="2147483672" r:id="rId1"/>
   </p:sldMasterIdLst>
   <p:notesMasterIdLst>
-    <p:notesMasterId r:id="rId25"/>
+    <p:notesMasterId r:id="rId31"/>
   </p:notesMasterIdLst>
   <p:sldIdLst>
     <p:sldId id="256" r:id="rId2"/>
@@ -17,20 +17,26 @@
     <p:sldId id="307" r:id="rId8"/>
     <p:sldId id="318" r:id="rId9"/>
     <p:sldId id="319" r:id="rId10"/>
-    <p:sldId id="320" r:id="rId11"/>
-    <p:sldId id="321" r:id="rId12"/>
-    <p:sldId id="322" r:id="rId13"/>
-    <p:sldId id="323" r:id="rId14"/>
-    <p:sldId id="325" r:id="rId15"/>
-    <p:sldId id="337" r:id="rId16"/>
-    <p:sldId id="311" r:id="rId17"/>
-    <p:sldId id="326" r:id="rId18"/>
-    <p:sldId id="327" r:id="rId19"/>
-    <p:sldId id="308" r:id="rId20"/>
-    <p:sldId id="342" r:id="rId21"/>
-    <p:sldId id="340" r:id="rId22"/>
-    <p:sldId id="341" r:id="rId23"/>
-    <p:sldId id="343" r:id="rId24"/>
+    <p:sldId id="344" r:id="rId11"/>
+    <p:sldId id="345" r:id="rId12"/>
+    <p:sldId id="346" r:id="rId13"/>
+    <p:sldId id="320" r:id="rId14"/>
+    <p:sldId id="347" r:id="rId15"/>
+    <p:sldId id="321" r:id="rId16"/>
+    <p:sldId id="322" r:id="rId17"/>
+    <p:sldId id="323" r:id="rId18"/>
+    <p:sldId id="348" r:id="rId19"/>
+    <p:sldId id="349" r:id="rId20"/>
+    <p:sldId id="325" r:id="rId21"/>
+    <p:sldId id="337" r:id="rId22"/>
+    <p:sldId id="311" r:id="rId23"/>
+    <p:sldId id="326" r:id="rId24"/>
+    <p:sldId id="327" r:id="rId25"/>
+    <p:sldId id="350" r:id="rId26"/>
+    <p:sldId id="342" r:id="rId27"/>
+    <p:sldId id="351" r:id="rId28"/>
+    <p:sldId id="341" r:id="rId29"/>
+    <p:sldId id="343" r:id="rId30"/>
   </p:sldIdLst>
   <p:sldSz cx="12192000" cy="6858000"/>
   <p:notesSz cx="6858000" cy="9144000"/>
@@ -219,7 +225,7 @@
           <a:p>
             <a:fld id="{511FFA03-EA42-4D4B-BC08-EB70C6D8C289}" type="datetimeFigureOut">
               <a:rPr lang="en-US" smtClean="0"/>
-              <a:t>1/20/2018</a:t>
+              <a:t>2/4/2018</a:t>
             </a:fld>
             <a:endParaRPr lang="en-US"/>
           </a:p>
@@ -639,53 +645,111 @@
           <a:bodyPr/>
           <a:lstStyle/>
           <a:p>
-            <a:pPr marL="171450" indent="-171450">
+            <a:pPr marL="171450" lvl="0" indent="-171450">
               <a:buFont typeface="Arial" panose="020B0604020202020204" pitchFamily="34" charset="0"/>
               <a:buChar char="•"/>
             </a:pPr>
             <a:r>
-              <a:rPr lang="en-US" baseline="0" dirty="0" smtClean="0"/>
-              <a:t>Display has a number of options.</a:t>
-            </a:r>
-          </a:p>
-          <a:p>
-            <a:pPr marL="171450" indent="-171450">
+              <a:rPr lang="en-US" sz="1200" kern="1200" dirty="0" smtClean="0">
+                <a:solidFill>
+                  <a:schemeClr val="tx1"/>
+                </a:solidFill>
+                <a:effectLst/>
+                <a:latin typeface="+mn-lt"/>
+                <a:ea typeface="+mn-ea"/>
+                <a:cs typeface="+mn-cs"/>
+              </a:rPr>
+              <a:t>What is CSS used for?</a:t>
+            </a:r>
+          </a:p>
+          <a:p>
+            <a:pPr marL="171450" lvl="0" indent="-171450">
               <a:buFont typeface="Arial" panose="020B0604020202020204" pitchFamily="34" charset="0"/>
               <a:buChar char="•"/>
             </a:pPr>
             <a:r>
-              <a:rPr lang="en-US" baseline="0" dirty="0" smtClean="0"/>
-              <a:t>One of those is display none.  </a:t>
-            </a:r>
-          </a:p>
-          <a:p>
-            <a:pPr marL="171450" indent="-171450">
+              <a:rPr lang="en-US" sz="1200" kern="1200" dirty="0" smtClean="0">
+                <a:solidFill>
+                  <a:schemeClr val="tx1"/>
+                </a:solidFill>
+                <a:effectLst/>
+                <a:latin typeface="+mn-lt"/>
+                <a:ea typeface="+mn-ea"/>
+                <a:cs typeface="+mn-cs"/>
+              </a:rPr>
+              <a:t>What does CSS stand for?</a:t>
+            </a:r>
+          </a:p>
+          <a:p>
+            <a:pPr marL="171450" lvl="0" indent="-171450">
               <a:buFont typeface="Arial" panose="020B0604020202020204" pitchFamily="34" charset="0"/>
               <a:buChar char="•"/>
             </a:pPr>
             <a:r>
-              <a:rPr lang="en-US" baseline="0" dirty="0" smtClean="0"/>
-              <a:t>Display none means the element will not appear on the page</a:t>
-            </a:r>
-          </a:p>
-          <a:p>
-            <a:pPr marL="171450" indent="-171450">
+              <a:rPr lang="en-US" sz="1200" kern="1200" dirty="0" smtClean="0">
+                <a:solidFill>
+                  <a:schemeClr val="tx1"/>
+                </a:solidFill>
+                <a:effectLst/>
+                <a:latin typeface="+mn-lt"/>
+                <a:ea typeface="+mn-ea"/>
+                <a:cs typeface="+mn-cs"/>
+              </a:rPr>
+              <a:t>What tag is used to reference a separate CSS file?</a:t>
+            </a:r>
+          </a:p>
+          <a:p>
+            <a:pPr marL="171450" lvl="0" indent="-171450">
               <a:buFont typeface="Arial" panose="020B0604020202020204" pitchFamily="34" charset="0"/>
               <a:buChar char="•"/>
             </a:pPr>
             <a:r>
-              <a:rPr lang="en-US" baseline="0" dirty="0" smtClean="0"/>
-              <a:t>This is different than visibility which will make it not show on the page, but still show in the DOM.</a:t>
-            </a:r>
-          </a:p>
-          <a:p>
-            <a:pPr marL="171450" indent="-171450">
-              <a:buFont typeface="Arial" panose="020B0604020202020204" pitchFamily="34" charset="0"/>
-              <a:buChar char="•"/>
-            </a:pPr>
-            <a:r>
-              <a:rPr lang="en-US" baseline="0" dirty="0" smtClean="0"/>
-              <a:t>Let’s review examples of display and flexbox.</a:t>
+              <a:rPr lang="en-US" sz="1200" kern="1200" dirty="0" smtClean="0">
+                <a:solidFill>
+                  <a:schemeClr val="tx1"/>
+                </a:solidFill>
+                <a:effectLst/>
+                <a:latin typeface="+mn-lt"/>
+                <a:ea typeface="+mn-ea"/>
+                <a:cs typeface="+mn-cs"/>
+              </a:rPr>
+              <a:t>Write on the board the </a:t>
+            </a:r>
+            <a:r>
+              <a:rPr lang="en-US" sz="1200" kern="1200" dirty="0" err="1" smtClean="0">
+                <a:solidFill>
+                  <a:schemeClr val="tx1"/>
+                </a:solidFill>
+                <a:effectLst/>
+                <a:latin typeface="+mn-lt"/>
+                <a:ea typeface="+mn-ea"/>
+                <a:cs typeface="+mn-cs"/>
+              </a:rPr>
+              <a:t>css</a:t>
+            </a:r>
+            <a:r>
+              <a:rPr lang="en-US" sz="1200" kern="1200" dirty="0" smtClean="0">
+                <a:solidFill>
+                  <a:schemeClr val="tx1"/>
+                </a:solidFill>
+                <a:effectLst/>
+                <a:latin typeface="+mn-lt"/>
+                <a:ea typeface="+mn-ea"/>
+                <a:cs typeface="+mn-cs"/>
+              </a:rPr>
+              <a:t> to make the font color red for an element with an id of </a:t>
+            </a:r>
+            <a:r>
+              <a:rPr lang="en-US" sz="1200" kern="1200" dirty="0" smtClean="0">
+                <a:solidFill>
+                  <a:schemeClr val="tx1"/>
+                </a:solidFill>
+                <a:effectLst/>
+                <a:latin typeface="+mn-lt"/>
+                <a:ea typeface="+mn-ea"/>
+                <a:cs typeface="+mn-cs"/>
+              </a:rPr>
+              <a:t>header.</a:t>
             </a:r>
           </a:p>
         </p:txBody>
@@ -705,7 +769,7 @@
           <a:bodyPr/>
           <a:lstStyle/>
           <a:p>
-            <a:fld id="{90562276-63C7-43F9-8E9E-CFA137F6F839}" type="slidenum">
+            <a:fld id="{226FA58D-4B12-4E7B-A2FA-693CE3EACDFD}" type="slidenum">
               <a:rPr lang="en-US" smtClean="0"/>
               <a:t>11</a:t>
             </a:fld>
@@ -716,7 +780,7 @@
     </p:spTree>
     <p:extLst>
       <p:ext uri="{BB962C8B-B14F-4D97-AF65-F5344CB8AC3E}">
-        <p14:creationId xmlns:p14="http://schemas.microsoft.com/office/powerpoint/2010/main" val="1112198863"/>
+        <p14:creationId xmlns:p14="http://schemas.microsoft.com/office/powerpoint/2010/main" val="1213251728"/>
       </p:ext>
     </p:extLst>
   </p:cSld>
@@ -774,20 +838,7 @@
               <a:buFont typeface="Arial" panose="020B0604020202020204" pitchFamily="34" charset="0"/>
               <a:buChar char="•"/>
             </a:pPr>
-            <a:r>
-              <a:rPr lang="en-US" baseline="0" dirty="0" smtClean="0"/>
-              <a:t>Position is another style to change how an element is positioned on a page.</a:t>
-            </a:r>
-          </a:p>
-          <a:p>
-            <a:pPr marL="171450" indent="-171450">
-              <a:buFont typeface="Arial" panose="020B0604020202020204" pitchFamily="34" charset="0"/>
-              <a:buChar char="•"/>
-            </a:pPr>
-            <a:r>
-              <a:rPr lang="en-US" baseline="0" dirty="0" smtClean="0"/>
-              <a:t>Let’s review some examples.</a:t>
-            </a:r>
+            <a:endParaRPr lang="en-US" dirty="0"/>
           </a:p>
         </p:txBody>
       </p:sp>
@@ -806,7 +857,7 @@
           <a:bodyPr/>
           <a:lstStyle/>
           <a:p>
-            <a:fld id="{90562276-63C7-43F9-8E9E-CFA137F6F839}" type="slidenum">
+            <a:fld id="{226FA58D-4B12-4E7B-A2FA-693CE3EACDFD}" type="slidenum">
               <a:rPr lang="en-US" smtClean="0"/>
               <a:t>12</a:t>
             </a:fld>
@@ -817,7 +868,7 @@
     </p:spTree>
     <p:extLst>
       <p:ext uri="{BB962C8B-B14F-4D97-AF65-F5344CB8AC3E}">
-        <p14:creationId xmlns:p14="http://schemas.microsoft.com/office/powerpoint/2010/main" val="3949147222"/>
+        <p14:creationId xmlns:p14="http://schemas.microsoft.com/office/powerpoint/2010/main" val="752344189"/>
       </p:ext>
     </p:extLst>
   </p:cSld>
@@ -877,7 +928,7 @@
             </a:pPr>
             <a:r>
               <a:rPr lang="en-US" baseline="0" dirty="0" smtClean="0"/>
-              <a:t>Here are some other styles that effect the position of elements.</a:t>
+              <a:t>The box model is an important part of laying out parts of a page.</a:t>
             </a:r>
           </a:p>
           <a:p>
@@ -887,7 +938,17 @@
             </a:pPr>
             <a:r>
               <a:rPr lang="en-US" baseline="0" dirty="0" smtClean="0"/>
-              <a:t>It’s easier to see these in action again, so let’s look through the examples.</a:t>
+              <a:t>The content is surrounded by the padding.  The padding is surrounded by the border.  The border is surrounded by the margin.</a:t>
+            </a:r>
+          </a:p>
+          <a:p>
+            <a:pPr marL="171450" indent="-171450">
+              <a:buFont typeface="Arial" panose="020B0604020202020204" pitchFamily="34" charset="0"/>
+              <a:buChar char="•"/>
+            </a:pPr>
+            <a:r>
+              <a:rPr lang="en-US" baseline="0" dirty="0" smtClean="0"/>
+              <a:t>All of these need to be considered when figuring out the total size of the content.</a:t>
             </a:r>
           </a:p>
         </p:txBody>
@@ -918,7 +979,7 @@
     </p:spTree>
     <p:extLst>
       <p:ext uri="{BB962C8B-B14F-4D97-AF65-F5344CB8AC3E}">
-        <p14:creationId xmlns:p14="http://schemas.microsoft.com/office/powerpoint/2010/main" val="2878422664"/>
+        <p14:creationId xmlns:p14="http://schemas.microsoft.com/office/powerpoint/2010/main" val="3903015995"/>
       </p:ext>
     </p:extLst>
   </p:cSld>
@@ -972,24 +1033,11 @@
           <a:bodyPr/>
           <a:lstStyle/>
           <a:p>
-            <a:pPr marL="171450" indent="-171450">
+            <a:pPr marL="457200" lvl="1" indent="0">
               <a:buFont typeface="Arial" panose="020B0604020202020204" pitchFamily="34" charset="0"/>
-              <a:buChar char="•"/>
+              <a:buNone/>
             </a:pPr>
-            <a:r>
-              <a:rPr lang="en-US" baseline="0" dirty="0" smtClean="0"/>
-              <a:t>Here are some different ways to align elements.</a:t>
-            </a:r>
-          </a:p>
-          <a:p>
-            <a:pPr marL="171450" indent="-171450">
-              <a:buFont typeface="Arial" panose="020B0604020202020204" pitchFamily="34" charset="0"/>
-              <a:buChar char="•"/>
-            </a:pPr>
-            <a:r>
-              <a:rPr lang="en-US" baseline="0" dirty="0" smtClean="0"/>
-              <a:t>Let’s again go through some examples.</a:t>
-            </a:r>
+            <a:endParaRPr lang="en-US" dirty="0"/>
           </a:p>
         </p:txBody>
       </p:sp>
@@ -1008,7 +1056,7 @@
           <a:bodyPr/>
           <a:lstStyle/>
           <a:p>
-            <a:fld id="{90562276-63C7-43F9-8E9E-CFA137F6F839}" type="slidenum">
+            <a:fld id="{CB14DD28-1949-4B74-B4FA-306122DED2C3}" type="slidenum">
               <a:rPr lang="en-US" smtClean="0"/>
               <a:t>14</a:t>
             </a:fld>
@@ -1019,7 +1067,7 @@
     </p:spTree>
     <p:extLst>
       <p:ext uri="{BB962C8B-B14F-4D97-AF65-F5344CB8AC3E}">
-        <p14:creationId xmlns:p14="http://schemas.microsoft.com/office/powerpoint/2010/main" val="1961600589"/>
+        <p14:creationId xmlns:p14="http://schemas.microsoft.com/office/powerpoint/2010/main" val="4082267790"/>
       </p:ext>
     </p:extLst>
   </p:cSld>
@@ -1079,7 +1127,7 @@
             </a:pPr>
             <a:r>
               <a:rPr lang="en-US" baseline="0" dirty="0" smtClean="0"/>
-              <a:t>CSS also has pseudo-classes.</a:t>
+              <a:t>Display has a number of options.</a:t>
             </a:r>
           </a:p>
           <a:p>
@@ -1089,7 +1137,7 @@
             </a:pPr>
             <a:r>
               <a:rPr lang="en-US" baseline="0" dirty="0" smtClean="0"/>
-              <a:t>These allow different styles for different states of an element.</a:t>
+              <a:t>One of those is display none.  </a:t>
             </a:r>
           </a:p>
           <a:p>
@@ -1099,7 +1147,7 @@
             </a:pPr>
             <a:r>
               <a:rPr lang="en-US" baseline="0" dirty="0" smtClean="0"/>
-              <a:t>Here are some examples of pseudo-classes</a:t>
+              <a:t>Display none means the element will not appear on the page</a:t>
             </a:r>
           </a:p>
           <a:p>
@@ -1109,7 +1157,7 @@
             </a:pPr>
             <a:r>
               <a:rPr lang="en-US" baseline="0" dirty="0" smtClean="0"/>
-              <a:t>For example pseudo-classes for a</a:t>
+              <a:t>This is different than visibility which will make it not show on the page, but still show in the DOM.</a:t>
             </a:r>
           </a:p>
           <a:p>
@@ -1119,37 +1167,7 @@
             </a:pPr>
             <a:r>
               <a:rPr lang="en-US" baseline="0" dirty="0" smtClean="0"/>
-              <a:t>a:active</a:t>
-            </a:r>
-          </a:p>
-          <a:p>
-            <a:pPr marL="171450" indent="-171450">
-              <a:buFont typeface="Arial" panose="020B0604020202020204" pitchFamily="34" charset="0"/>
-              <a:buChar char="•"/>
-            </a:pPr>
-            <a:r>
-              <a:rPr lang="en-US" baseline="0" dirty="0" smtClean="0"/>
-              <a:t>a:hover</a:t>
-            </a:r>
-          </a:p>
-          <a:p>
-            <a:pPr marL="171450" indent="-171450">
-              <a:buFont typeface="Arial" panose="020B0604020202020204" pitchFamily="34" charset="0"/>
-              <a:buChar char="•"/>
-            </a:pPr>
-            <a:r>
-              <a:rPr lang="en-US" baseline="0" dirty="0" smtClean="0"/>
-              <a:t>a:link</a:t>
-            </a:r>
-          </a:p>
-          <a:p>
-            <a:pPr marL="171450" indent="-171450">
-              <a:buFont typeface="Arial" panose="020B0604020202020204" pitchFamily="34" charset="0"/>
-              <a:buChar char="•"/>
-            </a:pPr>
-            <a:r>
-              <a:rPr lang="en-US" baseline="0" dirty="0" smtClean="0"/>
-              <a:t>a:visited</a:t>
+              <a:t>Let’s review examples of display and flexbox.</a:t>
             </a:r>
           </a:p>
         </p:txBody>
@@ -1180,7 +1198,7 @@
     </p:spTree>
     <p:extLst>
       <p:ext uri="{BB962C8B-B14F-4D97-AF65-F5344CB8AC3E}">
-        <p14:creationId xmlns:p14="http://schemas.microsoft.com/office/powerpoint/2010/main" val="794572563"/>
+        <p14:creationId xmlns:p14="http://schemas.microsoft.com/office/powerpoint/2010/main" val="1112198863"/>
       </p:ext>
     </p:extLst>
   </p:cSld>
@@ -1240,7 +1258,7 @@
             </a:pPr>
             <a:r>
               <a:rPr lang="en-US" baseline="0" dirty="0" smtClean="0"/>
-              <a:t>This refers to the hierarchy of styles.</a:t>
+              <a:t>Position is another style to change how an element is positioned on a page.</a:t>
             </a:r>
           </a:p>
           <a:p>
@@ -1250,97 +1268,7 @@
             </a:pPr>
             <a:r>
               <a:rPr lang="en-US" baseline="0" dirty="0" smtClean="0"/>
-              <a:t>Every property figures out what styles should be used, since conflicts will come up.</a:t>
-            </a:r>
-          </a:p>
-          <a:p>
-            <a:pPr marL="171450" indent="-171450">
-              <a:buFont typeface="Arial" panose="020B0604020202020204" pitchFamily="34" charset="0"/>
-              <a:buChar char="•"/>
-            </a:pPr>
-            <a:r>
-              <a:rPr lang="en-US" baseline="0" dirty="0" smtClean="0"/>
-              <a:t>The first check is based upon whether it is specified with !important at the end of the property.</a:t>
-            </a:r>
-          </a:p>
-          <a:p>
-            <a:pPr marL="171450" indent="-171450">
-              <a:buFont typeface="Arial" panose="020B0604020202020204" pitchFamily="34" charset="0"/>
-              <a:buChar char="•"/>
-            </a:pPr>
-            <a:r>
-              <a:rPr lang="en-US" baseline="0" dirty="0" smtClean="0"/>
-              <a:t>This wins over all other properties unless both are specified as !important</a:t>
-            </a:r>
-          </a:p>
-          <a:p>
-            <a:pPr marL="171450" indent="-171450">
-              <a:buFont typeface="Arial" panose="020B0604020202020204" pitchFamily="34" charset="0"/>
-              <a:buChar char="•"/>
-            </a:pPr>
-            <a:r>
-              <a:rPr lang="en-US" baseline="0" dirty="0" smtClean="0"/>
-              <a:t>After that specificity is used to determine the styles used.</a:t>
-            </a:r>
-          </a:p>
-          <a:p>
-            <a:pPr marL="171450" indent="-171450">
-              <a:buFont typeface="Arial" panose="020B0604020202020204" pitchFamily="34" charset="0"/>
-              <a:buChar char="•"/>
-            </a:pPr>
-            <a:r>
-              <a:rPr lang="en-US" baseline="0" dirty="0" smtClean="0"/>
-              <a:t>Specificity is determined by a score with 4 digits.</a:t>
-            </a:r>
-          </a:p>
-          <a:p>
-            <a:pPr marL="171450" indent="-171450">
-              <a:buFont typeface="Arial" panose="020B0604020202020204" pitchFamily="34" charset="0"/>
-              <a:buChar char="•"/>
-            </a:pPr>
-            <a:r>
-              <a:rPr lang="en-US" baseline="0" dirty="0" smtClean="0"/>
-              <a:t>The thousands place gets a value if its inside the style element or style attribute</a:t>
-            </a:r>
-          </a:p>
-          <a:p>
-            <a:pPr marL="171450" indent="-171450">
-              <a:buFont typeface="Arial" panose="020B0604020202020204" pitchFamily="34" charset="0"/>
-              <a:buChar char="•"/>
-            </a:pPr>
-            <a:r>
-              <a:rPr lang="en-US" baseline="0" dirty="0" smtClean="0"/>
-              <a:t>The hundreds place gets a value for each id selector</a:t>
-            </a:r>
-          </a:p>
-          <a:p>
-            <a:pPr marL="171450" indent="-171450">
-              <a:buFont typeface="Arial" panose="020B0604020202020204" pitchFamily="34" charset="0"/>
-              <a:buChar char="•"/>
-            </a:pPr>
-            <a:r>
-              <a:rPr lang="en-US" baseline="0" dirty="0" smtClean="0"/>
-              <a:t>The tens place gets a value for each class selector, attribute selector, or pseudo-class used.</a:t>
-            </a:r>
-          </a:p>
-          <a:p>
-            <a:pPr marL="171450" indent="-171450">
-              <a:buFont typeface="Arial" panose="020B0604020202020204" pitchFamily="34" charset="0"/>
-              <a:buChar char="•"/>
-            </a:pPr>
-            <a:r>
-              <a:rPr lang="en-US" baseline="0" dirty="0" smtClean="0"/>
-              <a:t>The ones place get a value for each element selector or pseudo-element</a:t>
-            </a:r>
-          </a:p>
-          <a:p>
-            <a:pPr marL="171450" indent="-171450">
-              <a:buFont typeface="Arial" panose="020B0604020202020204" pitchFamily="34" charset="0"/>
-              <a:buChar char="•"/>
-            </a:pPr>
-            <a:r>
-              <a:rPr lang="en-US" baseline="0" dirty="0" smtClean="0"/>
-              <a:t>Finally if the specificity is the same the later style wins.</a:t>
+              <a:t>Let’s review some examples.</a:t>
             </a:r>
           </a:p>
         </p:txBody>
@@ -1371,7 +1299,7 @@
     </p:spTree>
     <p:extLst>
       <p:ext uri="{BB962C8B-B14F-4D97-AF65-F5344CB8AC3E}">
-        <p14:creationId xmlns:p14="http://schemas.microsoft.com/office/powerpoint/2010/main" val="2973498905"/>
+        <p14:creationId xmlns:p14="http://schemas.microsoft.com/office/powerpoint/2010/main" val="3949147222"/>
       </p:ext>
     </p:extLst>
   </p:cSld>
@@ -1431,7 +1359,7 @@
             </a:pPr>
             <a:r>
               <a:rPr lang="en-US" baseline="0" dirty="0" smtClean="0"/>
-              <a:t>Page layouts are created using the same styles we’ve talked about so far.</a:t>
+              <a:t>Here are some other styles that effect the position of elements.</a:t>
             </a:r>
           </a:p>
           <a:p>
@@ -1441,47 +1369,7 @@
             </a:pPr>
             <a:r>
               <a:rPr lang="en-US" baseline="0" dirty="0" smtClean="0"/>
-              <a:t>Tables can be used and was really popular for a while, but is not currently recommended.</a:t>
-            </a:r>
-          </a:p>
-          <a:p>
-            <a:pPr marL="171450" indent="-171450">
-              <a:buFont typeface="Arial" panose="020B0604020202020204" pitchFamily="34" charset="0"/>
-              <a:buChar char="•"/>
-            </a:pPr>
-            <a:r>
-              <a:rPr lang="en-US" baseline="0" dirty="0" smtClean="0"/>
-              <a:t>Floats can also be used to style the page layout.</a:t>
-            </a:r>
-          </a:p>
-          <a:p>
-            <a:pPr marL="171450" indent="-171450">
-              <a:buFont typeface="Arial" panose="020B0604020202020204" pitchFamily="34" charset="0"/>
-              <a:buChar char="•"/>
-            </a:pPr>
-            <a:r>
-              <a:rPr lang="en-US" baseline="0" dirty="0" smtClean="0"/>
-              <a:t>A framework can also be used to aid the creation of a layout</a:t>
-            </a:r>
-          </a:p>
-          <a:p>
-            <a:pPr marL="171450" indent="-171450">
-              <a:buFont typeface="Arial" panose="020B0604020202020204" pitchFamily="34" charset="0"/>
-              <a:buChar char="•"/>
-            </a:pPr>
-            <a:r>
-              <a:rPr lang="en-US" baseline="0" dirty="0" smtClean="0"/>
-              <a:t>Flexbox is newer and can be used, but a lot of browsers still in use do not support it</a:t>
-            </a:r>
-          </a:p>
-          <a:p>
-            <a:pPr marL="171450" indent="-171450">
-              <a:buFont typeface="Arial" panose="020B0604020202020204" pitchFamily="34" charset="0"/>
-              <a:buChar char="•"/>
-            </a:pPr>
-            <a:r>
-              <a:rPr lang="en-US" baseline="0" dirty="0" smtClean="0"/>
-              <a:t>Let’s go through some examples.</a:t>
+              <a:t>It’s easier to see these in action again, so let’s look through the examples.</a:t>
             </a:r>
           </a:p>
         </p:txBody>
@@ -1512,7 +1400,7 @@
     </p:spTree>
     <p:extLst>
       <p:ext uri="{BB962C8B-B14F-4D97-AF65-F5344CB8AC3E}">
-        <p14:creationId xmlns:p14="http://schemas.microsoft.com/office/powerpoint/2010/main" val="3693864327"/>
+        <p14:creationId xmlns:p14="http://schemas.microsoft.com/office/powerpoint/2010/main" val="2878422664"/>
       </p:ext>
     </p:extLst>
   </p:cSld>
@@ -1566,34 +1454,11 @@
           <a:bodyPr/>
           <a:lstStyle/>
           <a:p>
-            <a:pPr marL="171450" indent="-171450">
+            <a:pPr marL="457200" lvl="1" indent="0">
               <a:buFont typeface="Arial" panose="020B0604020202020204" pitchFamily="34" charset="0"/>
-              <a:buChar char="•"/>
+              <a:buNone/>
             </a:pPr>
-            <a:r>
-              <a:rPr lang="en-US" baseline="0" dirty="0" smtClean="0"/>
-              <a:t>Pages need to be designed to work on different devices and screen sizes.</a:t>
-            </a:r>
-          </a:p>
-          <a:p>
-            <a:pPr marL="171450" indent="-171450">
-              <a:buFont typeface="Arial" panose="020B0604020202020204" pitchFamily="34" charset="0"/>
-              <a:buChar char="•"/>
-            </a:pPr>
-            <a:r>
-              <a:rPr lang="en-US" baseline="0" dirty="0" smtClean="0"/>
-              <a:t>These are some things that you can use to help.</a:t>
-            </a:r>
-          </a:p>
-          <a:p>
-            <a:pPr marL="171450" indent="-171450">
-              <a:buFont typeface="Arial" panose="020B0604020202020204" pitchFamily="34" charset="0"/>
-              <a:buChar char="•"/>
-            </a:pPr>
-            <a:r>
-              <a:rPr lang="en-US" baseline="0" dirty="0" smtClean="0"/>
-              <a:t>We are going to focus on using the bootstrap framework.</a:t>
-            </a:r>
+            <a:endParaRPr lang="en-US" dirty="0"/>
           </a:p>
         </p:txBody>
       </p:sp>
@@ -1612,7 +1477,7 @@
           <a:bodyPr/>
           <a:lstStyle/>
           <a:p>
-            <a:fld id="{90562276-63C7-43F9-8E9E-CFA137F6F839}" type="slidenum">
+            <a:fld id="{CB14DD28-1949-4B74-B4FA-306122DED2C3}" type="slidenum">
               <a:rPr lang="en-US" smtClean="0"/>
               <a:t>18</a:t>
             </a:fld>
@@ -1623,7 +1488,7 @@
     </p:spTree>
     <p:extLst>
       <p:ext uri="{BB962C8B-B14F-4D97-AF65-F5344CB8AC3E}">
-        <p14:creationId xmlns:p14="http://schemas.microsoft.com/office/powerpoint/2010/main" val="984533383"/>
+        <p14:creationId xmlns:p14="http://schemas.microsoft.com/office/powerpoint/2010/main" val="3779208404"/>
       </p:ext>
     </p:extLst>
   </p:cSld>
@@ -1677,160 +1542,7 @@
           <a:bodyPr/>
           <a:lstStyle/>
           <a:p>
-            <a:r>
-              <a:rPr lang="en-US" dirty="0" smtClean="0"/>
-              <a:t>Let’s go through some examples.</a:t>
-            </a:r>
-          </a:p>
-          <a:p>
-            <a:pPr marL="628650" lvl="1" indent="-171450">
-              <a:buFont typeface="Arial" panose="020B0604020202020204" pitchFamily="34" charset="0"/>
-              <a:buChar char="•"/>
-            </a:pPr>
-            <a:r>
-              <a:rPr lang="en-US" dirty="0" smtClean="0"/>
-              <a:t>Style the html from before</a:t>
-            </a:r>
-          </a:p>
-          <a:p>
-            <a:pPr marL="628650" lvl="1" indent="-171450">
-              <a:buFont typeface="Arial" panose="020B0604020202020204" pitchFamily="34" charset="0"/>
-              <a:buChar char="•"/>
-            </a:pPr>
-            <a:r>
-              <a:rPr lang="en-US" dirty="0" smtClean="0"/>
-              <a:t>Start with style attribute</a:t>
-            </a:r>
-          </a:p>
-          <a:p>
-            <a:pPr marL="628650" lvl="1" indent="-171450">
-              <a:buFont typeface="Arial" panose="020B0604020202020204" pitchFamily="34" charset="0"/>
-              <a:buChar char="•"/>
-            </a:pPr>
-            <a:r>
-              <a:rPr lang="en-US" dirty="0" smtClean="0"/>
-              <a:t>Then in</a:t>
-            </a:r>
-            <a:r>
-              <a:rPr lang="en-US" baseline="0" dirty="0" smtClean="0"/>
-              <a:t> page styling</a:t>
-            </a:r>
-          </a:p>
-          <a:p>
-            <a:pPr marL="628650" lvl="1" indent="-171450">
-              <a:buFont typeface="Arial" panose="020B0604020202020204" pitchFamily="34" charset="0"/>
-              <a:buChar char="•"/>
-            </a:pPr>
-            <a:r>
-              <a:rPr lang="en-US" baseline="0" dirty="0" smtClean="0"/>
-              <a:t>Then link </a:t>
-            </a:r>
-            <a:r>
-              <a:rPr lang="en-US" baseline="0" dirty="0" err="1" smtClean="0"/>
-              <a:t>css</a:t>
-            </a:r>
-            <a:r>
-              <a:rPr lang="en-US" baseline="0" dirty="0" smtClean="0"/>
-              <a:t> file</a:t>
-            </a:r>
-          </a:p>
-          <a:p>
-            <a:pPr marL="628650" lvl="1" indent="-171450">
-              <a:buFont typeface="Arial" panose="020B0604020202020204" pitchFamily="34" charset="0"/>
-              <a:buChar char="•"/>
-            </a:pPr>
-            <a:r>
-              <a:rPr lang="en-US" baseline="0" dirty="0" smtClean="0"/>
-              <a:t>Text</a:t>
-            </a:r>
-          </a:p>
-          <a:p>
-            <a:pPr marL="628650" lvl="1" indent="-171450">
-              <a:buFont typeface="Arial" panose="020B0604020202020204" pitchFamily="34" charset="0"/>
-              <a:buChar char="•"/>
-            </a:pPr>
-            <a:r>
-              <a:rPr lang="en-US" baseline="0" dirty="0" smtClean="0"/>
-              <a:t>Box model</a:t>
-            </a:r>
-          </a:p>
-          <a:p>
-            <a:pPr marL="628650" lvl="1" indent="-171450">
-              <a:buFont typeface="Arial" panose="020B0604020202020204" pitchFamily="34" charset="0"/>
-              <a:buChar char="•"/>
-            </a:pPr>
-            <a:r>
-              <a:rPr lang="en-US" baseline="0" dirty="0" smtClean="0"/>
-              <a:t>Display options</a:t>
-            </a:r>
-          </a:p>
-          <a:p>
-            <a:pPr marL="628650" lvl="1" indent="-171450">
-              <a:buFont typeface="Arial" panose="020B0604020202020204" pitchFamily="34" charset="0"/>
-              <a:buChar char="•"/>
-            </a:pPr>
-            <a:r>
-              <a:rPr lang="en-US" baseline="0" dirty="0" smtClean="0"/>
-              <a:t>Position</a:t>
-            </a:r>
-          </a:p>
-          <a:p>
-            <a:pPr marL="628650" lvl="1" indent="-171450">
-              <a:buFont typeface="Arial" panose="020B0604020202020204" pitchFamily="34" charset="0"/>
-              <a:buChar char="•"/>
-            </a:pPr>
-            <a:r>
-              <a:rPr lang="en-US" baseline="0" dirty="0" smtClean="0"/>
-              <a:t>Float</a:t>
-            </a:r>
-          </a:p>
-          <a:p>
-            <a:pPr marL="628650" lvl="1" indent="-171450">
-              <a:buFont typeface="Arial" panose="020B0604020202020204" pitchFamily="34" charset="0"/>
-              <a:buChar char="•"/>
-            </a:pPr>
-            <a:r>
-              <a:rPr lang="en-US" baseline="0" dirty="0" smtClean="0"/>
-              <a:t>Page layout</a:t>
-            </a:r>
-          </a:p>
-          <a:p>
-            <a:pPr marL="628650" lvl="1" indent="-171450">
-              <a:buFont typeface="Arial" panose="020B0604020202020204" pitchFamily="34" charset="0"/>
-              <a:buChar char="•"/>
-            </a:pPr>
-            <a:endParaRPr lang="en-US" baseline="0" dirty="0" smtClean="0"/>
-          </a:p>
-          <a:p>
-            <a:pPr marL="628650" lvl="1" indent="-171450">
-              <a:buFont typeface="Arial" panose="020B0604020202020204" pitchFamily="34" charset="0"/>
-              <a:buChar char="•"/>
-            </a:pPr>
-            <a:endParaRPr lang="en-US" baseline="0" dirty="0" smtClean="0"/>
-          </a:p>
-          <a:p>
-            <a:pPr marL="628650" lvl="1" indent="-171450">
-              <a:buFont typeface="Arial" panose="020B0604020202020204" pitchFamily="34" charset="0"/>
-              <a:buChar char="•"/>
-            </a:pPr>
-            <a:endParaRPr lang="en-US" baseline="0" dirty="0" smtClean="0"/>
-          </a:p>
-          <a:p>
-            <a:pPr marL="628650" lvl="1" indent="-171450">
-              <a:buFont typeface="Arial" panose="020B0604020202020204" pitchFamily="34" charset="0"/>
-              <a:buChar char="•"/>
-            </a:pPr>
-            <a:endParaRPr lang="en-US" baseline="0" dirty="0" smtClean="0"/>
-          </a:p>
-          <a:p>
-            <a:pPr marL="628650" lvl="1" indent="-171450">
-              <a:buFont typeface="Arial" panose="020B0604020202020204" pitchFamily="34" charset="0"/>
-              <a:buChar char="•"/>
-            </a:pPr>
-            <a:endParaRPr lang="en-US" baseline="0" dirty="0" smtClean="0"/>
-          </a:p>
-          <a:p>
-            <a:pPr marL="628650" lvl="1" indent="-171450">
+            <a:pPr marL="171450" indent="-171450">
               <a:buFont typeface="Arial" panose="020B0604020202020204" pitchFamily="34" charset="0"/>
               <a:buChar char="•"/>
             </a:pPr>
@@ -1853,7 +1565,7 @@
           <a:bodyPr/>
           <a:lstStyle/>
           <a:p>
-            <a:fld id="{CB14DD28-1949-4B74-B4FA-306122DED2C3}" type="slidenum">
+            <a:fld id="{226FA58D-4B12-4E7B-A2FA-693CE3EACDFD}" type="slidenum">
               <a:rPr lang="en-US" smtClean="0"/>
               <a:t>19</a:t>
             </a:fld>
@@ -1864,7 +1576,7 @@
     </p:spTree>
     <p:extLst>
       <p:ext uri="{BB962C8B-B14F-4D97-AF65-F5344CB8AC3E}">
-        <p14:creationId xmlns:p14="http://schemas.microsoft.com/office/powerpoint/2010/main" val="794334242"/>
+        <p14:creationId xmlns:p14="http://schemas.microsoft.com/office/powerpoint/2010/main" val="1043788511"/>
       </p:ext>
     </p:extLst>
   </p:cSld>
@@ -1918,269 +1630,24 @@
           <a:bodyPr/>
           <a:lstStyle/>
           <a:p>
-            <a:pPr marL="171450" lvl="0" indent="-171450">
+            <a:pPr marL="171450" indent="-171450">
               <a:buFont typeface="Arial" panose="020B0604020202020204" pitchFamily="34" charset="0"/>
               <a:buChar char="•"/>
             </a:pPr>
             <a:r>
-              <a:rPr lang="en-US" sz="1200" kern="1200" dirty="0" smtClean="0">
-                <a:solidFill>
-                  <a:schemeClr val="tx1"/>
-                </a:solidFill>
-                <a:effectLst/>
-                <a:latin typeface="+mn-lt"/>
-                <a:ea typeface="+mn-ea"/>
-                <a:cs typeface="+mn-cs"/>
-              </a:rPr>
-              <a:t>What is CSS used for?</a:t>
-            </a:r>
-          </a:p>
-          <a:p>
-            <a:pPr marL="171450" lvl="0" indent="-171450">
+              <a:rPr lang="en-US" baseline="0" dirty="0" smtClean="0"/>
+              <a:t>Here are some different ways to align elements.</a:t>
+            </a:r>
+          </a:p>
+          <a:p>
+            <a:pPr marL="171450" indent="-171450">
               <a:buFont typeface="Arial" panose="020B0604020202020204" pitchFamily="34" charset="0"/>
               <a:buChar char="•"/>
             </a:pPr>
             <a:r>
-              <a:rPr lang="en-US" sz="1200" kern="1200" dirty="0" smtClean="0">
-                <a:solidFill>
-                  <a:schemeClr val="tx1"/>
-                </a:solidFill>
-                <a:effectLst/>
-                <a:latin typeface="+mn-lt"/>
-                <a:ea typeface="+mn-ea"/>
-                <a:cs typeface="+mn-cs"/>
-              </a:rPr>
-              <a:t>What does CSS stand for?</a:t>
-            </a:r>
-          </a:p>
-          <a:p>
-            <a:pPr marL="171450" lvl="0" indent="-171450">
-              <a:buFont typeface="Arial" panose="020B0604020202020204" pitchFamily="34" charset="0"/>
-              <a:buChar char="•"/>
-            </a:pPr>
-            <a:r>
-              <a:rPr lang="en-US" sz="1200" kern="1200" dirty="0" smtClean="0">
-                <a:solidFill>
-                  <a:schemeClr val="tx1"/>
-                </a:solidFill>
-                <a:effectLst/>
-                <a:latin typeface="+mn-lt"/>
-                <a:ea typeface="+mn-ea"/>
-                <a:cs typeface="+mn-cs"/>
-              </a:rPr>
-              <a:t>What tag is used to reference a separate CSS file?</a:t>
-            </a:r>
-          </a:p>
-          <a:p>
-            <a:pPr marL="171450" lvl="0" indent="-171450">
-              <a:buFont typeface="Arial" panose="020B0604020202020204" pitchFamily="34" charset="0"/>
-              <a:buChar char="•"/>
-            </a:pPr>
-            <a:r>
-              <a:rPr lang="en-US" sz="1200" kern="1200" dirty="0" smtClean="0">
-                <a:solidFill>
-                  <a:schemeClr val="tx1"/>
-                </a:solidFill>
-                <a:effectLst/>
-                <a:latin typeface="+mn-lt"/>
-                <a:ea typeface="+mn-ea"/>
-                <a:cs typeface="+mn-cs"/>
-              </a:rPr>
-              <a:t>Write on the board the </a:t>
-            </a:r>
-            <a:r>
-              <a:rPr lang="en-US" sz="1200" kern="1200" dirty="0" err="1" smtClean="0">
-                <a:solidFill>
-                  <a:schemeClr val="tx1"/>
-                </a:solidFill>
-                <a:effectLst/>
-                <a:latin typeface="+mn-lt"/>
-                <a:ea typeface="+mn-ea"/>
-                <a:cs typeface="+mn-cs"/>
-              </a:rPr>
-              <a:t>css</a:t>
-            </a:r>
-            <a:r>
-              <a:rPr lang="en-US" sz="1200" kern="1200" dirty="0" smtClean="0">
-                <a:solidFill>
-                  <a:schemeClr val="tx1"/>
-                </a:solidFill>
-                <a:effectLst/>
-                <a:latin typeface="+mn-lt"/>
-                <a:ea typeface="+mn-ea"/>
-                <a:cs typeface="+mn-cs"/>
-              </a:rPr>
-              <a:t> to make the font color red for an element with an id of header.</a:t>
-            </a:r>
-          </a:p>
-          <a:p>
-            <a:pPr marL="171450" lvl="0" indent="-171450">
-              <a:buFont typeface="Arial" panose="020B0604020202020204" pitchFamily="34" charset="0"/>
-              <a:buChar char="•"/>
-            </a:pPr>
-            <a:r>
-              <a:rPr lang="en-US" sz="1200" kern="1200" dirty="0" smtClean="0">
-                <a:solidFill>
-                  <a:schemeClr val="tx1"/>
-                </a:solidFill>
-                <a:effectLst/>
-                <a:latin typeface="+mn-lt"/>
-                <a:ea typeface="+mn-ea"/>
-                <a:cs typeface="+mn-cs"/>
-              </a:rPr>
-              <a:t>What makes up the box model?</a:t>
-            </a:r>
-          </a:p>
-          <a:p>
-            <a:pPr marL="171450" lvl="0" indent="-171450">
-              <a:buFont typeface="Arial" panose="020B0604020202020204" pitchFamily="34" charset="0"/>
-              <a:buChar char="•"/>
-            </a:pPr>
-            <a:r>
-              <a:rPr lang="en-US" sz="1200" kern="1200" dirty="0" smtClean="0">
-                <a:solidFill>
-                  <a:schemeClr val="tx1"/>
-                </a:solidFill>
-                <a:effectLst/>
-                <a:latin typeface="+mn-lt"/>
-                <a:ea typeface="+mn-ea"/>
-                <a:cs typeface="+mn-cs"/>
-              </a:rPr>
-              <a:t>Write on the board the </a:t>
-            </a:r>
-            <a:r>
-              <a:rPr lang="en-US" sz="1200" kern="1200" dirty="0" err="1" smtClean="0">
-                <a:solidFill>
-                  <a:schemeClr val="tx1"/>
-                </a:solidFill>
-                <a:effectLst/>
-                <a:latin typeface="+mn-lt"/>
-                <a:ea typeface="+mn-ea"/>
-                <a:cs typeface="+mn-cs"/>
-              </a:rPr>
-              <a:t>css</a:t>
-            </a:r>
-            <a:r>
-              <a:rPr lang="en-US" sz="1200" kern="1200" dirty="0" smtClean="0">
-                <a:solidFill>
-                  <a:schemeClr val="tx1"/>
-                </a:solidFill>
-                <a:effectLst/>
-                <a:latin typeface="+mn-lt"/>
-                <a:ea typeface="+mn-ea"/>
-                <a:cs typeface="+mn-cs"/>
-              </a:rPr>
-              <a:t> to set the display to inline for a class named </a:t>
-            </a:r>
-            <a:r>
-              <a:rPr lang="en-US" sz="1200" kern="1200" dirty="0" err="1" smtClean="0">
-                <a:solidFill>
-                  <a:schemeClr val="tx1"/>
-                </a:solidFill>
-                <a:effectLst/>
-                <a:latin typeface="+mn-lt"/>
-                <a:ea typeface="+mn-ea"/>
-                <a:cs typeface="+mn-cs"/>
-              </a:rPr>
-              <a:t>inlineText</a:t>
-            </a:r>
-            <a:r>
-              <a:rPr lang="en-US" sz="1200" kern="1200" dirty="0" smtClean="0">
-                <a:solidFill>
-                  <a:schemeClr val="tx1"/>
-                </a:solidFill>
-                <a:effectLst/>
-                <a:latin typeface="+mn-lt"/>
-                <a:ea typeface="+mn-ea"/>
-                <a:cs typeface="+mn-cs"/>
-              </a:rPr>
-              <a:t>.</a:t>
-            </a:r>
-          </a:p>
-          <a:p>
-            <a:pPr marL="171450" lvl="0" indent="-171450">
-              <a:buFont typeface="Arial" panose="020B0604020202020204" pitchFamily="34" charset="0"/>
-              <a:buChar char="•"/>
-            </a:pPr>
-            <a:r>
-              <a:rPr lang="en-US" sz="1200" kern="1200" dirty="0" smtClean="0">
-                <a:solidFill>
-                  <a:schemeClr val="tx1"/>
-                </a:solidFill>
-                <a:effectLst/>
-                <a:latin typeface="+mn-lt"/>
-                <a:ea typeface="+mn-ea"/>
-                <a:cs typeface="+mn-cs"/>
-              </a:rPr>
-              <a:t>Write on the board the </a:t>
-            </a:r>
-            <a:r>
-              <a:rPr lang="en-US" sz="1200" kern="1200" dirty="0" err="1" smtClean="0">
-                <a:solidFill>
-                  <a:schemeClr val="tx1"/>
-                </a:solidFill>
-                <a:effectLst/>
-                <a:latin typeface="+mn-lt"/>
-                <a:ea typeface="+mn-ea"/>
-                <a:cs typeface="+mn-cs"/>
-              </a:rPr>
-              <a:t>css</a:t>
-            </a:r>
-            <a:r>
-              <a:rPr lang="en-US" sz="1200" kern="1200" dirty="0" smtClean="0">
-                <a:solidFill>
-                  <a:schemeClr val="tx1"/>
-                </a:solidFill>
-                <a:effectLst/>
-                <a:latin typeface="+mn-lt"/>
-                <a:ea typeface="+mn-ea"/>
-                <a:cs typeface="+mn-cs"/>
-              </a:rPr>
-              <a:t> to fix the footer element to the bottom of the page.</a:t>
-            </a:r>
-          </a:p>
-          <a:p>
-            <a:pPr marL="171450" lvl="0" indent="-171450">
-              <a:buFont typeface="Arial" panose="020B0604020202020204" pitchFamily="34" charset="0"/>
-              <a:buChar char="•"/>
-            </a:pPr>
-            <a:r>
-              <a:rPr lang="en-US" sz="1200" kern="1200" dirty="0" smtClean="0">
-                <a:solidFill>
-                  <a:schemeClr val="tx1"/>
-                </a:solidFill>
-                <a:effectLst/>
-                <a:latin typeface="+mn-lt"/>
-                <a:ea typeface="+mn-ea"/>
-                <a:cs typeface="+mn-cs"/>
-              </a:rPr>
-              <a:t>What are some options for page layout?</a:t>
-            </a:r>
-          </a:p>
-          <a:p>
-            <a:pPr marL="171450" lvl="0" indent="-171450">
-              <a:buFont typeface="Arial" panose="020B0604020202020204" pitchFamily="34" charset="0"/>
-              <a:buChar char="•"/>
-            </a:pPr>
-            <a:r>
-              <a:rPr lang="en-US" sz="1200" kern="1200" dirty="0" smtClean="0">
-                <a:solidFill>
-                  <a:schemeClr val="tx1"/>
-                </a:solidFill>
-                <a:effectLst/>
-                <a:latin typeface="+mn-lt"/>
-                <a:ea typeface="+mn-ea"/>
-                <a:cs typeface="+mn-cs"/>
-              </a:rPr>
-              <a:t>What can be done to make a page responsive?</a:t>
-            </a:r>
-          </a:p>
-          <a:p>
-            <a:pPr marL="457200" lvl="1" indent="0">
-              <a:buFont typeface="Arial" panose="020B0604020202020204" pitchFamily="34" charset="0"/>
-              <a:buNone/>
-            </a:pPr>
-            <a:endParaRPr lang="en-US" dirty="0"/>
+              <a:rPr lang="en-US" baseline="0" dirty="0" smtClean="0"/>
+              <a:t>Let’s again go through some examples.</a:t>
+            </a:r>
           </a:p>
         </p:txBody>
       </p:sp>
@@ -2199,7 +1666,7 @@
           <a:bodyPr/>
           <a:lstStyle/>
           <a:p>
-            <a:fld id="{226FA58D-4B12-4E7B-A2FA-693CE3EACDFD}" type="slidenum">
+            <a:fld id="{90562276-63C7-43F9-8E9E-CFA137F6F839}" type="slidenum">
               <a:rPr lang="en-US" smtClean="0"/>
               <a:t>20</a:t>
             </a:fld>
@@ -2210,7 +1677,7 @@
     </p:spTree>
     <p:extLst>
       <p:ext uri="{BB962C8B-B14F-4D97-AF65-F5344CB8AC3E}">
-        <p14:creationId xmlns:p14="http://schemas.microsoft.com/office/powerpoint/2010/main" val="1375049745"/>
+        <p14:creationId xmlns:p14="http://schemas.microsoft.com/office/powerpoint/2010/main" val="1961600589"/>
       </p:ext>
     </p:extLst>
   </p:cSld>
@@ -2389,7 +1856,80 @@
               <a:buFont typeface="Arial" panose="020B0604020202020204" pitchFamily="34" charset="0"/>
               <a:buChar char="•"/>
             </a:pPr>
-            <a:endParaRPr lang="en-US" dirty="0"/>
+            <a:r>
+              <a:rPr lang="en-US" baseline="0" dirty="0" smtClean="0"/>
+              <a:t>CSS also has pseudo-classes.</a:t>
+            </a:r>
+          </a:p>
+          <a:p>
+            <a:pPr marL="171450" indent="-171450">
+              <a:buFont typeface="Arial" panose="020B0604020202020204" pitchFamily="34" charset="0"/>
+              <a:buChar char="•"/>
+            </a:pPr>
+            <a:r>
+              <a:rPr lang="en-US" baseline="0" dirty="0" smtClean="0"/>
+              <a:t>These allow different styles for different states of an element.</a:t>
+            </a:r>
+          </a:p>
+          <a:p>
+            <a:pPr marL="171450" indent="-171450">
+              <a:buFont typeface="Arial" panose="020B0604020202020204" pitchFamily="34" charset="0"/>
+              <a:buChar char="•"/>
+            </a:pPr>
+            <a:r>
+              <a:rPr lang="en-US" baseline="0" dirty="0" smtClean="0"/>
+              <a:t>Here are some examples of pseudo-classes</a:t>
+            </a:r>
+          </a:p>
+          <a:p>
+            <a:pPr marL="171450" indent="-171450">
+              <a:buFont typeface="Arial" panose="020B0604020202020204" pitchFamily="34" charset="0"/>
+              <a:buChar char="•"/>
+            </a:pPr>
+            <a:r>
+              <a:rPr lang="en-US" baseline="0" dirty="0" smtClean="0"/>
+              <a:t>For example pseudo-classes for a</a:t>
+            </a:r>
+          </a:p>
+          <a:p>
+            <a:pPr marL="171450" indent="-171450">
+              <a:buFont typeface="Arial" panose="020B0604020202020204" pitchFamily="34" charset="0"/>
+              <a:buChar char="•"/>
+            </a:pPr>
+            <a:r>
+              <a:rPr lang="en-US" baseline="0" dirty="0" smtClean="0"/>
+              <a:t>a:active</a:t>
+            </a:r>
+          </a:p>
+          <a:p>
+            <a:pPr marL="171450" indent="-171450">
+              <a:buFont typeface="Arial" panose="020B0604020202020204" pitchFamily="34" charset="0"/>
+              <a:buChar char="•"/>
+            </a:pPr>
+            <a:r>
+              <a:rPr lang="en-US" baseline="0" dirty="0" smtClean="0"/>
+              <a:t>a:hover</a:t>
+            </a:r>
+          </a:p>
+          <a:p>
+            <a:pPr marL="171450" indent="-171450">
+              <a:buFont typeface="Arial" panose="020B0604020202020204" pitchFamily="34" charset="0"/>
+              <a:buChar char="•"/>
+            </a:pPr>
+            <a:r>
+              <a:rPr lang="en-US" baseline="0" dirty="0" smtClean="0"/>
+              <a:t>a:link</a:t>
+            </a:r>
+          </a:p>
+          <a:p>
+            <a:pPr marL="171450" indent="-171450">
+              <a:buFont typeface="Arial" panose="020B0604020202020204" pitchFamily="34" charset="0"/>
+              <a:buChar char="•"/>
+            </a:pPr>
+            <a:r>
+              <a:rPr lang="en-US" baseline="0" dirty="0" smtClean="0"/>
+              <a:t>a:visited</a:t>
+            </a:r>
           </a:p>
         </p:txBody>
       </p:sp>
@@ -2408,7 +1948,7 @@
           <a:bodyPr/>
           <a:lstStyle/>
           <a:p>
-            <a:fld id="{226FA58D-4B12-4E7B-A2FA-693CE3EACDFD}" type="slidenum">
+            <a:fld id="{90562276-63C7-43F9-8E9E-CFA137F6F839}" type="slidenum">
               <a:rPr lang="en-US" smtClean="0"/>
               <a:t>21</a:t>
             </a:fld>
@@ -2419,7 +1959,7 @@
     </p:spTree>
     <p:extLst>
       <p:ext uri="{BB962C8B-B14F-4D97-AF65-F5344CB8AC3E}">
-        <p14:creationId xmlns:p14="http://schemas.microsoft.com/office/powerpoint/2010/main" val="2297928813"/>
+        <p14:creationId xmlns:p14="http://schemas.microsoft.com/office/powerpoint/2010/main" val="794572563"/>
       </p:ext>
     </p:extLst>
   </p:cSld>
@@ -2473,197 +2013,114 @@
           <a:bodyPr/>
           <a:lstStyle/>
           <a:p>
-            <a:pPr marL="171450" lvl="0" indent="-171450">
+            <a:pPr marL="171450" indent="-171450">
               <a:buFont typeface="Arial" panose="020B0604020202020204" pitchFamily="34" charset="0"/>
               <a:buChar char="•"/>
             </a:pPr>
             <a:r>
-              <a:rPr lang="en-US" sz="1200" kern="1200" dirty="0" smtClean="0">
-                <a:solidFill>
-                  <a:schemeClr val="tx1"/>
-                </a:solidFill>
-                <a:effectLst/>
-                <a:latin typeface="+mn-lt"/>
-                <a:ea typeface="+mn-ea"/>
-                <a:cs typeface="+mn-cs"/>
-              </a:rPr>
-              <a:t>What tag is used to reference a separate CSS file?</a:t>
-            </a:r>
-          </a:p>
-          <a:p>
-            <a:pPr marL="171450" lvl="0" indent="-171450">
+              <a:rPr lang="en-US" baseline="0" dirty="0" smtClean="0"/>
+              <a:t>This refers to the hierarchy of styles.</a:t>
+            </a:r>
+          </a:p>
+          <a:p>
+            <a:pPr marL="171450" indent="-171450">
               <a:buFont typeface="Arial" panose="020B0604020202020204" pitchFamily="34" charset="0"/>
               <a:buChar char="•"/>
             </a:pPr>
             <a:r>
-              <a:rPr lang="en-US" sz="1200" kern="1200" dirty="0" smtClean="0">
-                <a:solidFill>
-                  <a:schemeClr val="tx1"/>
-                </a:solidFill>
-                <a:effectLst/>
-                <a:latin typeface="+mn-lt"/>
-                <a:ea typeface="+mn-ea"/>
-                <a:cs typeface="+mn-cs"/>
-              </a:rPr>
-              <a:t>Write on the board the </a:t>
-            </a:r>
-            <a:r>
-              <a:rPr lang="en-US" sz="1200" kern="1200" dirty="0" err="1" smtClean="0">
-                <a:solidFill>
-                  <a:schemeClr val="tx1"/>
-                </a:solidFill>
-                <a:effectLst/>
-                <a:latin typeface="+mn-lt"/>
-                <a:ea typeface="+mn-ea"/>
-                <a:cs typeface="+mn-cs"/>
-              </a:rPr>
-              <a:t>css</a:t>
-            </a:r>
-            <a:r>
-              <a:rPr lang="en-US" sz="1200" kern="1200" dirty="0" smtClean="0">
-                <a:solidFill>
-                  <a:schemeClr val="tx1"/>
-                </a:solidFill>
-                <a:effectLst/>
-                <a:latin typeface="+mn-lt"/>
-                <a:ea typeface="+mn-ea"/>
-                <a:cs typeface="+mn-cs"/>
-              </a:rPr>
-              <a:t> to make the font color red for an element with an id of header.</a:t>
-            </a:r>
-          </a:p>
-          <a:p>
-            <a:pPr marL="171450" lvl="0" indent="-171450">
+              <a:rPr lang="en-US" baseline="0" dirty="0" smtClean="0"/>
+              <a:t>Every property figures out what styles should be used, since conflicts will come up.</a:t>
+            </a:r>
+          </a:p>
+          <a:p>
+            <a:pPr marL="171450" indent="-171450">
               <a:buFont typeface="Arial" panose="020B0604020202020204" pitchFamily="34" charset="0"/>
               <a:buChar char="•"/>
             </a:pPr>
             <a:r>
-              <a:rPr lang="en-US" sz="1200" kern="1200" dirty="0" smtClean="0">
-                <a:solidFill>
-                  <a:schemeClr val="tx1"/>
-                </a:solidFill>
-                <a:effectLst/>
-                <a:latin typeface="+mn-lt"/>
-                <a:ea typeface="+mn-ea"/>
-                <a:cs typeface="+mn-cs"/>
-              </a:rPr>
-              <a:t>What makes up the box model?</a:t>
-            </a:r>
-          </a:p>
-          <a:p>
-            <a:pPr marL="171450" lvl="0" indent="-171450">
+              <a:rPr lang="en-US" baseline="0" dirty="0" smtClean="0"/>
+              <a:t>The first check is based upon whether it is specified with !important at the end of the property.</a:t>
+            </a:r>
+          </a:p>
+          <a:p>
+            <a:pPr marL="171450" indent="-171450">
               <a:buFont typeface="Arial" panose="020B0604020202020204" pitchFamily="34" charset="0"/>
               <a:buChar char="•"/>
             </a:pPr>
             <a:r>
-              <a:rPr lang="en-US" sz="1200" kern="1200" dirty="0" smtClean="0">
-                <a:solidFill>
-                  <a:schemeClr val="tx1"/>
-                </a:solidFill>
-                <a:effectLst/>
-                <a:latin typeface="+mn-lt"/>
-                <a:ea typeface="+mn-ea"/>
-                <a:cs typeface="+mn-cs"/>
-              </a:rPr>
-              <a:t>Write on the board the </a:t>
-            </a:r>
-            <a:r>
-              <a:rPr lang="en-US" sz="1200" kern="1200" dirty="0" err="1" smtClean="0">
-                <a:solidFill>
-                  <a:schemeClr val="tx1"/>
-                </a:solidFill>
-                <a:effectLst/>
-                <a:latin typeface="+mn-lt"/>
-                <a:ea typeface="+mn-ea"/>
-                <a:cs typeface="+mn-cs"/>
-              </a:rPr>
-              <a:t>css</a:t>
-            </a:r>
-            <a:r>
-              <a:rPr lang="en-US" sz="1200" kern="1200" dirty="0" smtClean="0">
-                <a:solidFill>
-                  <a:schemeClr val="tx1"/>
-                </a:solidFill>
-                <a:effectLst/>
-                <a:latin typeface="+mn-lt"/>
-                <a:ea typeface="+mn-ea"/>
-                <a:cs typeface="+mn-cs"/>
-              </a:rPr>
-              <a:t> to set the display to inline for a class named </a:t>
-            </a:r>
-            <a:r>
-              <a:rPr lang="en-US" sz="1200" kern="1200" dirty="0" err="1" smtClean="0">
-                <a:solidFill>
-                  <a:schemeClr val="tx1"/>
-                </a:solidFill>
-                <a:effectLst/>
-                <a:latin typeface="+mn-lt"/>
-                <a:ea typeface="+mn-ea"/>
-                <a:cs typeface="+mn-cs"/>
-              </a:rPr>
-              <a:t>inlineText</a:t>
-            </a:r>
-            <a:r>
-              <a:rPr lang="en-US" sz="1200" kern="1200" dirty="0" smtClean="0">
-                <a:solidFill>
-                  <a:schemeClr val="tx1"/>
-                </a:solidFill>
-                <a:effectLst/>
-                <a:latin typeface="+mn-lt"/>
-                <a:ea typeface="+mn-ea"/>
-                <a:cs typeface="+mn-cs"/>
-              </a:rPr>
-              <a:t>.</a:t>
-            </a:r>
-          </a:p>
-          <a:p>
-            <a:pPr marL="171450" lvl="0" indent="-171450">
+              <a:rPr lang="en-US" baseline="0" dirty="0" smtClean="0"/>
+              <a:t>This wins over all other properties unless both are specified as !important</a:t>
+            </a:r>
+          </a:p>
+          <a:p>
+            <a:pPr marL="171450" indent="-171450">
               <a:buFont typeface="Arial" panose="020B0604020202020204" pitchFamily="34" charset="0"/>
               <a:buChar char="•"/>
             </a:pPr>
             <a:r>
-              <a:rPr lang="en-US" sz="1200" kern="1200" dirty="0" smtClean="0">
-                <a:solidFill>
-                  <a:schemeClr val="tx1"/>
-                </a:solidFill>
-                <a:effectLst/>
-                <a:latin typeface="+mn-lt"/>
-                <a:ea typeface="+mn-ea"/>
-                <a:cs typeface="+mn-cs"/>
-              </a:rPr>
-              <a:t>Write on the board the </a:t>
-            </a:r>
-            <a:r>
-              <a:rPr lang="en-US" sz="1200" kern="1200" dirty="0" err="1" smtClean="0">
-                <a:solidFill>
-                  <a:schemeClr val="tx1"/>
-                </a:solidFill>
-                <a:effectLst/>
-                <a:latin typeface="+mn-lt"/>
-                <a:ea typeface="+mn-ea"/>
-                <a:cs typeface="+mn-cs"/>
-              </a:rPr>
-              <a:t>css</a:t>
-            </a:r>
-            <a:r>
-              <a:rPr lang="en-US" sz="1200" kern="1200" dirty="0" smtClean="0">
-                <a:solidFill>
-                  <a:schemeClr val="tx1"/>
-                </a:solidFill>
-                <a:effectLst/>
-                <a:latin typeface="+mn-lt"/>
-                <a:ea typeface="+mn-ea"/>
-                <a:cs typeface="+mn-cs"/>
-              </a:rPr>
-              <a:t> to fix the footer element to the bottom of the page.</a:t>
-            </a:r>
-          </a:p>
-          <a:p>
-            <a:pPr marL="457200" lvl="1" indent="0">
+              <a:rPr lang="en-US" baseline="0" dirty="0" smtClean="0"/>
+              <a:t>After that specificity is used to determine the styles used.</a:t>
+            </a:r>
+          </a:p>
+          <a:p>
+            <a:pPr marL="171450" indent="-171450">
               <a:buFont typeface="Arial" panose="020B0604020202020204" pitchFamily="34" charset="0"/>
-              <a:buNone/>
+              <a:buChar char="•"/>
             </a:pPr>
-            <a:endParaRPr lang="en-US" dirty="0"/>
+            <a:r>
+              <a:rPr lang="en-US" baseline="0" dirty="0" smtClean="0"/>
+              <a:t>Specificity is determined by a score with 4 digits.</a:t>
+            </a:r>
+          </a:p>
+          <a:p>
+            <a:pPr marL="171450" indent="-171450">
+              <a:buFont typeface="Arial" panose="020B0604020202020204" pitchFamily="34" charset="0"/>
+              <a:buChar char="•"/>
+            </a:pPr>
+            <a:r>
+              <a:rPr lang="en-US" baseline="0" dirty="0" smtClean="0"/>
+              <a:t>The thousands place gets a value if its inside the style element or style attribute</a:t>
+            </a:r>
+          </a:p>
+          <a:p>
+            <a:pPr marL="171450" indent="-171450">
+              <a:buFont typeface="Arial" panose="020B0604020202020204" pitchFamily="34" charset="0"/>
+              <a:buChar char="•"/>
+            </a:pPr>
+            <a:r>
+              <a:rPr lang="en-US" baseline="0" dirty="0" smtClean="0"/>
+              <a:t>The hundreds place gets a value for each id selector</a:t>
+            </a:r>
+          </a:p>
+          <a:p>
+            <a:pPr marL="171450" indent="-171450">
+              <a:buFont typeface="Arial" panose="020B0604020202020204" pitchFamily="34" charset="0"/>
+              <a:buChar char="•"/>
+            </a:pPr>
+            <a:r>
+              <a:rPr lang="en-US" baseline="0" dirty="0" smtClean="0"/>
+              <a:t>The tens place gets a value for each class selector, attribute selector, or pseudo-class used.</a:t>
+            </a:r>
+          </a:p>
+          <a:p>
+            <a:pPr marL="171450" indent="-171450">
+              <a:buFont typeface="Arial" panose="020B0604020202020204" pitchFamily="34" charset="0"/>
+              <a:buChar char="•"/>
+            </a:pPr>
+            <a:r>
+              <a:rPr lang="en-US" baseline="0" dirty="0" smtClean="0"/>
+              <a:t>The ones place get a value for each element selector or pseudo-element</a:t>
+            </a:r>
+          </a:p>
+          <a:p>
+            <a:pPr marL="171450" indent="-171450">
+              <a:buFont typeface="Arial" panose="020B0604020202020204" pitchFamily="34" charset="0"/>
+              <a:buChar char="•"/>
+            </a:pPr>
+            <a:r>
+              <a:rPr lang="en-US" baseline="0" dirty="0" smtClean="0"/>
+              <a:t>Finally if the specificity is the same the later style wins.</a:t>
+            </a:r>
           </a:p>
         </p:txBody>
       </p:sp>
@@ -2682,7 +2139,7 @@
           <a:bodyPr/>
           <a:lstStyle/>
           <a:p>
-            <a:fld id="{226FA58D-4B12-4E7B-A2FA-693CE3EACDFD}" type="slidenum">
+            <a:fld id="{90562276-63C7-43F9-8E9E-CFA137F6F839}" type="slidenum">
               <a:rPr lang="en-US" smtClean="0"/>
               <a:t>22</a:t>
             </a:fld>
@@ -2693,7 +2150,7 @@
     </p:spTree>
     <p:extLst>
       <p:ext uri="{BB962C8B-B14F-4D97-AF65-F5344CB8AC3E}">
-        <p14:creationId xmlns:p14="http://schemas.microsoft.com/office/powerpoint/2010/main" val="1836442978"/>
+        <p14:creationId xmlns:p14="http://schemas.microsoft.com/office/powerpoint/2010/main" val="2973498905"/>
       </p:ext>
     </p:extLst>
   </p:cSld>
@@ -2751,6 +2208,258 @@
               <a:buFont typeface="Arial" panose="020B0604020202020204" pitchFamily="34" charset="0"/>
               <a:buChar char="•"/>
             </a:pPr>
+            <a:r>
+              <a:rPr lang="en-US" baseline="0" dirty="0" smtClean="0"/>
+              <a:t>Page layouts are created using the same styles we’ve talked about so far.</a:t>
+            </a:r>
+          </a:p>
+          <a:p>
+            <a:pPr marL="171450" indent="-171450">
+              <a:buFont typeface="Arial" panose="020B0604020202020204" pitchFamily="34" charset="0"/>
+              <a:buChar char="•"/>
+            </a:pPr>
+            <a:r>
+              <a:rPr lang="en-US" baseline="0" dirty="0" smtClean="0"/>
+              <a:t>Tables can be used and was really popular for a while, but is not currently recommended.</a:t>
+            </a:r>
+          </a:p>
+          <a:p>
+            <a:pPr marL="171450" indent="-171450">
+              <a:buFont typeface="Arial" panose="020B0604020202020204" pitchFamily="34" charset="0"/>
+              <a:buChar char="•"/>
+            </a:pPr>
+            <a:r>
+              <a:rPr lang="en-US" baseline="0" dirty="0" smtClean="0"/>
+              <a:t>Floats can also be used to style the page layout.</a:t>
+            </a:r>
+          </a:p>
+          <a:p>
+            <a:pPr marL="171450" indent="-171450">
+              <a:buFont typeface="Arial" panose="020B0604020202020204" pitchFamily="34" charset="0"/>
+              <a:buChar char="•"/>
+            </a:pPr>
+            <a:r>
+              <a:rPr lang="en-US" baseline="0" dirty="0" smtClean="0"/>
+              <a:t>A framework can also be used to aid the creation of a layout</a:t>
+            </a:r>
+          </a:p>
+          <a:p>
+            <a:pPr marL="171450" indent="-171450">
+              <a:buFont typeface="Arial" panose="020B0604020202020204" pitchFamily="34" charset="0"/>
+              <a:buChar char="•"/>
+            </a:pPr>
+            <a:r>
+              <a:rPr lang="en-US" baseline="0" dirty="0" smtClean="0"/>
+              <a:t>Flexbox is newer and can be used, but a lot of browsers still in use do not support it</a:t>
+            </a:r>
+          </a:p>
+          <a:p>
+            <a:pPr marL="171450" indent="-171450">
+              <a:buFont typeface="Arial" panose="020B0604020202020204" pitchFamily="34" charset="0"/>
+              <a:buChar char="•"/>
+            </a:pPr>
+            <a:r>
+              <a:rPr lang="en-US" baseline="0" dirty="0" smtClean="0"/>
+              <a:t>Let’s go through some examples.</a:t>
+            </a:r>
+          </a:p>
+        </p:txBody>
+      </p:sp>
+      <p:sp>
+        <p:nvSpPr>
+          <p:cNvPr id="4" name="Slide Number Placeholder 3"/>
+          <p:cNvSpPr>
+            <a:spLocks noGrp="1"/>
+          </p:cNvSpPr>
+          <p:nvPr>
+            <p:ph type="sldNum" sz="quarter" idx="10"/>
+          </p:nvPr>
+        </p:nvSpPr>
+        <p:spPr/>
+        <p:txBody>
+          <a:bodyPr/>
+          <a:lstStyle/>
+          <a:p>
+            <a:fld id="{90562276-63C7-43F9-8E9E-CFA137F6F839}" type="slidenum">
+              <a:rPr lang="en-US" smtClean="0"/>
+              <a:t>23</a:t>
+            </a:fld>
+            <a:endParaRPr lang="en-US"/>
+          </a:p>
+        </p:txBody>
+      </p:sp>
+    </p:spTree>
+    <p:extLst>
+      <p:ext uri="{BB962C8B-B14F-4D97-AF65-F5344CB8AC3E}">
+        <p14:creationId xmlns:p14="http://schemas.microsoft.com/office/powerpoint/2010/main" val="3693864327"/>
+      </p:ext>
+    </p:extLst>
+  </p:cSld>
+  <p:clrMapOvr>
+    <a:masterClrMapping/>
+  </p:clrMapOvr>
+</p:notes>
+</file>
+
+<file path=ppt/notesSlides/notesSlide23.xml><?xml version="1.0" encoding="utf-8"?>
+<p:notes xmlns:a="http://schemas.openxmlformats.org/drawingml/2006/main" xmlns:r="http://schemas.openxmlformats.org/officeDocument/2006/relationships" xmlns:p="http://schemas.openxmlformats.org/presentationml/2006/main">
+  <p:cSld>
+    <p:spTree>
+      <p:nvGrpSpPr>
+        <p:cNvPr id="1" name=""/>
+        <p:cNvGrpSpPr/>
+        <p:nvPr/>
+      </p:nvGrpSpPr>
+      <p:grpSpPr>
+        <a:xfrm>
+          <a:off x="0" y="0"/>
+          <a:ext cx="0" cy="0"/>
+          <a:chOff x="0" y="0"/>
+          <a:chExt cx="0" cy="0"/>
+        </a:xfrm>
+      </p:grpSpPr>
+      <p:sp>
+        <p:nvSpPr>
+          <p:cNvPr id="2" name="Slide Image Placeholder 1"/>
+          <p:cNvSpPr>
+            <a:spLocks noGrp="1" noRot="1" noChangeAspect="1"/>
+          </p:cNvSpPr>
+          <p:nvPr>
+            <p:ph type="sldImg"/>
+          </p:nvPr>
+        </p:nvSpPr>
+        <p:spPr/>
+      </p:sp>
+      <p:sp>
+        <p:nvSpPr>
+          <p:cNvPr id="3" name="Notes Placeholder 2"/>
+          <p:cNvSpPr>
+            <a:spLocks noGrp="1"/>
+          </p:cNvSpPr>
+          <p:nvPr>
+            <p:ph type="body" idx="1"/>
+          </p:nvPr>
+        </p:nvSpPr>
+        <p:spPr/>
+        <p:txBody>
+          <a:bodyPr/>
+          <a:lstStyle/>
+          <a:p>
+            <a:pPr marL="171450" indent="-171450">
+              <a:buFont typeface="Arial" panose="020B0604020202020204" pitchFamily="34" charset="0"/>
+              <a:buChar char="•"/>
+            </a:pPr>
+            <a:r>
+              <a:rPr lang="en-US" baseline="0" dirty="0" smtClean="0"/>
+              <a:t>Pages need to be designed to work on different devices and screen sizes.</a:t>
+            </a:r>
+          </a:p>
+          <a:p>
+            <a:pPr marL="171450" indent="-171450">
+              <a:buFont typeface="Arial" panose="020B0604020202020204" pitchFamily="34" charset="0"/>
+              <a:buChar char="•"/>
+            </a:pPr>
+            <a:r>
+              <a:rPr lang="en-US" baseline="0" dirty="0" smtClean="0"/>
+              <a:t>These are some things that you can use to help.</a:t>
+            </a:r>
+          </a:p>
+          <a:p>
+            <a:pPr marL="171450" indent="-171450">
+              <a:buFont typeface="Arial" panose="020B0604020202020204" pitchFamily="34" charset="0"/>
+              <a:buChar char="•"/>
+            </a:pPr>
+            <a:r>
+              <a:rPr lang="en-US" baseline="0" dirty="0" smtClean="0"/>
+              <a:t>We are going to focus on using the bootstrap framework.</a:t>
+            </a:r>
+          </a:p>
+        </p:txBody>
+      </p:sp>
+      <p:sp>
+        <p:nvSpPr>
+          <p:cNvPr id="4" name="Slide Number Placeholder 3"/>
+          <p:cNvSpPr>
+            <a:spLocks noGrp="1"/>
+          </p:cNvSpPr>
+          <p:nvPr>
+            <p:ph type="sldNum" sz="quarter" idx="10"/>
+          </p:nvPr>
+        </p:nvSpPr>
+        <p:spPr/>
+        <p:txBody>
+          <a:bodyPr/>
+          <a:lstStyle/>
+          <a:p>
+            <a:fld id="{90562276-63C7-43F9-8E9E-CFA137F6F839}" type="slidenum">
+              <a:rPr lang="en-US" smtClean="0"/>
+              <a:t>24</a:t>
+            </a:fld>
+            <a:endParaRPr lang="en-US"/>
+          </a:p>
+        </p:txBody>
+      </p:sp>
+    </p:spTree>
+    <p:extLst>
+      <p:ext uri="{BB962C8B-B14F-4D97-AF65-F5344CB8AC3E}">
+        <p14:creationId xmlns:p14="http://schemas.microsoft.com/office/powerpoint/2010/main" val="984533383"/>
+      </p:ext>
+    </p:extLst>
+  </p:cSld>
+  <p:clrMapOvr>
+    <a:masterClrMapping/>
+  </p:clrMapOvr>
+</p:notes>
+</file>
+
+<file path=ppt/notesSlides/notesSlide24.xml><?xml version="1.0" encoding="utf-8"?>
+<p:notes xmlns:a="http://schemas.openxmlformats.org/drawingml/2006/main" xmlns:r="http://schemas.openxmlformats.org/officeDocument/2006/relationships" xmlns:p="http://schemas.openxmlformats.org/presentationml/2006/main">
+  <p:cSld>
+    <p:spTree>
+      <p:nvGrpSpPr>
+        <p:cNvPr id="1" name=""/>
+        <p:cNvGrpSpPr/>
+        <p:nvPr/>
+      </p:nvGrpSpPr>
+      <p:grpSpPr>
+        <a:xfrm>
+          <a:off x="0" y="0"/>
+          <a:ext cx="0" cy="0"/>
+          <a:chOff x="0" y="0"/>
+          <a:chExt cx="0" cy="0"/>
+        </a:xfrm>
+      </p:grpSpPr>
+      <p:sp>
+        <p:nvSpPr>
+          <p:cNvPr id="2" name="Slide Image Placeholder 1"/>
+          <p:cNvSpPr>
+            <a:spLocks noGrp="1" noRot="1" noChangeAspect="1"/>
+          </p:cNvSpPr>
+          <p:nvPr>
+            <p:ph type="sldImg"/>
+          </p:nvPr>
+        </p:nvSpPr>
+        <p:spPr/>
+      </p:sp>
+      <p:sp>
+        <p:nvSpPr>
+          <p:cNvPr id="3" name="Notes Placeholder 2"/>
+          <p:cNvSpPr>
+            <a:spLocks noGrp="1"/>
+          </p:cNvSpPr>
+          <p:nvPr>
+            <p:ph type="body" idx="1"/>
+          </p:nvPr>
+        </p:nvSpPr>
+        <p:spPr/>
+        <p:txBody>
+          <a:bodyPr/>
+          <a:lstStyle/>
+          <a:p>
+            <a:pPr marL="457200" lvl="1" indent="0">
+              <a:buFont typeface="Arial" panose="020B0604020202020204" pitchFamily="34" charset="0"/>
+              <a:buNone/>
+            </a:pPr>
             <a:endParaRPr lang="en-US" dirty="0"/>
           </a:p>
         </p:txBody>
@@ -2770,9 +2479,721 @@
           <a:bodyPr/>
           <a:lstStyle/>
           <a:p>
+            <a:fld id="{CB14DD28-1949-4B74-B4FA-306122DED2C3}" type="slidenum">
+              <a:rPr lang="en-US" smtClean="0"/>
+              <a:t>25</a:t>
+            </a:fld>
+            <a:endParaRPr lang="en-US"/>
+          </a:p>
+        </p:txBody>
+      </p:sp>
+    </p:spTree>
+    <p:extLst>
+      <p:ext uri="{BB962C8B-B14F-4D97-AF65-F5344CB8AC3E}">
+        <p14:creationId xmlns:p14="http://schemas.microsoft.com/office/powerpoint/2010/main" val="2723941180"/>
+      </p:ext>
+    </p:extLst>
+  </p:cSld>
+  <p:clrMapOvr>
+    <a:masterClrMapping/>
+  </p:clrMapOvr>
+</p:notes>
+</file>
+
+<file path=ppt/notesSlides/notesSlide25.xml><?xml version="1.0" encoding="utf-8"?>
+<p:notes xmlns:a="http://schemas.openxmlformats.org/drawingml/2006/main" xmlns:r="http://schemas.openxmlformats.org/officeDocument/2006/relationships" xmlns:p="http://schemas.openxmlformats.org/presentationml/2006/main">
+  <p:cSld>
+    <p:spTree>
+      <p:nvGrpSpPr>
+        <p:cNvPr id="1" name=""/>
+        <p:cNvGrpSpPr/>
+        <p:nvPr/>
+      </p:nvGrpSpPr>
+      <p:grpSpPr>
+        <a:xfrm>
+          <a:off x="0" y="0"/>
+          <a:ext cx="0" cy="0"/>
+          <a:chOff x="0" y="0"/>
+          <a:chExt cx="0" cy="0"/>
+        </a:xfrm>
+      </p:grpSpPr>
+      <p:sp>
+        <p:nvSpPr>
+          <p:cNvPr id="2" name="Slide Image Placeholder 1"/>
+          <p:cNvSpPr>
+            <a:spLocks noGrp="1" noRot="1" noChangeAspect="1"/>
+          </p:cNvSpPr>
+          <p:nvPr>
+            <p:ph type="sldImg"/>
+          </p:nvPr>
+        </p:nvSpPr>
+        <p:spPr/>
+      </p:sp>
+      <p:sp>
+        <p:nvSpPr>
+          <p:cNvPr id="3" name="Notes Placeholder 2"/>
+          <p:cNvSpPr>
+            <a:spLocks noGrp="1"/>
+          </p:cNvSpPr>
+          <p:nvPr>
+            <p:ph type="body" idx="1"/>
+          </p:nvPr>
+        </p:nvSpPr>
+        <p:spPr/>
+        <p:txBody>
+          <a:bodyPr/>
+          <a:lstStyle/>
+          <a:p>
+            <a:pPr marL="171450" lvl="0" indent="-171450">
+              <a:buFont typeface="Arial" panose="020B0604020202020204" pitchFamily="34" charset="0"/>
+              <a:buChar char="•"/>
+            </a:pPr>
+            <a:r>
+              <a:rPr lang="en-US" sz="1200" kern="1200" dirty="0" smtClean="0">
+                <a:solidFill>
+                  <a:schemeClr val="tx1"/>
+                </a:solidFill>
+                <a:effectLst/>
+                <a:latin typeface="+mn-lt"/>
+                <a:ea typeface="+mn-ea"/>
+                <a:cs typeface="+mn-cs"/>
+              </a:rPr>
+              <a:t>What </a:t>
+            </a:r>
+            <a:r>
+              <a:rPr lang="en-US" sz="1200" kern="1200" dirty="0" smtClean="0">
+                <a:solidFill>
+                  <a:schemeClr val="tx1"/>
+                </a:solidFill>
+                <a:effectLst/>
+                <a:latin typeface="+mn-lt"/>
+                <a:ea typeface="+mn-ea"/>
+                <a:cs typeface="+mn-cs"/>
+              </a:rPr>
+              <a:t>makes up the box model?</a:t>
+            </a:r>
+          </a:p>
+          <a:p>
+            <a:pPr marL="171450" lvl="0" indent="-171450">
+              <a:buFont typeface="Arial" panose="020B0604020202020204" pitchFamily="34" charset="0"/>
+              <a:buChar char="•"/>
+            </a:pPr>
+            <a:r>
+              <a:rPr lang="en-US" sz="1200" kern="1200" dirty="0" smtClean="0">
+                <a:solidFill>
+                  <a:schemeClr val="tx1"/>
+                </a:solidFill>
+                <a:effectLst/>
+                <a:latin typeface="+mn-lt"/>
+                <a:ea typeface="+mn-ea"/>
+                <a:cs typeface="+mn-cs"/>
+              </a:rPr>
+              <a:t>Write on the board the </a:t>
+            </a:r>
+            <a:r>
+              <a:rPr lang="en-US" sz="1200" kern="1200" dirty="0" err="1" smtClean="0">
+                <a:solidFill>
+                  <a:schemeClr val="tx1"/>
+                </a:solidFill>
+                <a:effectLst/>
+                <a:latin typeface="+mn-lt"/>
+                <a:ea typeface="+mn-ea"/>
+                <a:cs typeface="+mn-cs"/>
+              </a:rPr>
+              <a:t>css</a:t>
+            </a:r>
+            <a:r>
+              <a:rPr lang="en-US" sz="1200" kern="1200" dirty="0" smtClean="0">
+                <a:solidFill>
+                  <a:schemeClr val="tx1"/>
+                </a:solidFill>
+                <a:effectLst/>
+                <a:latin typeface="+mn-lt"/>
+                <a:ea typeface="+mn-ea"/>
+                <a:cs typeface="+mn-cs"/>
+              </a:rPr>
+              <a:t> to set the display to inline for a class named </a:t>
+            </a:r>
+            <a:r>
+              <a:rPr lang="en-US" sz="1200" kern="1200" dirty="0" err="1" smtClean="0">
+                <a:solidFill>
+                  <a:schemeClr val="tx1"/>
+                </a:solidFill>
+                <a:effectLst/>
+                <a:latin typeface="+mn-lt"/>
+                <a:ea typeface="+mn-ea"/>
+                <a:cs typeface="+mn-cs"/>
+              </a:rPr>
+              <a:t>inlineText</a:t>
+            </a:r>
+            <a:r>
+              <a:rPr lang="en-US" sz="1200" kern="1200" dirty="0" smtClean="0">
+                <a:solidFill>
+                  <a:schemeClr val="tx1"/>
+                </a:solidFill>
+                <a:effectLst/>
+                <a:latin typeface="+mn-lt"/>
+                <a:ea typeface="+mn-ea"/>
+                <a:cs typeface="+mn-cs"/>
+              </a:rPr>
+              <a:t>.</a:t>
+            </a:r>
+          </a:p>
+          <a:p>
+            <a:pPr marL="171450" lvl="0" indent="-171450">
+              <a:buFont typeface="Arial" panose="020B0604020202020204" pitchFamily="34" charset="0"/>
+              <a:buChar char="•"/>
+            </a:pPr>
+            <a:r>
+              <a:rPr lang="en-US" sz="1200" kern="1200" dirty="0" smtClean="0">
+                <a:solidFill>
+                  <a:schemeClr val="tx1"/>
+                </a:solidFill>
+                <a:effectLst/>
+                <a:latin typeface="+mn-lt"/>
+                <a:ea typeface="+mn-ea"/>
+                <a:cs typeface="+mn-cs"/>
+              </a:rPr>
+              <a:t>Write on the board the </a:t>
+            </a:r>
+            <a:r>
+              <a:rPr lang="en-US" sz="1200" kern="1200" dirty="0" err="1" smtClean="0">
+                <a:solidFill>
+                  <a:schemeClr val="tx1"/>
+                </a:solidFill>
+                <a:effectLst/>
+                <a:latin typeface="+mn-lt"/>
+                <a:ea typeface="+mn-ea"/>
+                <a:cs typeface="+mn-cs"/>
+              </a:rPr>
+              <a:t>css</a:t>
+            </a:r>
+            <a:r>
+              <a:rPr lang="en-US" sz="1200" kern="1200" dirty="0" smtClean="0">
+                <a:solidFill>
+                  <a:schemeClr val="tx1"/>
+                </a:solidFill>
+                <a:effectLst/>
+                <a:latin typeface="+mn-lt"/>
+                <a:ea typeface="+mn-ea"/>
+                <a:cs typeface="+mn-cs"/>
+              </a:rPr>
+              <a:t> to fix the footer element to the bottom of the page.</a:t>
+            </a:r>
+          </a:p>
+          <a:p>
+            <a:pPr marL="171450" lvl="0" indent="-171450">
+              <a:buFont typeface="Arial" panose="020B0604020202020204" pitchFamily="34" charset="0"/>
+              <a:buChar char="•"/>
+            </a:pPr>
+            <a:r>
+              <a:rPr lang="en-US" sz="1200" kern="1200" dirty="0" smtClean="0">
+                <a:solidFill>
+                  <a:schemeClr val="tx1"/>
+                </a:solidFill>
+                <a:effectLst/>
+                <a:latin typeface="+mn-lt"/>
+                <a:ea typeface="+mn-ea"/>
+                <a:cs typeface="+mn-cs"/>
+              </a:rPr>
+              <a:t>What are some options for page layout?</a:t>
+            </a:r>
+          </a:p>
+          <a:p>
+            <a:pPr marL="171450" lvl="0" indent="-171450">
+              <a:buFont typeface="Arial" panose="020B0604020202020204" pitchFamily="34" charset="0"/>
+              <a:buChar char="•"/>
+            </a:pPr>
+            <a:r>
+              <a:rPr lang="en-US" sz="1200" kern="1200" dirty="0" smtClean="0">
+                <a:solidFill>
+                  <a:schemeClr val="tx1"/>
+                </a:solidFill>
+                <a:effectLst/>
+                <a:latin typeface="+mn-lt"/>
+                <a:ea typeface="+mn-ea"/>
+                <a:cs typeface="+mn-cs"/>
+              </a:rPr>
+              <a:t>What can be done to make a page responsive?</a:t>
+            </a:r>
+          </a:p>
+          <a:p>
+            <a:pPr marL="457200" lvl="1" indent="0">
+              <a:buFont typeface="Arial" panose="020B0604020202020204" pitchFamily="34" charset="0"/>
+              <a:buNone/>
+            </a:pPr>
+            <a:endParaRPr lang="en-US" dirty="0"/>
+          </a:p>
+        </p:txBody>
+      </p:sp>
+      <p:sp>
+        <p:nvSpPr>
+          <p:cNvPr id="4" name="Slide Number Placeholder 3"/>
+          <p:cNvSpPr>
+            <a:spLocks noGrp="1"/>
+          </p:cNvSpPr>
+          <p:nvPr>
+            <p:ph type="sldNum" sz="quarter" idx="10"/>
+          </p:nvPr>
+        </p:nvSpPr>
+        <p:spPr/>
+        <p:txBody>
+          <a:bodyPr/>
+          <a:lstStyle/>
+          <a:p>
             <a:fld id="{226FA58D-4B12-4E7B-A2FA-693CE3EACDFD}" type="slidenum">
               <a:rPr lang="en-US" smtClean="0"/>
-              <a:t>23</a:t>
+              <a:t>26</a:t>
+            </a:fld>
+            <a:endParaRPr lang="en-US"/>
+          </a:p>
+        </p:txBody>
+      </p:sp>
+    </p:spTree>
+    <p:extLst>
+      <p:ext uri="{BB962C8B-B14F-4D97-AF65-F5344CB8AC3E}">
+        <p14:creationId xmlns:p14="http://schemas.microsoft.com/office/powerpoint/2010/main" val="1375049745"/>
+      </p:ext>
+    </p:extLst>
+  </p:cSld>
+  <p:clrMapOvr>
+    <a:masterClrMapping/>
+  </p:clrMapOvr>
+</p:notes>
+</file>
+
+<file path=ppt/notesSlides/notesSlide26.xml><?xml version="1.0" encoding="utf-8"?>
+<p:notes xmlns:a="http://schemas.openxmlformats.org/drawingml/2006/main" xmlns:r="http://schemas.openxmlformats.org/officeDocument/2006/relationships" xmlns:p="http://schemas.openxmlformats.org/presentationml/2006/main">
+  <p:cSld>
+    <p:spTree>
+      <p:nvGrpSpPr>
+        <p:cNvPr id="1" name=""/>
+        <p:cNvGrpSpPr/>
+        <p:nvPr/>
+      </p:nvGrpSpPr>
+      <p:grpSpPr>
+        <a:xfrm>
+          <a:off x="0" y="0"/>
+          <a:ext cx="0" cy="0"/>
+          <a:chOff x="0" y="0"/>
+          <a:chExt cx="0" cy="0"/>
+        </a:xfrm>
+      </p:grpSpPr>
+      <p:sp>
+        <p:nvSpPr>
+          <p:cNvPr id="2" name="Slide Image Placeholder 1"/>
+          <p:cNvSpPr>
+            <a:spLocks noGrp="1" noRot="1" noChangeAspect="1"/>
+          </p:cNvSpPr>
+          <p:nvPr>
+            <p:ph type="sldImg"/>
+          </p:nvPr>
+        </p:nvSpPr>
+        <p:spPr/>
+      </p:sp>
+      <p:sp>
+        <p:nvSpPr>
+          <p:cNvPr id="3" name="Notes Placeholder 2"/>
+          <p:cNvSpPr>
+            <a:spLocks noGrp="1"/>
+          </p:cNvSpPr>
+          <p:nvPr>
+            <p:ph type="body" idx="1"/>
+          </p:nvPr>
+        </p:nvSpPr>
+        <p:spPr/>
+        <p:txBody>
+          <a:bodyPr/>
+          <a:lstStyle/>
+          <a:p>
+            <a:pPr marL="171450" indent="-171450">
+              <a:buFont typeface="Arial" panose="020B0604020202020204" pitchFamily="34" charset="0"/>
+              <a:buChar char="•"/>
+            </a:pPr>
+            <a:endParaRPr lang="en-US" dirty="0"/>
+          </a:p>
+        </p:txBody>
+      </p:sp>
+      <p:sp>
+        <p:nvSpPr>
+          <p:cNvPr id="4" name="Slide Number Placeholder 3"/>
+          <p:cNvSpPr>
+            <a:spLocks noGrp="1"/>
+          </p:cNvSpPr>
+          <p:nvPr>
+            <p:ph type="sldNum" sz="quarter" idx="10"/>
+          </p:nvPr>
+        </p:nvSpPr>
+        <p:spPr/>
+        <p:txBody>
+          <a:bodyPr/>
+          <a:lstStyle/>
+          <a:p>
+            <a:fld id="{226FA58D-4B12-4E7B-A2FA-693CE3EACDFD}" type="slidenum">
+              <a:rPr lang="en-US" smtClean="0"/>
+              <a:t>27</a:t>
+            </a:fld>
+            <a:endParaRPr lang="en-US"/>
+          </a:p>
+        </p:txBody>
+      </p:sp>
+    </p:spTree>
+    <p:extLst>
+      <p:ext uri="{BB962C8B-B14F-4D97-AF65-F5344CB8AC3E}">
+        <p14:creationId xmlns:p14="http://schemas.microsoft.com/office/powerpoint/2010/main" val="4054273796"/>
+      </p:ext>
+    </p:extLst>
+  </p:cSld>
+  <p:clrMapOvr>
+    <a:masterClrMapping/>
+  </p:clrMapOvr>
+</p:notes>
+</file>
+
+<file path=ppt/notesSlides/notesSlide27.xml><?xml version="1.0" encoding="utf-8"?>
+<p:notes xmlns:a="http://schemas.openxmlformats.org/drawingml/2006/main" xmlns:r="http://schemas.openxmlformats.org/officeDocument/2006/relationships" xmlns:p="http://schemas.openxmlformats.org/presentationml/2006/main">
+  <p:cSld>
+    <p:spTree>
+      <p:nvGrpSpPr>
+        <p:cNvPr id="1" name=""/>
+        <p:cNvGrpSpPr/>
+        <p:nvPr/>
+      </p:nvGrpSpPr>
+      <p:grpSpPr>
+        <a:xfrm>
+          <a:off x="0" y="0"/>
+          <a:ext cx="0" cy="0"/>
+          <a:chOff x="0" y="0"/>
+          <a:chExt cx="0" cy="0"/>
+        </a:xfrm>
+      </p:grpSpPr>
+      <p:sp>
+        <p:nvSpPr>
+          <p:cNvPr id="2" name="Slide Image Placeholder 1"/>
+          <p:cNvSpPr>
+            <a:spLocks noGrp="1" noRot="1" noChangeAspect="1"/>
+          </p:cNvSpPr>
+          <p:nvPr>
+            <p:ph type="sldImg"/>
+          </p:nvPr>
+        </p:nvSpPr>
+        <p:spPr/>
+      </p:sp>
+      <p:sp>
+        <p:nvSpPr>
+          <p:cNvPr id="3" name="Notes Placeholder 2"/>
+          <p:cNvSpPr>
+            <a:spLocks noGrp="1"/>
+          </p:cNvSpPr>
+          <p:nvPr>
+            <p:ph type="body" idx="1"/>
+          </p:nvPr>
+        </p:nvSpPr>
+        <p:spPr/>
+        <p:txBody>
+          <a:bodyPr/>
+          <a:lstStyle/>
+          <a:p>
+            <a:pPr marL="171450" lvl="0" indent="-171450">
+              <a:buFont typeface="Arial" panose="020B0604020202020204" pitchFamily="34" charset="0"/>
+              <a:buChar char="•"/>
+            </a:pPr>
+            <a:r>
+              <a:rPr lang="en-US" sz="1200" kern="1200" dirty="0" smtClean="0">
+                <a:solidFill>
+                  <a:schemeClr val="tx1"/>
+                </a:solidFill>
+                <a:effectLst/>
+                <a:latin typeface="+mn-lt"/>
+                <a:ea typeface="+mn-ea"/>
+                <a:cs typeface="+mn-cs"/>
+              </a:rPr>
+              <a:t>What tag is used to reference a separate CSS file?</a:t>
+            </a:r>
+          </a:p>
+          <a:p>
+            <a:pPr marL="171450" lvl="0" indent="-171450">
+              <a:buFont typeface="Arial" panose="020B0604020202020204" pitchFamily="34" charset="0"/>
+              <a:buChar char="•"/>
+            </a:pPr>
+            <a:r>
+              <a:rPr lang="en-US" sz="1200" kern="1200" dirty="0" smtClean="0">
+                <a:solidFill>
+                  <a:schemeClr val="tx1"/>
+                </a:solidFill>
+                <a:effectLst/>
+                <a:latin typeface="+mn-lt"/>
+                <a:ea typeface="+mn-ea"/>
+                <a:cs typeface="+mn-cs"/>
+              </a:rPr>
+              <a:t>Write on the board the </a:t>
+            </a:r>
+            <a:r>
+              <a:rPr lang="en-US" sz="1200" kern="1200" dirty="0" err="1" smtClean="0">
+                <a:solidFill>
+                  <a:schemeClr val="tx1"/>
+                </a:solidFill>
+                <a:effectLst/>
+                <a:latin typeface="+mn-lt"/>
+                <a:ea typeface="+mn-ea"/>
+                <a:cs typeface="+mn-cs"/>
+              </a:rPr>
+              <a:t>css</a:t>
+            </a:r>
+            <a:r>
+              <a:rPr lang="en-US" sz="1200" kern="1200" dirty="0" smtClean="0">
+                <a:solidFill>
+                  <a:schemeClr val="tx1"/>
+                </a:solidFill>
+                <a:effectLst/>
+                <a:latin typeface="+mn-lt"/>
+                <a:ea typeface="+mn-ea"/>
+                <a:cs typeface="+mn-cs"/>
+              </a:rPr>
+              <a:t> to make the font color red for an element with an id of header.</a:t>
+            </a:r>
+          </a:p>
+          <a:p>
+            <a:pPr marL="171450" lvl="0" indent="-171450">
+              <a:buFont typeface="Arial" panose="020B0604020202020204" pitchFamily="34" charset="0"/>
+              <a:buChar char="•"/>
+            </a:pPr>
+            <a:r>
+              <a:rPr lang="en-US" sz="1200" kern="1200" dirty="0" smtClean="0">
+                <a:solidFill>
+                  <a:schemeClr val="tx1"/>
+                </a:solidFill>
+                <a:effectLst/>
+                <a:latin typeface="+mn-lt"/>
+                <a:ea typeface="+mn-ea"/>
+                <a:cs typeface="+mn-cs"/>
+              </a:rPr>
+              <a:t>What makes up the box model?</a:t>
+            </a:r>
+          </a:p>
+          <a:p>
+            <a:pPr marL="171450" lvl="0" indent="-171450">
+              <a:buFont typeface="Arial" panose="020B0604020202020204" pitchFamily="34" charset="0"/>
+              <a:buChar char="•"/>
+            </a:pPr>
+            <a:r>
+              <a:rPr lang="en-US" sz="1200" kern="1200" dirty="0" smtClean="0">
+                <a:solidFill>
+                  <a:schemeClr val="tx1"/>
+                </a:solidFill>
+                <a:effectLst/>
+                <a:latin typeface="+mn-lt"/>
+                <a:ea typeface="+mn-ea"/>
+                <a:cs typeface="+mn-cs"/>
+              </a:rPr>
+              <a:t>Write on the board the </a:t>
+            </a:r>
+            <a:r>
+              <a:rPr lang="en-US" sz="1200" kern="1200" dirty="0" err="1" smtClean="0">
+                <a:solidFill>
+                  <a:schemeClr val="tx1"/>
+                </a:solidFill>
+                <a:effectLst/>
+                <a:latin typeface="+mn-lt"/>
+                <a:ea typeface="+mn-ea"/>
+                <a:cs typeface="+mn-cs"/>
+              </a:rPr>
+              <a:t>css</a:t>
+            </a:r>
+            <a:r>
+              <a:rPr lang="en-US" sz="1200" kern="1200" dirty="0" smtClean="0">
+                <a:solidFill>
+                  <a:schemeClr val="tx1"/>
+                </a:solidFill>
+                <a:effectLst/>
+                <a:latin typeface="+mn-lt"/>
+                <a:ea typeface="+mn-ea"/>
+                <a:cs typeface="+mn-cs"/>
+              </a:rPr>
+              <a:t> to set the display to inline for a class named </a:t>
+            </a:r>
+            <a:r>
+              <a:rPr lang="en-US" sz="1200" kern="1200" dirty="0" err="1" smtClean="0">
+                <a:solidFill>
+                  <a:schemeClr val="tx1"/>
+                </a:solidFill>
+                <a:effectLst/>
+                <a:latin typeface="+mn-lt"/>
+                <a:ea typeface="+mn-ea"/>
+                <a:cs typeface="+mn-cs"/>
+              </a:rPr>
+              <a:t>inlineText</a:t>
+            </a:r>
+            <a:r>
+              <a:rPr lang="en-US" sz="1200" kern="1200" dirty="0" smtClean="0">
+                <a:solidFill>
+                  <a:schemeClr val="tx1"/>
+                </a:solidFill>
+                <a:effectLst/>
+                <a:latin typeface="+mn-lt"/>
+                <a:ea typeface="+mn-ea"/>
+                <a:cs typeface="+mn-cs"/>
+              </a:rPr>
+              <a:t>.</a:t>
+            </a:r>
+          </a:p>
+          <a:p>
+            <a:pPr marL="171450" lvl="0" indent="-171450">
+              <a:buFont typeface="Arial" panose="020B0604020202020204" pitchFamily="34" charset="0"/>
+              <a:buChar char="•"/>
+            </a:pPr>
+            <a:r>
+              <a:rPr lang="en-US" sz="1200" kern="1200" dirty="0" smtClean="0">
+                <a:solidFill>
+                  <a:schemeClr val="tx1"/>
+                </a:solidFill>
+                <a:effectLst/>
+                <a:latin typeface="+mn-lt"/>
+                <a:ea typeface="+mn-ea"/>
+                <a:cs typeface="+mn-cs"/>
+              </a:rPr>
+              <a:t>Write on the board the </a:t>
+            </a:r>
+            <a:r>
+              <a:rPr lang="en-US" sz="1200" kern="1200" dirty="0" err="1" smtClean="0">
+                <a:solidFill>
+                  <a:schemeClr val="tx1"/>
+                </a:solidFill>
+                <a:effectLst/>
+                <a:latin typeface="+mn-lt"/>
+                <a:ea typeface="+mn-ea"/>
+                <a:cs typeface="+mn-cs"/>
+              </a:rPr>
+              <a:t>css</a:t>
+            </a:r>
+            <a:r>
+              <a:rPr lang="en-US" sz="1200" kern="1200" dirty="0" smtClean="0">
+                <a:solidFill>
+                  <a:schemeClr val="tx1"/>
+                </a:solidFill>
+                <a:effectLst/>
+                <a:latin typeface="+mn-lt"/>
+                <a:ea typeface="+mn-ea"/>
+                <a:cs typeface="+mn-cs"/>
+              </a:rPr>
+              <a:t> to fix the footer element to the bottom of the page.</a:t>
+            </a:r>
+          </a:p>
+          <a:p>
+            <a:pPr marL="457200" lvl="1" indent="0">
+              <a:buFont typeface="Arial" panose="020B0604020202020204" pitchFamily="34" charset="0"/>
+              <a:buNone/>
+            </a:pPr>
+            <a:endParaRPr lang="en-US" dirty="0"/>
+          </a:p>
+        </p:txBody>
+      </p:sp>
+      <p:sp>
+        <p:nvSpPr>
+          <p:cNvPr id="4" name="Slide Number Placeholder 3"/>
+          <p:cNvSpPr>
+            <a:spLocks noGrp="1"/>
+          </p:cNvSpPr>
+          <p:nvPr>
+            <p:ph type="sldNum" sz="quarter" idx="10"/>
+          </p:nvPr>
+        </p:nvSpPr>
+        <p:spPr/>
+        <p:txBody>
+          <a:bodyPr/>
+          <a:lstStyle/>
+          <a:p>
+            <a:fld id="{226FA58D-4B12-4E7B-A2FA-693CE3EACDFD}" type="slidenum">
+              <a:rPr lang="en-US" smtClean="0"/>
+              <a:t>28</a:t>
+            </a:fld>
+            <a:endParaRPr lang="en-US"/>
+          </a:p>
+        </p:txBody>
+      </p:sp>
+    </p:spTree>
+    <p:extLst>
+      <p:ext uri="{BB962C8B-B14F-4D97-AF65-F5344CB8AC3E}">
+        <p14:creationId xmlns:p14="http://schemas.microsoft.com/office/powerpoint/2010/main" val="1836442978"/>
+      </p:ext>
+    </p:extLst>
+  </p:cSld>
+  <p:clrMapOvr>
+    <a:masterClrMapping/>
+  </p:clrMapOvr>
+</p:notes>
+</file>
+
+<file path=ppt/notesSlides/notesSlide28.xml><?xml version="1.0" encoding="utf-8"?>
+<p:notes xmlns:a="http://schemas.openxmlformats.org/drawingml/2006/main" xmlns:r="http://schemas.openxmlformats.org/officeDocument/2006/relationships" xmlns:p="http://schemas.openxmlformats.org/presentationml/2006/main">
+  <p:cSld>
+    <p:spTree>
+      <p:nvGrpSpPr>
+        <p:cNvPr id="1" name=""/>
+        <p:cNvGrpSpPr/>
+        <p:nvPr/>
+      </p:nvGrpSpPr>
+      <p:grpSpPr>
+        <a:xfrm>
+          <a:off x="0" y="0"/>
+          <a:ext cx="0" cy="0"/>
+          <a:chOff x="0" y="0"/>
+          <a:chExt cx="0" cy="0"/>
+        </a:xfrm>
+      </p:grpSpPr>
+      <p:sp>
+        <p:nvSpPr>
+          <p:cNvPr id="2" name="Slide Image Placeholder 1"/>
+          <p:cNvSpPr>
+            <a:spLocks noGrp="1" noRot="1" noChangeAspect="1"/>
+          </p:cNvSpPr>
+          <p:nvPr>
+            <p:ph type="sldImg"/>
+          </p:nvPr>
+        </p:nvSpPr>
+        <p:spPr/>
+      </p:sp>
+      <p:sp>
+        <p:nvSpPr>
+          <p:cNvPr id="3" name="Notes Placeholder 2"/>
+          <p:cNvSpPr>
+            <a:spLocks noGrp="1"/>
+          </p:cNvSpPr>
+          <p:nvPr>
+            <p:ph type="body" idx="1"/>
+          </p:nvPr>
+        </p:nvSpPr>
+        <p:spPr/>
+        <p:txBody>
+          <a:bodyPr/>
+          <a:lstStyle/>
+          <a:p>
+            <a:pPr marL="171450" indent="-171450">
+              <a:buFont typeface="Arial" panose="020B0604020202020204" pitchFamily="34" charset="0"/>
+              <a:buChar char="•"/>
+            </a:pPr>
+            <a:endParaRPr lang="en-US" dirty="0"/>
+          </a:p>
+        </p:txBody>
+      </p:sp>
+      <p:sp>
+        <p:nvSpPr>
+          <p:cNvPr id="4" name="Slide Number Placeholder 3"/>
+          <p:cNvSpPr>
+            <a:spLocks noGrp="1"/>
+          </p:cNvSpPr>
+          <p:nvPr>
+            <p:ph type="sldNum" sz="quarter" idx="10"/>
+          </p:nvPr>
+        </p:nvSpPr>
+        <p:spPr/>
+        <p:txBody>
+          <a:bodyPr/>
+          <a:lstStyle/>
+          <a:p>
+            <a:fld id="{226FA58D-4B12-4E7B-A2FA-693CE3EACDFD}" type="slidenum">
+              <a:rPr lang="en-US" smtClean="0"/>
+              <a:t>29</a:t>
             </a:fld>
             <a:endParaRPr lang="en-US"/>
           </a:p>
@@ -3668,34 +4089,11 @@
           <a:bodyPr/>
           <a:lstStyle/>
           <a:p>
-            <a:pPr marL="171450" indent="-171450">
+            <a:pPr marL="457200" lvl="1" indent="0">
               <a:buFont typeface="Arial" panose="020B0604020202020204" pitchFamily="34" charset="0"/>
-              <a:buChar char="•"/>
+              <a:buNone/>
             </a:pPr>
-            <a:r>
-              <a:rPr lang="en-US" baseline="0" dirty="0" smtClean="0"/>
-              <a:t>The box model is an important part of laying out parts of a page.</a:t>
-            </a:r>
-          </a:p>
-          <a:p>
-            <a:pPr marL="171450" indent="-171450">
-              <a:buFont typeface="Arial" panose="020B0604020202020204" pitchFamily="34" charset="0"/>
-              <a:buChar char="•"/>
-            </a:pPr>
-            <a:r>
-              <a:rPr lang="en-US" baseline="0" dirty="0" smtClean="0"/>
-              <a:t>The content is surrounded by the padding.  The padding is surrounded by the border.  The border is surrounded by the margin.</a:t>
-            </a:r>
-          </a:p>
-          <a:p>
-            <a:pPr marL="171450" indent="-171450">
-              <a:buFont typeface="Arial" panose="020B0604020202020204" pitchFamily="34" charset="0"/>
-              <a:buChar char="•"/>
-            </a:pPr>
-            <a:r>
-              <a:rPr lang="en-US" baseline="0" dirty="0" smtClean="0"/>
-              <a:t>All of these need to be considered when figuring out the total size of the content.</a:t>
-            </a:r>
+            <a:endParaRPr lang="en-US" dirty="0"/>
           </a:p>
         </p:txBody>
       </p:sp>
@@ -3714,7 +4112,7 @@
           <a:bodyPr/>
           <a:lstStyle/>
           <a:p>
-            <a:fld id="{90562276-63C7-43F9-8E9E-CFA137F6F839}" type="slidenum">
+            <a:fld id="{CB14DD28-1949-4B74-B4FA-306122DED2C3}" type="slidenum">
               <a:rPr lang="en-US" smtClean="0"/>
               <a:t>10</a:t>
             </a:fld>
@@ -3725,7 +4123,7 @@
     </p:spTree>
     <p:extLst>
       <p:ext uri="{BB962C8B-B14F-4D97-AF65-F5344CB8AC3E}">
-        <p14:creationId xmlns:p14="http://schemas.microsoft.com/office/powerpoint/2010/main" val="3903015995"/>
+        <p14:creationId xmlns:p14="http://schemas.microsoft.com/office/powerpoint/2010/main" val="2110624056"/>
       </p:ext>
     </p:extLst>
   </p:cSld>
@@ -3921,7 +4319,7 @@
           <a:p>
             <a:fld id="{96FB5D56-0812-4ED5-8B52-3D0DCBF578CB}" type="datetimeFigureOut">
               <a:rPr lang="en-US" smtClean="0"/>
-              <a:t>1/20/2018</a:t>
+              <a:t>2/4/2018</a:t>
             </a:fld>
             <a:endParaRPr lang="en-US"/>
           </a:p>
@@ -4196,7 +4594,7 @@
           <a:p>
             <a:fld id="{96FB5D56-0812-4ED5-8B52-3D0DCBF578CB}" type="datetimeFigureOut">
               <a:rPr lang="en-US" smtClean="0"/>
-              <a:t>1/20/2018</a:t>
+              <a:t>2/4/2018</a:t>
             </a:fld>
             <a:endParaRPr lang="en-US"/>
           </a:p>
@@ -4390,7 +4788,7 @@
           <a:p>
             <a:fld id="{96FB5D56-0812-4ED5-8B52-3D0DCBF578CB}" type="datetimeFigureOut">
               <a:rPr lang="en-US" smtClean="0"/>
-              <a:t>1/20/2018</a:t>
+              <a:t>2/4/2018</a:t>
             </a:fld>
             <a:endParaRPr lang="en-US"/>
           </a:p>
@@ -4663,7 +5061,7 @@
           <a:p>
             <a:fld id="{96FB5D56-0812-4ED5-8B52-3D0DCBF578CB}" type="datetimeFigureOut">
               <a:rPr lang="en-US" smtClean="0"/>
-              <a:t>1/20/2018</a:t>
+              <a:t>2/4/2018</a:t>
             </a:fld>
             <a:endParaRPr lang="en-US"/>
           </a:p>
@@ -5004,7 +5402,7 @@
           <a:p>
             <a:fld id="{96FB5D56-0812-4ED5-8B52-3D0DCBF578CB}" type="datetimeFigureOut">
               <a:rPr lang="en-US" smtClean="0"/>
-              <a:t>1/20/2018</a:t>
+              <a:t>2/4/2018</a:t>
             </a:fld>
             <a:endParaRPr lang="en-US"/>
           </a:p>
@@ -5627,7 +6025,7 @@
           <a:p>
             <a:fld id="{96FB5D56-0812-4ED5-8B52-3D0DCBF578CB}" type="datetimeFigureOut">
               <a:rPr lang="en-US" smtClean="0"/>
-              <a:t>1/20/2018</a:t>
+              <a:t>2/4/2018</a:t>
             </a:fld>
             <a:endParaRPr lang="en-US"/>
           </a:p>
@@ -6487,7 +6885,7 @@
           <a:p>
             <a:fld id="{96FB5D56-0812-4ED5-8B52-3D0DCBF578CB}" type="datetimeFigureOut">
               <a:rPr lang="en-US" smtClean="0"/>
-              <a:t>1/20/2018</a:t>
+              <a:t>2/4/2018</a:t>
             </a:fld>
             <a:endParaRPr lang="en-US"/>
           </a:p>
@@ -6657,7 +7055,7 @@
           <a:p>
             <a:fld id="{96FB5D56-0812-4ED5-8B52-3D0DCBF578CB}" type="datetimeFigureOut">
               <a:rPr lang="en-US" smtClean="0"/>
-              <a:t>1/20/2018</a:t>
+              <a:t>2/4/2018</a:t>
             </a:fld>
             <a:endParaRPr lang="en-US"/>
           </a:p>
@@ -6837,7 +7235,7 @@
           <a:p>
             <a:fld id="{96FB5D56-0812-4ED5-8B52-3D0DCBF578CB}" type="datetimeFigureOut">
               <a:rPr lang="en-US" smtClean="0"/>
-              <a:t>1/20/2018</a:t>
+              <a:t>2/4/2018</a:t>
             </a:fld>
             <a:endParaRPr lang="en-US"/>
           </a:p>
@@ -7007,7 +7405,7 @@
           <a:p>
             <a:fld id="{96FB5D56-0812-4ED5-8B52-3D0DCBF578CB}" type="datetimeFigureOut">
               <a:rPr lang="en-US" smtClean="0"/>
-              <a:t>1/20/2018</a:t>
+              <a:t>2/4/2018</a:t>
             </a:fld>
             <a:endParaRPr lang="en-US"/>
           </a:p>
@@ -7254,7 +7652,7 @@
           <a:p>
             <a:fld id="{96FB5D56-0812-4ED5-8B52-3D0DCBF578CB}" type="datetimeFigureOut">
               <a:rPr lang="en-US" smtClean="0"/>
-              <a:t>1/20/2018</a:t>
+              <a:t>2/4/2018</a:t>
             </a:fld>
             <a:endParaRPr lang="en-US"/>
           </a:p>
@@ -7546,7 +7944,7 @@
           <a:p>
             <a:fld id="{96FB5D56-0812-4ED5-8B52-3D0DCBF578CB}" type="datetimeFigureOut">
               <a:rPr lang="en-US" smtClean="0"/>
-              <a:t>1/20/2018</a:t>
+              <a:t>2/4/2018</a:t>
             </a:fld>
             <a:endParaRPr lang="en-US"/>
           </a:p>
@@ -7990,7 +8388,7 @@
           <a:p>
             <a:fld id="{96FB5D56-0812-4ED5-8B52-3D0DCBF578CB}" type="datetimeFigureOut">
               <a:rPr lang="en-US" smtClean="0"/>
-              <a:t>1/20/2018</a:t>
+              <a:t>2/4/2018</a:t>
             </a:fld>
             <a:endParaRPr lang="en-US"/>
           </a:p>
@@ -8108,7 +8506,7 @@
           <a:p>
             <a:fld id="{96FB5D56-0812-4ED5-8B52-3D0DCBF578CB}" type="datetimeFigureOut">
               <a:rPr lang="en-US" smtClean="0"/>
-              <a:t>1/20/2018</a:t>
+              <a:t>2/4/2018</a:t>
             </a:fld>
             <a:endParaRPr lang="en-US"/>
           </a:p>
@@ -8203,7 +8601,7 @@
           <a:p>
             <a:fld id="{96FB5D56-0812-4ED5-8B52-3D0DCBF578CB}" type="datetimeFigureOut">
               <a:rPr lang="en-US" smtClean="0"/>
-              <a:t>1/20/2018</a:t>
+              <a:t>2/4/2018</a:t>
             </a:fld>
             <a:endParaRPr lang="en-US"/>
           </a:p>
@@ -8482,7 +8880,7 @@
           <a:p>
             <a:fld id="{96FB5D56-0812-4ED5-8B52-3D0DCBF578CB}" type="datetimeFigureOut">
               <a:rPr lang="en-US" smtClean="0"/>
-              <a:t>1/20/2018</a:t>
+              <a:t>2/4/2018</a:t>
             </a:fld>
             <a:endParaRPr lang="en-US"/>
           </a:p>
@@ -8757,7 +9155,7 @@
           <a:p>
             <a:fld id="{96FB5D56-0812-4ED5-8B52-3D0DCBF578CB}" type="datetimeFigureOut">
               <a:rPr lang="en-US" smtClean="0"/>
-              <a:t>1/20/2018</a:t>
+              <a:t>2/4/2018</a:t>
             </a:fld>
             <a:endParaRPr lang="en-US"/>
           </a:p>
@@ -9186,7 +9584,7 @@
           <a:p>
             <a:fld id="{96FB5D56-0812-4ED5-8B52-3D0DCBF578CB}" type="datetimeFigureOut">
               <a:rPr lang="en-US" smtClean="0"/>
-              <a:t>1/20/2018</a:t>
+              <a:t>2/4/2018</a:t>
             </a:fld>
             <a:endParaRPr lang="en-US"/>
           </a:p>
@@ -9824,6 +10222,364 @@
           <a:p>
             <a:r>
               <a:rPr lang="en-US" dirty="0" smtClean="0"/>
+              <a:t>EXAMPLE</a:t>
+            </a:r>
+            <a:endParaRPr lang="en-US" dirty="0"/>
+          </a:p>
+        </p:txBody>
+      </p:sp>
+      <p:sp>
+        <p:nvSpPr>
+          <p:cNvPr id="3" name="Text Placeholder 2"/>
+          <p:cNvSpPr>
+            <a:spLocks noGrp="1"/>
+          </p:cNvSpPr>
+          <p:nvPr>
+            <p:ph type="body" idx="1"/>
+          </p:nvPr>
+        </p:nvSpPr>
+        <p:spPr/>
+        <p:txBody>
+          <a:bodyPr/>
+          <a:lstStyle/>
+          <a:p>
+            <a:r>
+              <a:rPr lang="en-US" dirty="0" smtClean="0"/>
+              <a:t>Linking, Selectors, Colors, Text, Comments</a:t>
+            </a:r>
+            <a:endParaRPr lang="en-US" dirty="0"/>
+          </a:p>
+        </p:txBody>
+      </p:sp>
+      <p:pic>
+        <p:nvPicPr>
+          <p:cNvPr id="4" name="Content Placeholder 4"/>
+          <p:cNvPicPr>
+            <a:picLocks noChangeAspect="1"/>
+          </p:cNvPicPr>
+          <p:nvPr/>
+        </p:nvPicPr>
+        <p:blipFill>
+          <a:blip r:embed="rId3">
+            <a:extLst>
+              <a:ext uri="{28A0092B-C50C-407E-A947-70E740481C1C}">
+                <a14:useLocalDpi xmlns:a14="http://schemas.microsoft.com/office/drawing/2010/main" val="0"/>
+              </a:ext>
+            </a:extLst>
+          </a:blip>
+          <a:stretch>
+            <a:fillRect/>
+          </a:stretch>
+        </p:blipFill>
+        <p:spPr>
+          <a:xfrm>
+            <a:off x="1154955" y="563880"/>
+            <a:ext cx="3819192" cy="3055354"/>
+          </a:xfrm>
+          <a:prstGeom prst="rect">
+            <a:avLst/>
+          </a:prstGeom>
+        </p:spPr>
+      </p:pic>
+    </p:spTree>
+    <p:extLst>
+      <p:ext uri="{BB962C8B-B14F-4D97-AF65-F5344CB8AC3E}">
+        <p14:creationId xmlns:p14="http://schemas.microsoft.com/office/powerpoint/2010/main" val="2446691641"/>
+      </p:ext>
+    </p:extLst>
+  </p:cSld>
+  <p:clrMapOvr>
+    <a:masterClrMapping/>
+  </p:clrMapOvr>
+  <p:timing>
+    <p:tnLst>
+      <p:par>
+        <p:cTn id="1" dur="indefinite" restart="never" nodeType="tmRoot"/>
+      </p:par>
+    </p:tnLst>
+  </p:timing>
+</p:sld>
+</file>
+
+<file path=ppt/slides/slide11.xml><?xml version="1.0" encoding="utf-8"?>
+<p:sld xmlns:a="http://schemas.openxmlformats.org/drawingml/2006/main" xmlns:r="http://schemas.openxmlformats.org/officeDocument/2006/relationships" xmlns:p="http://schemas.openxmlformats.org/presentationml/2006/main">
+  <p:cSld>
+    <p:spTree>
+      <p:nvGrpSpPr>
+        <p:cNvPr id="1" name=""/>
+        <p:cNvGrpSpPr/>
+        <p:nvPr/>
+      </p:nvGrpSpPr>
+      <p:grpSpPr>
+        <a:xfrm>
+          <a:off x="0" y="0"/>
+          <a:ext cx="0" cy="0"/>
+          <a:chOff x="0" y="0"/>
+          <a:chExt cx="0" cy="0"/>
+        </a:xfrm>
+      </p:grpSpPr>
+      <p:sp>
+        <p:nvSpPr>
+          <p:cNvPr id="2" name="Title 1"/>
+          <p:cNvSpPr>
+            <a:spLocks noGrp="1"/>
+          </p:cNvSpPr>
+          <p:nvPr>
+            <p:ph type="ctrTitle"/>
+          </p:nvPr>
+        </p:nvSpPr>
+        <p:spPr/>
+        <p:txBody>
+          <a:bodyPr/>
+          <a:lstStyle/>
+          <a:p>
+            <a:r>
+              <a:rPr lang="en-US" dirty="0" smtClean="0"/>
+              <a:t>ASSESSMENT</a:t>
+            </a:r>
+            <a:endParaRPr lang="en-US" dirty="0"/>
+          </a:p>
+        </p:txBody>
+      </p:sp>
+      <p:sp>
+        <p:nvSpPr>
+          <p:cNvPr id="3" name="Subtitle 2"/>
+          <p:cNvSpPr>
+            <a:spLocks noGrp="1"/>
+          </p:cNvSpPr>
+          <p:nvPr>
+            <p:ph type="subTitle" idx="1"/>
+          </p:nvPr>
+        </p:nvSpPr>
+        <p:spPr/>
+        <p:txBody>
+          <a:bodyPr/>
+          <a:lstStyle/>
+          <a:p>
+            <a:r>
+              <a:rPr lang="en-US" dirty="0"/>
+              <a:t>Linking, Selectors, Colors, Text, Comments</a:t>
+            </a:r>
+            <a:endParaRPr lang="en-US" dirty="0"/>
+          </a:p>
+        </p:txBody>
+      </p:sp>
+      <p:pic>
+        <p:nvPicPr>
+          <p:cNvPr id="4" name="Picture 3"/>
+          <p:cNvPicPr>
+            <a:picLocks noChangeAspect="1"/>
+          </p:cNvPicPr>
+          <p:nvPr/>
+        </p:nvPicPr>
+        <p:blipFill>
+          <a:blip r:embed="rId3">
+            <a:extLst>
+              <a:ext uri="{28A0092B-C50C-407E-A947-70E740481C1C}">
+                <a14:useLocalDpi xmlns:a14="http://schemas.microsoft.com/office/drawing/2010/main" val="0"/>
+              </a:ext>
+            </a:extLst>
+          </a:blip>
+          <a:stretch>
+            <a:fillRect/>
+          </a:stretch>
+        </p:blipFill>
+        <p:spPr>
+          <a:xfrm>
+            <a:off x="7950200" y="1447800"/>
+            <a:ext cx="3571240" cy="4529836"/>
+          </a:xfrm>
+          <a:prstGeom prst="rect">
+            <a:avLst/>
+          </a:prstGeom>
+        </p:spPr>
+      </p:pic>
+    </p:spTree>
+    <p:extLst>
+      <p:ext uri="{BB962C8B-B14F-4D97-AF65-F5344CB8AC3E}">
+        <p14:creationId xmlns:p14="http://schemas.microsoft.com/office/powerpoint/2010/main" val="1149223004"/>
+      </p:ext>
+    </p:extLst>
+  </p:cSld>
+  <p:clrMapOvr>
+    <a:masterClrMapping/>
+  </p:clrMapOvr>
+  <p:timing>
+    <p:tnLst>
+      <p:par>
+        <p:cTn id="1" dur="indefinite" restart="never" nodeType="tmRoot"/>
+      </p:par>
+    </p:tnLst>
+  </p:timing>
+</p:sld>
+</file>
+
+<file path=ppt/slides/slide12.xml><?xml version="1.0" encoding="utf-8"?>
+<p:sld xmlns:a="http://schemas.openxmlformats.org/drawingml/2006/main" xmlns:r="http://schemas.openxmlformats.org/officeDocument/2006/relationships" xmlns:p="http://schemas.openxmlformats.org/presentationml/2006/main">
+  <p:cSld>
+    <p:spTree>
+      <p:nvGrpSpPr>
+        <p:cNvPr id="1" name=""/>
+        <p:cNvGrpSpPr/>
+        <p:nvPr/>
+      </p:nvGrpSpPr>
+      <p:grpSpPr>
+        <a:xfrm>
+          <a:off x="0" y="0"/>
+          <a:ext cx="0" cy="0"/>
+          <a:chOff x="0" y="0"/>
+          <a:chExt cx="0" cy="0"/>
+        </a:xfrm>
+      </p:grpSpPr>
+      <p:sp>
+        <p:nvSpPr>
+          <p:cNvPr id="2" name="Title 1"/>
+          <p:cNvSpPr>
+            <a:spLocks noGrp="1"/>
+          </p:cNvSpPr>
+          <p:nvPr>
+            <p:ph type="title"/>
+          </p:nvPr>
+        </p:nvSpPr>
+        <p:spPr/>
+        <p:txBody>
+          <a:bodyPr/>
+          <a:lstStyle/>
+          <a:p>
+            <a:r>
+              <a:rPr lang="en-US" dirty="0" smtClean="0"/>
+              <a:t>Assignment</a:t>
+            </a:r>
+            <a:endParaRPr lang="en-US" dirty="0"/>
+          </a:p>
+        </p:txBody>
+      </p:sp>
+      <p:sp>
+        <p:nvSpPr>
+          <p:cNvPr id="3" name="Content Placeholder 2"/>
+          <p:cNvSpPr>
+            <a:spLocks noGrp="1"/>
+          </p:cNvSpPr>
+          <p:nvPr>
+            <p:ph sz="half" idx="1"/>
+          </p:nvPr>
+        </p:nvSpPr>
+        <p:spPr>
+          <a:xfrm>
+            <a:off x="496388" y="1387975"/>
+            <a:ext cx="7772401" cy="5119408"/>
+          </a:xfrm>
+        </p:spPr>
+        <p:txBody>
+          <a:bodyPr>
+            <a:normAutofit/>
+          </a:bodyPr>
+          <a:lstStyle/>
+          <a:p>
+            <a:r>
+              <a:rPr lang="en-US" sz="3600" dirty="0" smtClean="0"/>
+              <a:t>Style the Status Report Interface.</a:t>
+            </a:r>
+          </a:p>
+          <a:p>
+            <a:r>
+              <a:rPr lang="en-US" sz="3600" dirty="0" smtClean="0"/>
+              <a:t>Center the header text using an id selector.</a:t>
+            </a:r>
+          </a:p>
+          <a:p>
+            <a:r>
+              <a:rPr lang="en-US" sz="3600" dirty="0" smtClean="0"/>
+              <a:t>Modify the paragraph text to be dark grey using a class selector.</a:t>
+            </a:r>
+          </a:p>
+          <a:p>
+            <a:r>
+              <a:rPr lang="en-US" sz="3600" dirty="0" smtClean="0"/>
+              <a:t>Modify the table header tow to be light grey using the element selector.</a:t>
+            </a:r>
+          </a:p>
+          <a:p>
+            <a:endParaRPr lang="en-US" sz="2800" dirty="0"/>
+          </a:p>
+        </p:txBody>
+      </p:sp>
+      <p:pic>
+        <p:nvPicPr>
+          <p:cNvPr id="5" name="Content Placeholder 4"/>
+          <p:cNvPicPr>
+            <a:picLocks noGrp="1" noChangeAspect="1"/>
+          </p:cNvPicPr>
+          <p:nvPr>
+            <p:ph sz="half" idx="2"/>
+          </p:nvPr>
+        </p:nvPicPr>
+        <p:blipFill>
+          <a:blip r:embed="rId3">
+            <a:extLst>
+              <a:ext uri="{28A0092B-C50C-407E-A947-70E740481C1C}">
+                <a14:useLocalDpi xmlns:a14="http://schemas.microsoft.com/office/drawing/2010/main" val="0"/>
+              </a:ext>
+            </a:extLst>
+          </a:blip>
+          <a:stretch>
+            <a:fillRect/>
+          </a:stretch>
+        </p:blipFill>
+        <p:spPr>
+          <a:xfrm>
+            <a:off x="8630940" y="1387975"/>
+            <a:ext cx="3179422" cy="5119408"/>
+          </a:xfrm>
+        </p:spPr>
+      </p:pic>
+    </p:spTree>
+    <p:extLst>
+      <p:ext uri="{BB962C8B-B14F-4D97-AF65-F5344CB8AC3E}">
+        <p14:creationId xmlns:p14="http://schemas.microsoft.com/office/powerpoint/2010/main" val="1388498091"/>
+      </p:ext>
+    </p:extLst>
+  </p:cSld>
+  <p:clrMapOvr>
+    <a:masterClrMapping/>
+  </p:clrMapOvr>
+</p:sld>
+</file>
+
+<file path=ppt/slides/slide13.xml><?xml version="1.0" encoding="utf-8"?>
+<p:sld xmlns:a="http://schemas.openxmlformats.org/drawingml/2006/main" xmlns:r="http://schemas.openxmlformats.org/officeDocument/2006/relationships" xmlns:p="http://schemas.openxmlformats.org/presentationml/2006/main">
+  <p:cSld>
+    <p:spTree>
+      <p:nvGrpSpPr>
+        <p:cNvPr id="1" name=""/>
+        <p:cNvGrpSpPr/>
+        <p:nvPr/>
+      </p:nvGrpSpPr>
+      <p:grpSpPr>
+        <a:xfrm>
+          <a:off x="0" y="0"/>
+          <a:ext cx="0" cy="0"/>
+          <a:chOff x="0" y="0"/>
+          <a:chExt cx="0" cy="0"/>
+        </a:xfrm>
+      </p:grpSpPr>
+      <p:sp>
+        <p:nvSpPr>
+          <p:cNvPr id="2" name="Title 1"/>
+          <p:cNvSpPr>
+            <a:spLocks noGrp="1"/>
+          </p:cNvSpPr>
+          <p:nvPr>
+            <p:ph type="title"/>
+          </p:nvPr>
+        </p:nvSpPr>
+        <p:spPr/>
+        <p:txBody>
+          <a:bodyPr/>
+          <a:lstStyle/>
+          <a:p>
+            <a:r>
+              <a:rPr lang="en-US" dirty="0" smtClean="0"/>
               <a:t>Box Model</a:t>
             </a:r>
             <a:endParaRPr lang="en-US" dirty="0"/>
@@ -10142,570 +10898,6 @@
 </p:sld>
 </file>
 
-<file path=ppt/slides/slide11.xml><?xml version="1.0" encoding="utf-8"?>
-<p:sld xmlns:a="http://schemas.openxmlformats.org/drawingml/2006/main" xmlns:r="http://schemas.openxmlformats.org/officeDocument/2006/relationships" xmlns:p="http://schemas.openxmlformats.org/presentationml/2006/main">
-  <p:cSld>
-    <p:spTree>
-      <p:nvGrpSpPr>
-        <p:cNvPr id="1" name=""/>
-        <p:cNvGrpSpPr/>
-        <p:nvPr/>
-      </p:nvGrpSpPr>
-      <p:grpSpPr>
-        <a:xfrm>
-          <a:off x="0" y="0"/>
-          <a:ext cx="0" cy="0"/>
-          <a:chOff x="0" y="0"/>
-          <a:chExt cx="0" cy="0"/>
-        </a:xfrm>
-      </p:grpSpPr>
-      <p:sp>
-        <p:nvSpPr>
-          <p:cNvPr id="2" name="Title 1"/>
-          <p:cNvSpPr>
-            <a:spLocks noGrp="1"/>
-          </p:cNvSpPr>
-          <p:nvPr>
-            <p:ph type="title"/>
-          </p:nvPr>
-        </p:nvSpPr>
-        <p:spPr/>
-        <p:txBody>
-          <a:bodyPr/>
-          <a:lstStyle/>
-          <a:p>
-            <a:r>
-              <a:rPr lang="en-US" dirty="0" smtClean="0"/>
-              <a:t>Display</a:t>
-            </a:r>
-            <a:endParaRPr lang="en-US" dirty="0"/>
-          </a:p>
-        </p:txBody>
-      </p:sp>
-      <p:sp>
-        <p:nvSpPr>
-          <p:cNvPr id="3" name="Content Placeholder 2"/>
-          <p:cNvSpPr>
-            <a:spLocks noGrp="1"/>
-          </p:cNvSpPr>
-          <p:nvPr>
-            <p:ph sz="half" idx="1"/>
-          </p:nvPr>
-        </p:nvSpPr>
-        <p:spPr/>
-        <p:txBody>
-          <a:bodyPr>
-            <a:normAutofit/>
-          </a:bodyPr>
-          <a:lstStyle/>
-          <a:p>
-            <a:r>
-              <a:rPr lang="en-US" sz="2000" dirty="0" smtClean="0"/>
-              <a:t>Options:</a:t>
-            </a:r>
-          </a:p>
-          <a:p>
-            <a:pPr lvl="1"/>
-            <a:r>
-              <a:rPr lang="en-US" sz="2000" dirty="0" smtClean="0"/>
-              <a:t>inline</a:t>
-            </a:r>
-          </a:p>
-          <a:p>
-            <a:pPr lvl="1"/>
-            <a:r>
-              <a:rPr lang="en-US" sz="2000" dirty="0" smtClean="0"/>
-              <a:t>block</a:t>
-            </a:r>
-          </a:p>
-          <a:p>
-            <a:pPr lvl="1"/>
-            <a:r>
-              <a:rPr lang="en-US" sz="2000" dirty="0" smtClean="0"/>
-              <a:t>flex</a:t>
-            </a:r>
-          </a:p>
-          <a:p>
-            <a:pPr lvl="1"/>
-            <a:r>
-              <a:rPr lang="en-US" sz="2000" dirty="0" smtClean="0"/>
-              <a:t>inline-block</a:t>
-            </a:r>
-          </a:p>
-          <a:p>
-            <a:pPr lvl="1"/>
-            <a:r>
-              <a:rPr lang="en-US" sz="2000" dirty="0" err="1" smtClean="0"/>
-              <a:t>infline</a:t>
-            </a:r>
-            <a:r>
-              <a:rPr lang="en-US" sz="2000" dirty="0" smtClean="0"/>
-              <a:t>-flex</a:t>
-            </a:r>
-          </a:p>
-          <a:p>
-            <a:pPr lvl="1"/>
-            <a:r>
-              <a:rPr lang="en-US" sz="2000" dirty="0" smtClean="0"/>
-              <a:t>table</a:t>
-            </a:r>
-          </a:p>
-          <a:p>
-            <a:pPr lvl="1"/>
-            <a:r>
-              <a:rPr lang="en-US" sz="2000" dirty="0" smtClean="0"/>
-              <a:t>none</a:t>
-            </a:r>
-          </a:p>
-          <a:p>
-            <a:pPr lvl="1"/>
-            <a:r>
-              <a:rPr lang="en-US" sz="2000" dirty="0" smtClean="0"/>
-              <a:t>etc...</a:t>
-            </a:r>
-          </a:p>
-        </p:txBody>
-      </p:sp>
-      <p:sp>
-        <p:nvSpPr>
-          <p:cNvPr id="4" name="Content Placeholder 3"/>
-          <p:cNvSpPr>
-            <a:spLocks noGrp="1"/>
-          </p:cNvSpPr>
-          <p:nvPr>
-            <p:ph sz="half" idx="2"/>
-          </p:nvPr>
-        </p:nvSpPr>
-        <p:spPr/>
-        <p:txBody>
-          <a:bodyPr>
-            <a:normAutofit/>
-          </a:bodyPr>
-          <a:lstStyle/>
-          <a:p>
-            <a:r>
-              <a:rPr lang="en-US" sz="2400" dirty="0" err="1"/>
-              <a:t>Display:none</a:t>
-            </a:r>
-            <a:r>
-              <a:rPr lang="en-US" sz="2400" dirty="0"/>
-              <a:t> vs. Visibility</a:t>
-            </a:r>
-          </a:p>
-          <a:p>
-            <a:r>
-              <a:rPr lang="en-US" sz="2400" dirty="0"/>
-              <a:t>Display Examples:  </a:t>
-            </a:r>
-            <a:r>
-              <a:rPr lang="en-US" sz="2400" dirty="0">
-                <a:hlinkClick r:id="rId3"/>
-              </a:rPr>
-              <a:t>https://css-tricks.com/almanac/properties/d/display/</a:t>
-            </a:r>
-            <a:endParaRPr lang="en-US" sz="2400" dirty="0"/>
-          </a:p>
-          <a:p>
-            <a:r>
-              <a:rPr lang="en-US" sz="2400" dirty="0"/>
-              <a:t>Flexbox Examples:  </a:t>
-            </a:r>
-            <a:r>
-              <a:rPr lang="en-US" sz="2400" dirty="0">
-                <a:hlinkClick r:id="rId4"/>
-              </a:rPr>
-              <a:t>https://css-tricks.com/snippets/css/a-guide-to-flexbox/</a:t>
-            </a:r>
-            <a:endParaRPr lang="en-US" sz="2400" dirty="0"/>
-          </a:p>
-          <a:p>
-            <a:endParaRPr lang="en-US" dirty="0"/>
-          </a:p>
-        </p:txBody>
-      </p:sp>
-    </p:spTree>
-    <p:extLst>
-      <p:ext uri="{BB962C8B-B14F-4D97-AF65-F5344CB8AC3E}">
-        <p14:creationId xmlns:p14="http://schemas.microsoft.com/office/powerpoint/2010/main" val="2833195419"/>
-      </p:ext>
-    </p:extLst>
-  </p:cSld>
-  <p:clrMapOvr>
-    <a:masterClrMapping/>
-  </p:clrMapOvr>
-</p:sld>
-</file>
-
-<file path=ppt/slides/slide12.xml><?xml version="1.0" encoding="utf-8"?>
-<p:sld xmlns:a="http://schemas.openxmlformats.org/drawingml/2006/main" xmlns:r="http://schemas.openxmlformats.org/officeDocument/2006/relationships" xmlns:p="http://schemas.openxmlformats.org/presentationml/2006/main">
-  <p:cSld>
-    <p:spTree>
-      <p:nvGrpSpPr>
-        <p:cNvPr id="1" name=""/>
-        <p:cNvGrpSpPr/>
-        <p:nvPr/>
-      </p:nvGrpSpPr>
-      <p:grpSpPr>
-        <a:xfrm>
-          <a:off x="0" y="0"/>
-          <a:ext cx="0" cy="0"/>
-          <a:chOff x="0" y="0"/>
-          <a:chExt cx="0" cy="0"/>
-        </a:xfrm>
-      </p:grpSpPr>
-      <p:sp>
-        <p:nvSpPr>
-          <p:cNvPr id="2" name="Title 1"/>
-          <p:cNvSpPr>
-            <a:spLocks noGrp="1"/>
-          </p:cNvSpPr>
-          <p:nvPr>
-            <p:ph type="title"/>
-          </p:nvPr>
-        </p:nvSpPr>
-        <p:spPr/>
-        <p:txBody>
-          <a:bodyPr/>
-          <a:lstStyle/>
-          <a:p>
-            <a:r>
-              <a:rPr lang="en-US" dirty="0" smtClean="0"/>
-              <a:t>Position</a:t>
-            </a:r>
-            <a:endParaRPr lang="en-US" dirty="0"/>
-          </a:p>
-        </p:txBody>
-      </p:sp>
-      <p:sp>
-        <p:nvSpPr>
-          <p:cNvPr id="3" name="Content Placeholder 2"/>
-          <p:cNvSpPr>
-            <a:spLocks noGrp="1"/>
-          </p:cNvSpPr>
-          <p:nvPr>
-            <p:ph idx="1"/>
-          </p:nvPr>
-        </p:nvSpPr>
-        <p:spPr/>
-        <p:txBody>
-          <a:bodyPr>
-            <a:normAutofit/>
-          </a:bodyPr>
-          <a:lstStyle/>
-          <a:p>
-            <a:r>
-              <a:rPr lang="en-US" sz="2800" dirty="0" smtClean="0"/>
-              <a:t>Options:</a:t>
-            </a:r>
-          </a:p>
-          <a:p>
-            <a:pPr lvl="1"/>
-            <a:r>
-              <a:rPr lang="en-US" sz="2800" dirty="0" smtClean="0"/>
-              <a:t>static</a:t>
-            </a:r>
-          </a:p>
-          <a:p>
-            <a:pPr lvl="1"/>
-            <a:r>
-              <a:rPr lang="en-US" sz="2800" dirty="0" smtClean="0"/>
-              <a:t>relative</a:t>
-            </a:r>
-          </a:p>
-          <a:p>
-            <a:pPr lvl="1"/>
-            <a:r>
-              <a:rPr lang="en-US" sz="2800" dirty="0" smtClean="0"/>
-              <a:t>fixed</a:t>
-            </a:r>
-          </a:p>
-          <a:p>
-            <a:pPr lvl="1"/>
-            <a:r>
-              <a:rPr lang="en-US" sz="2800" dirty="0" smtClean="0"/>
-              <a:t>absolute</a:t>
-            </a:r>
-            <a:endParaRPr lang="en-US" sz="2800" dirty="0"/>
-          </a:p>
-          <a:p>
-            <a:r>
-              <a:rPr lang="en-US" sz="2800" dirty="0"/>
-              <a:t>Examples:  </a:t>
-            </a:r>
-            <a:r>
-              <a:rPr lang="en-US" sz="2800" dirty="0">
-                <a:hlinkClick r:id="rId3"/>
-              </a:rPr>
-              <a:t>http://</a:t>
-            </a:r>
-            <a:r>
-              <a:rPr lang="en-US" sz="2800" dirty="0" smtClean="0">
-                <a:hlinkClick r:id="rId3"/>
-              </a:rPr>
-              <a:t>learnlayout.com/position.html</a:t>
-            </a:r>
-            <a:endParaRPr lang="en-US" sz="2800" dirty="0" smtClean="0"/>
-          </a:p>
-          <a:p>
-            <a:pPr marL="45720" indent="0">
-              <a:buNone/>
-            </a:pPr>
-            <a:endParaRPr lang="en-US" dirty="0" smtClean="0"/>
-          </a:p>
-        </p:txBody>
-      </p:sp>
-    </p:spTree>
-    <p:extLst>
-      <p:ext uri="{BB962C8B-B14F-4D97-AF65-F5344CB8AC3E}">
-        <p14:creationId xmlns:p14="http://schemas.microsoft.com/office/powerpoint/2010/main" val="577320681"/>
-      </p:ext>
-    </p:extLst>
-  </p:cSld>
-  <p:clrMapOvr>
-    <a:masterClrMapping/>
-  </p:clrMapOvr>
-</p:sld>
-</file>
-
-<file path=ppt/slides/slide13.xml><?xml version="1.0" encoding="utf-8"?>
-<p:sld xmlns:a="http://schemas.openxmlformats.org/drawingml/2006/main" xmlns:r="http://schemas.openxmlformats.org/officeDocument/2006/relationships" xmlns:p="http://schemas.openxmlformats.org/presentationml/2006/main">
-  <p:cSld>
-    <p:spTree>
-      <p:nvGrpSpPr>
-        <p:cNvPr id="1" name=""/>
-        <p:cNvGrpSpPr/>
-        <p:nvPr/>
-      </p:nvGrpSpPr>
-      <p:grpSpPr>
-        <a:xfrm>
-          <a:off x="0" y="0"/>
-          <a:ext cx="0" cy="0"/>
-          <a:chOff x="0" y="0"/>
-          <a:chExt cx="0" cy="0"/>
-        </a:xfrm>
-      </p:grpSpPr>
-      <p:sp>
-        <p:nvSpPr>
-          <p:cNvPr id="2" name="Title 1"/>
-          <p:cNvSpPr>
-            <a:spLocks noGrp="1"/>
-          </p:cNvSpPr>
-          <p:nvPr>
-            <p:ph type="title"/>
-          </p:nvPr>
-        </p:nvSpPr>
-        <p:spPr/>
-        <p:txBody>
-          <a:bodyPr/>
-          <a:lstStyle/>
-          <a:p>
-            <a:r>
-              <a:rPr lang="en-US" dirty="0" smtClean="0"/>
-              <a:t>Float</a:t>
-            </a:r>
-            <a:endParaRPr lang="en-US" dirty="0"/>
-          </a:p>
-        </p:txBody>
-      </p:sp>
-      <p:sp>
-        <p:nvSpPr>
-          <p:cNvPr id="3" name="Content Placeholder 2"/>
-          <p:cNvSpPr>
-            <a:spLocks noGrp="1"/>
-          </p:cNvSpPr>
-          <p:nvPr>
-            <p:ph sz="half" idx="1"/>
-          </p:nvPr>
-        </p:nvSpPr>
-        <p:spPr/>
-        <p:txBody>
-          <a:bodyPr>
-            <a:normAutofit lnSpcReduction="10000"/>
-          </a:bodyPr>
-          <a:lstStyle/>
-          <a:p>
-            <a:r>
-              <a:rPr lang="en-US" sz="2200" dirty="0"/>
-              <a:t>f</a:t>
-            </a:r>
-            <a:r>
-              <a:rPr lang="en-US" sz="2200" dirty="0" smtClean="0"/>
-              <a:t>loat</a:t>
-            </a:r>
-          </a:p>
-          <a:p>
-            <a:pPr lvl="1"/>
-            <a:r>
-              <a:rPr lang="en-US" sz="2200" dirty="0" smtClean="0"/>
-              <a:t>none</a:t>
-            </a:r>
-          </a:p>
-          <a:p>
-            <a:pPr lvl="1"/>
-            <a:r>
-              <a:rPr lang="en-US" sz="2200" dirty="0" smtClean="0"/>
-              <a:t>left</a:t>
-            </a:r>
-          </a:p>
-          <a:p>
-            <a:pPr lvl="1"/>
-            <a:r>
-              <a:rPr lang="en-US" sz="2200" dirty="0" smtClean="0"/>
-              <a:t>right</a:t>
-            </a:r>
-          </a:p>
-          <a:p>
-            <a:pPr lvl="1"/>
-            <a:r>
-              <a:rPr lang="en-US" sz="2200" dirty="0" smtClean="0"/>
-              <a:t>initial</a:t>
-            </a:r>
-          </a:p>
-          <a:p>
-            <a:pPr lvl="1"/>
-            <a:r>
-              <a:rPr lang="en-US" sz="2200" dirty="0" smtClean="0"/>
-              <a:t>inherit</a:t>
-            </a:r>
-          </a:p>
-          <a:p>
-            <a:r>
-              <a:rPr lang="en-US" sz="2200" dirty="0" smtClean="0"/>
-              <a:t>clear</a:t>
-            </a:r>
-          </a:p>
-          <a:p>
-            <a:pPr lvl="1"/>
-            <a:r>
-              <a:rPr lang="en-US" sz="2200" dirty="0" smtClean="0"/>
-              <a:t>Same +both</a:t>
-            </a:r>
-          </a:p>
-          <a:p>
-            <a:r>
-              <a:rPr lang="en-US" sz="2200" dirty="0"/>
-              <a:t>Example:  </a:t>
-            </a:r>
-            <a:r>
-              <a:rPr lang="en-US" sz="2200" dirty="0">
-                <a:hlinkClick r:id="rId3"/>
-              </a:rPr>
-              <a:t>https://css-tricks.com/all-about-floats</a:t>
-            </a:r>
-            <a:r>
-              <a:rPr lang="en-US" sz="2200" dirty="0" smtClean="0">
-                <a:hlinkClick r:id="rId3"/>
-              </a:rPr>
-              <a:t>/</a:t>
-            </a:r>
-            <a:endParaRPr lang="en-US" sz="2200" dirty="0" smtClean="0"/>
-          </a:p>
-          <a:p>
-            <a:pPr marL="45720" indent="0">
-              <a:buNone/>
-            </a:pPr>
-            <a:endParaRPr lang="en-US" dirty="0"/>
-          </a:p>
-        </p:txBody>
-      </p:sp>
-      <p:sp>
-        <p:nvSpPr>
-          <p:cNvPr id="4" name="Content Placeholder 3"/>
-          <p:cNvSpPr>
-            <a:spLocks noGrp="1"/>
-          </p:cNvSpPr>
-          <p:nvPr>
-            <p:ph sz="half" idx="2"/>
-          </p:nvPr>
-        </p:nvSpPr>
-        <p:spPr/>
-        <p:txBody>
-          <a:bodyPr>
-            <a:normAutofit lnSpcReduction="10000"/>
-          </a:bodyPr>
-          <a:lstStyle/>
-          <a:p>
-            <a:r>
-              <a:rPr lang="en-US" sz="2000" dirty="0"/>
-              <a:t>overflow</a:t>
-            </a:r>
-          </a:p>
-          <a:p>
-            <a:pPr lvl="1"/>
-            <a:r>
-              <a:rPr lang="en-US" sz="2000" dirty="0"/>
-              <a:t>visible</a:t>
-            </a:r>
-          </a:p>
-          <a:p>
-            <a:pPr lvl="1"/>
-            <a:r>
-              <a:rPr lang="en-US" sz="2000" dirty="0"/>
-              <a:t>hidden</a:t>
-            </a:r>
-          </a:p>
-          <a:p>
-            <a:pPr lvl="1"/>
-            <a:r>
-              <a:rPr lang="en-US" sz="2000" dirty="0"/>
-              <a:t>scroll</a:t>
-            </a:r>
-          </a:p>
-          <a:p>
-            <a:pPr lvl="1"/>
-            <a:r>
-              <a:rPr lang="en-US" sz="2000" dirty="0"/>
-              <a:t>auto</a:t>
-            </a:r>
-          </a:p>
-          <a:p>
-            <a:pPr lvl="1"/>
-            <a:r>
-              <a:rPr lang="en-US" sz="2000" dirty="0"/>
-              <a:t>initial</a:t>
-            </a:r>
-          </a:p>
-          <a:p>
-            <a:pPr lvl="1"/>
-            <a:r>
-              <a:rPr lang="en-US" sz="2000" dirty="0" smtClean="0"/>
-              <a:t>Inherit</a:t>
-            </a:r>
-          </a:p>
-          <a:p>
-            <a:r>
-              <a:rPr lang="en-US" sz="2000" dirty="0"/>
-              <a:t>Example:  </a:t>
-            </a:r>
-            <a:r>
-              <a:rPr lang="en-US" sz="2000" dirty="0">
-                <a:hlinkClick r:id="rId4"/>
-              </a:rPr>
-              <a:t>https://css-tricks.com/almanac/properties/o/overflow</a:t>
-            </a:r>
-            <a:r>
-              <a:rPr lang="en-US" sz="2000" dirty="0" smtClean="0">
-                <a:hlinkClick r:id="rId4"/>
-              </a:rPr>
-              <a:t>/</a:t>
-            </a:r>
-            <a:endParaRPr lang="en-US" sz="2000" dirty="0" smtClean="0"/>
-          </a:p>
-        </p:txBody>
-      </p:sp>
-    </p:spTree>
-    <p:extLst>
-      <p:ext uri="{BB962C8B-B14F-4D97-AF65-F5344CB8AC3E}">
-        <p14:creationId xmlns:p14="http://schemas.microsoft.com/office/powerpoint/2010/main" val="410006674"/>
-      </p:ext>
-    </p:extLst>
-  </p:cSld>
-  <p:clrMapOvr>
-    <a:masterClrMapping/>
-  </p:clrMapOvr>
-</p:sld>
-</file>
-
 <file path=ppt/slides/slide14.xml><?xml version="1.0" encoding="utf-8"?>
 <p:sld xmlns:a="http://schemas.openxmlformats.org/drawingml/2006/main" xmlns:r="http://schemas.openxmlformats.org/officeDocument/2006/relationships" xmlns:p="http://schemas.openxmlformats.org/presentationml/2006/main">
   <p:cSld>
@@ -10740,7 +10932,7 @@
           <a:p>
             <a:r>
               <a:rPr lang="en-US" dirty="0" smtClean="0"/>
-              <a:t>Alignment</a:t>
+              <a:t>EXAMPLE</a:t>
             </a:r>
             <a:endParaRPr lang="en-US" dirty="0"/>
           </a:p>
@@ -10748,154 +10940,74 @@
       </p:sp>
       <p:sp>
         <p:nvSpPr>
-          <p:cNvPr id="3" name="Content Placeholder 2"/>
-          <p:cNvSpPr>
-            <a:spLocks noGrp="1"/>
-          </p:cNvSpPr>
-          <p:nvPr>
-            <p:ph sz="half" idx="1"/>
-          </p:nvPr>
-        </p:nvSpPr>
-        <p:spPr/>
-        <p:txBody>
-          <a:bodyPr>
-            <a:normAutofit/>
-          </a:bodyPr>
-          <a:lstStyle/>
-          <a:p>
-            <a:r>
-              <a:rPr lang="en-US" sz="2400" dirty="0" smtClean="0"/>
-              <a:t>Center Align Block Element or image</a:t>
-            </a:r>
-          </a:p>
-          <a:p>
-            <a:pPr lvl="1"/>
-            <a:r>
-              <a:rPr lang="en-US" sz="2400" dirty="0"/>
-              <a:t>m</a:t>
-            </a:r>
-            <a:r>
-              <a:rPr lang="en-US" sz="2400" dirty="0" smtClean="0"/>
-              <a:t>argin: auto;</a:t>
-            </a:r>
-          </a:p>
-          <a:p>
-            <a:r>
-              <a:rPr lang="en-US" sz="2400" dirty="0" smtClean="0"/>
-              <a:t>Center Align Text</a:t>
-            </a:r>
-          </a:p>
-          <a:p>
-            <a:pPr lvl="1"/>
-            <a:r>
-              <a:rPr lang="en-US" sz="2400" dirty="0"/>
-              <a:t>t</a:t>
-            </a:r>
-            <a:r>
-              <a:rPr lang="en-US" sz="2400" dirty="0" smtClean="0"/>
-              <a:t>ext-align: center;</a:t>
-            </a:r>
-          </a:p>
-          <a:p>
-            <a:r>
-              <a:rPr lang="en-US" sz="2400" dirty="0" smtClean="0"/>
-              <a:t>Absolute Position Alignment</a:t>
-            </a:r>
-          </a:p>
-          <a:p>
-            <a:pPr lvl="1"/>
-            <a:r>
-              <a:rPr lang="en-US" sz="2400" dirty="0"/>
-              <a:t>p</a:t>
-            </a:r>
-            <a:r>
-              <a:rPr lang="en-US" sz="2400" dirty="0" smtClean="0"/>
-              <a:t>osition: absolute</a:t>
-            </a:r>
-          </a:p>
-          <a:p>
-            <a:pPr lvl="1"/>
-            <a:r>
-              <a:rPr lang="en-US" sz="2400" dirty="0"/>
-              <a:t>r</a:t>
-            </a:r>
-            <a:r>
-              <a:rPr lang="en-US" sz="2400" dirty="0" smtClean="0"/>
-              <a:t>ight: 0px; or left: 0px;</a:t>
-            </a:r>
-          </a:p>
-        </p:txBody>
-      </p:sp>
-      <p:sp>
-        <p:nvSpPr>
-          <p:cNvPr id="4" name="Content Placeholder 3"/>
-          <p:cNvSpPr>
-            <a:spLocks noGrp="1"/>
-          </p:cNvSpPr>
-          <p:nvPr>
-            <p:ph sz="half" idx="2"/>
-          </p:nvPr>
-        </p:nvSpPr>
-        <p:spPr/>
-        <p:txBody>
-          <a:bodyPr>
-            <a:normAutofit/>
-          </a:bodyPr>
-          <a:lstStyle/>
-          <a:p>
-            <a:r>
-              <a:rPr lang="en-US" sz="2400" dirty="0"/>
-              <a:t>Float Alignment</a:t>
-            </a:r>
-          </a:p>
-          <a:p>
-            <a:pPr lvl="1"/>
-            <a:r>
-              <a:rPr lang="en-US" sz="2400" dirty="0"/>
-              <a:t>float: right; or float: left;</a:t>
-            </a:r>
-          </a:p>
-          <a:p>
-            <a:r>
-              <a:rPr lang="en-US" sz="2400" dirty="0"/>
-              <a:t>Center Vertically with Padding</a:t>
-            </a:r>
-          </a:p>
-          <a:p>
-            <a:pPr lvl="1"/>
-            <a:r>
-              <a:rPr lang="en-US" sz="2400" dirty="0"/>
-              <a:t>padding: 70px 0;</a:t>
-            </a:r>
-          </a:p>
-          <a:p>
-            <a:r>
-              <a:rPr lang="en-US" sz="2400" dirty="0"/>
-              <a:t>Example:  </a:t>
-            </a:r>
-            <a:r>
-              <a:rPr lang="en-US" sz="2400" dirty="0">
-                <a:hlinkClick r:id="rId3"/>
-              </a:rPr>
-              <a:t>https://www.w3schools.com/css/css_align.asp</a:t>
-            </a:r>
-            <a:endParaRPr lang="en-US" sz="2400" dirty="0"/>
-          </a:p>
-          <a:p>
+          <p:cNvPr id="3" name="Text Placeholder 2"/>
+          <p:cNvSpPr>
+            <a:spLocks noGrp="1"/>
+          </p:cNvSpPr>
+          <p:nvPr>
+            <p:ph type="body" idx="1"/>
+          </p:nvPr>
+        </p:nvSpPr>
+        <p:spPr/>
+        <p:txBody>
+          <a:bodyPr/>
+          <a:lstStyle/>
+          <a:p>
+            <a:r>
+              <a:rPr lang="en-US" dirty="0" smtClean="0"/>
+              <a:t>Box model</a:t>
+            </a:r>
             <a:endParaRPr lang="en-US" dirty="0"/>
           </a:p>
         </p:txBody>
       </p:sp>
+      <p:pic>
+        <p:nvPicPr>
+          <p:cNvPr id="4" name="Content Placeholder 4"/>
+          <p:cNvPicPr>
+            <a:picLocks noChangeAspect="1"/>
+          </p:cNvPicPr>
+          <p:nvPr/>
+        </p:nvPicPr>
+        <p:blipFill>
+          <a:blip r:embed="rId3">
+            <a:extLst>
+              <a:ext uri="{28A0092B-C50C-407E-A947-70E740481C1C}">
+                <a14:useLocalDpi xmlns:a14="http://schemas.microsoft.com/office/drawing/2010/main" val="0"/>
+              </a:ext>
+            </a:extLst>
+          </a:blip>
+          <a:stretch>
+            <a:fillRect/>
+          </a:stretch>
+        </p:blipFill>
+        <p:spPr>
+          <a:xfrm>
+            <a:off x="1154955" y="563880"/>
+            <a:ext cx="3819192" cy="3055354"/>
+          </a:xfrm>
+          <a:prstGeom prst="rect">
+            <a:avLst/>
+          </a:prstGeom>
+        </p:spPr>
+      </p:pic>
     </p:spTree>
     <p:extLst>
       <p:ext uri="{BB962C8B-B14F-4D97-AF65-F5344CB8AC3E}">
-        <p14:creationId xmlns:p14="http://schemas.microsoft.com/office/powerpoint/2010/main" val="824902312"/>
+        <p14:creationId xmlns:p14="http://schemas.microsoft.com/office/powerpoint/2010/main" val="65290569"/>
       </p:ext>
     </p:extLst>
   </p:cSld>
   <p:clrMapOvr>
     <a:masterClrMapping/>
   </p:clrMapOvr>
+  <p:timing>
+    <p:tnLst>
+      <p:par>
+        <p:cTn id="1" dur="indefinite" restart="never" nodeType="tmRoot"/>
+      </p:par>
+    </p:tnLst>
+  </p:timing>
 </p:sld>
 </file>
 
@@ -10933,7 +11045,7 @@
           <a:p>
             <a:r>
               <a:rPr lang="en-US" dirty="0" smtClean="0"/>
-              <a:t>Pseudo-Class</a:t>
+              <a:t>Display</a:t>
             </a:r>
             <a:endParaRPr lang="en-US" dirty="0"/>
           </a:p>
@@ -10957,42 +11069,68 @@
           <a:lstStyle/>
           <a:p>
             <a:r>
-              <a:rPr lang="en-US" sz="2400" dirty="0" smtClean="0"/>
-              <a:t>Allow to set style of element in certain states.</a:t>
-            </a:r>
-          </a:p>
-          <a:p>
-            <a:r>
-              <a:rPr lang="en-US" sz="2400" dirty="0" smtClean="0"/>
-              <a:t>Examples of Pseudo-Classes:</a:t>
+              <a:rPr lang="en-US" sz="2000" dirty="0" smtClean="0"/>
+              <a:t>Options:</a:t>
             </a:r>
           </a:p>
           <a:p>
             <a:pPr lvl="1"/>
             <a:r>
-              <a:rPr lang="en-US" sz="2400" dirty="0" smtClean="0"/>
-              <a:t>a:active</a:t>
+              <a:rPr lang="en-US" sz="2000" dirty="0" smtClean="0"/>
+              <a:t>inline</a:t>
             </a:r>
           </a:p>
           <a:p>
             <a:pPr lvl="1"/>
             <a:r>
-              <a:rPr lang="en-US" sz="2400" dirty="0" smtClean="0"/>
-              <a:t>a:hover</a:t>
+              <a:rPr lang="en-US" sz="2000" dirty="0" smtClean="0"/>
+              <a:t>block</a:t>
             </a:r>
           </a:p>
           <a:p>
             <a:pPr lvl="1"/>
             <a:r>
-              <a:rPr lang="en-US" sz="2400" dirty="0" smtClean="0"/>
-              <a:t>a:link</a:t>
+              <a:rPr lang="en-US" sz="2000" dirty="0" smtClean="0"/>
+              <a:t>flex</a:t>
             </a:r>
           </a:p>
           <a:p>
             <a:pPr lvl="1"/>
             <a:r>
-              <a:rPr lang="en-US" sz="2400" dirty="0" smtClean="0"/>
-              <a:t>a:visited</a:t>
+              <a:rPr lang="en-US" sz="2000" dirty="0" smtClean="0"/>
+              <a:t>inline-block</a:t>
+            </a:r>
+          </a:p>
+          <a:p>
+            <a:pPr lvl="1"/>
+            <a:r>
+              <a:rPr lang="en-US" sz="2000" dirty="0" err="1" smtClean="0"/>
+              <a:t>infline</a:t>
+            </a:r>
+            <a:r>
+              <a:rPr lang="en-US" sz="2000" dirty="0" smtClean="0"/>
+              <a:t>-flex</a:t>
+            </a:r>
+          </a:p>
+          <a:p>
+            <a:pPr lvl="1"/>
+            <a:r>
+              <a:rPr lang="en-US" sz="2000" dirty="0" smtClean="0"/>
+              <a:t>table</a:t>
+            </a:r>
+          </a:p>
+          <a:p>
+            <a:pPr lvl="1"/>
+            <a:r>
+              <a:rPr lang="en-US" sz="2000" dirty="0" smtClean="0"/>
+              <a:t>none</a:t>
+            </a:r>
+          </a:p>
+          <a:p>
+            <a:pPr lvl="1"/>
+            <a:r>
+              <a:rPr lang="en-US" sz="2000" dirty="0" smtClean="0"/>
+              <a:t>etc...</a:t>
             </a:r>
           </a:p>
         </p:txBody>
@@ -11014,50 +11152,38 @@
           </a:bodyPr>
           <a:lstStyle/>
           <a:p>
-            <a:pPr lvl="1"/>
             <a:r>
               <a:rPr lang="en-US" sz="2400" dirty="0" err="1"/>
-              <a:t>input:checked</a:t>
+              <a:t>Display:none</a:t>
+            </a:r>
+            <a:r>
+              <a:rPr lang="en-US" sz="2400" dirty="0"/>
+              <a:t> vs. Visibility</a:t>
+            </a:r>
+          </a:p>
+          <a:p>
+            <a:r>
+              <a:rPr lang="en-US" sz="2400" dirty="0"/>
+              <a:t>Display Examples:  </a:t>
+            </a:r>
+            <a:r>
+              <a:rPr lang="en-US" sz="2400" dirty="0">
+                <a:hlinkClick r:id="rId3"/>
+              </a:rPr>
+              <a:t>https://css-tricks.com/almanac/properties/d/display/</a:t>
             </a:r>
             <a:endParaRPr lang="en-US" sz="2400" dirty="0"/>
           </a:p>
           <a:p>
-            <a:pPr lvl="1"/>
-            <a:r>
-              <a:rPr lang="en-US" sz="2400" dirty="0" err="1"/>
-              <a:t>input:disabled</a:t>
-            </a:r>
-            <a:endParaRPr lang="en-US" sz="2400" dirty="0"/>
-          </a:p>
-          <a:p>
-            <a:pPr lvl="1"/>
-            <a:r>
-              <a:rPr lang="en-US" sz="2400" dirty="0" err="1"/>
-              <a:t>input:enabled</a:t>
-            </a:r>
-            <a:endParaRPr lang="en-US" sz="2400" dirty="0"/>
-          </a:p>
-          <a:p>
-            <a:pPr lvl="1"/>
-            <a:r>
-              <a:rPr lang="en-US" sz="2400" dirty="0" err="1"/>
-              <a:t>input:focus</a:t>
-            </a:r>
-            <a:endParaRPr lang="en-US" sz="2400" dirty="0"/>
-          </a:p>
-          <a:p>
-            <a:pPr lvl="1"/>
-            <a:r>
-              <a:rPr lang="en-US" sz="2400" dirty="0" err="1"/>
-              <a:t>input:invalid</a:t>
-            </a:r>
-            <a:endParaRPr lang="en-US" sz="2400" dirty="0"/>
-          </a:p>
-          <a:p>
-            <a:pPr lvl="1"/>
-            <a:r>
-              <a:rPr lang="en-US" sz="2400" dirty="0" err="1"/>
-              <a:t>input:valid</a:t>
+            <a:r>
+              <a:rPr lang="en-US" sz="2400" dirty="0"/>
+              <a:t>Flexbox Examples:  </a:t>
+            </a:r>
+            <a:r>
+              <a:rPr lang="en-US" sz="2400" dirty="0">
+                <a:hlinkClick r:id="rId4"/>
+              </a:rPr>
+              <a:t>https://css-tricks.com/snippets/css/a-guide-to-flexbox/</a:t>
             </a:r>
             <a:endParaRPr lang="en-US" sz="2400" dirty="0"/>
           </a:p>
@@ -11069,7 +11195,7 @@
     </p:spTree>
     <p:extLst>
       <p:ext uri="{BB962C8B-B14F-4D97-AF65-F5344CB8AC3E}">
-        <p14:creationId xmlns:p14="http://schemas.microsoft.com/office/powerpoint/2010/main" val="2734982113"/>
+        <p14:creationId xmlns:p14="http://schemas.microsoft.com/office/powerpoint/2010/main" val="2833195419"/>
       </p:ext>
     </p:extLst>
   </p:cSld>
@@ -11113,11 +11239,7 @@
           <a:p>
             <a:r>
               <a:rPr lang="en-US" dirty="0" smtClean="0"/>
-              <a:t>Where is </a:t>
-            </a:r>
-            <a:r>
-              <a:rPr lang="en-US" smtClean="0"/>
-              <a:t>my style?</a:t>
+              <a:t>Position</a:t>
             </a:r>
             <a:endParaRPr lang="en-US" dirty="0"/>
           </a:p>
@@ -11136,90 +11258,75 @@
         <p:spPr/>
         <p:txBody>
           <a:bodyPr>
-            <a:normAutofit lnSpcReduction="10000"/>
+            <a:normAutofit/>
           </a:bodyPr>
           <a:lstStyle/>
           <a:p>
             <a:r>
-              <a:rPr lang="en-US" dirty="0" smtClean="0"/>
-              <a:t>Importance</a:t>
+              <a:rPr lang="en-US" sz="2800" dirty="0" smtClean="0"/>
+              <a:t>Options:</a:t>
             </a:r>
           </a:p>
           <a:p>
             <a:pPr lvl="1"/>
             <a:r>
-              <a:rPr lang="en-US" dirty="0" smtClean="0"/>
-              <a:t>Add !important to the end of a property</a:t>
+              <a:rPr lang="en-US" sz="2800" dirty="0" smtClean="0"/>
+              <a:t>static</a:t>
             </a:r>
           </a:p>
           <a:p>
             <a:pPr lvl="1"/>
             <a:r>
-              <a:rPr lang="en-US" dirty="0" smtClean="0"/>
-              <a:t>Wins over all other rules (not recommended)</a:t>
-            </a:r>
-          </a:p>
-          <a:p>
-            <a:r>
-              <a:rPr lang="en-US" dirty="0" smtClean="0"/>
-              <a:t>Specificity</a:t>
+              <a:rPr lang="en-US" sz="2800" dirty="0" smtClean="0"/>
+              <a:t>relative</a:t>
             </a:r>
           </a:p>
           <a:p>
             <a:pPr lvl="1"/>
             <a:r>
-              <a:rPr lang="en-US" dirty="0" smtClean="0"/>
-              <a:t>Measured using 4 values </a:t>
-            </a:r>
-          </a:p>
-          <a:p>
-            <a:pPr lvl="2"/>
-            <a:r>
-              <a:rPr lang="en-US" dirty="0" smtClean="0"/>
-              <a:t>Thousands – inside style element or style attribute</a:t>
-            </a:r>
-          </a:p>
-          <a:p>
-            <a:pPr lvl="2"/>
-            <a:r>
-              <a:rPr lang="en-US" dirty="0" smtClean="0"/>
-              <a:t>Hundreds – one for each ID selector</a:t>
-            </a:r>
-          </a:p>
-          <a:p>
-            <a:pPr lvl="2"/>
-            <a:r>
-              <a:rPr lang="en-US" dirty="0" smtClean="0"/>
-              <a:t>Tens – one for each class selector, attribute selector, or pseudo-class</a:t>
-            </a:r>
-          </a:p>
-          <a:p>
-            <a:pPr lvl="2"/>
-            <a:r>
-              <a:rPr lang="en-US" dirty="0" smtClean="0"/>
-              <a:t>Ones – one for each element selector or pseudo-element</a:t>
-            </a:r>
-          </a:p>
-          <a:p>
-            <a:r>
-              <a:rPr lang="en-US" dirty="0" smtClean="0"/>
-              <a:t>Source Order</a:t>
+              <a:rPr lang="en-US" sz="2800" dirty="0" smtClean="0"/>
+              <a:t>fixed</a:t>
             </a:r>
           </a:p>
           <a:p>
             <a:pPr lvl="1"/>
             <a:r>
-              <a:rPr lang="en-US" dirty="0" smtClean="0"/>
-              <a:t>Later rule wins if everything else is the same</a:t>
-            </a:r>
-            <a:endParaRPr lang="en-US" dirty="0"/>
+              <a:rPr lang="en-US" sz="2800" dirty="0" smtClean="0"/>
+              <a:t>absolute</a:t>
+            </a:r>
+            <a:endParaRPr lang="en-US" sz="2800" dirty="0"/>
+          </a:p>
+          <a:p>
+            <a:r>
+              <a:rPr lang="en-US" sz="2800" dirty="0"/>
+              <a:t>Examples:  </a:t>
+            </a:r>
+            <a:r>
+              <a:rPr lang="en-US" sz="2800" dirty="0">
+                <a:hlinkClick r:id="rId3"/>
+              </a:rPr>
+              <a:t>http://</a:t>
+            </a:r>
+            <a:r>
+              <a:rPr lang="en-US" sz="2800" dirty="0" smtClean="0">
+                <a:hlinkClick r:id="rId3"/>
+              </a:rPr>
+              <a:t>learnlayout.com/position.html</a:t>
+            </a:r>
+            <a:endParaRPr lang="en-US" sz="2800" dirty="0" smtClean="0"/>
+          </a:p>
+          <a:p>
+            <a:pPr marL="45720" indent="0">
+              <a:buNone/>
+            </a:pPr>
+            <a:endParaRPr lang="en-US" dirty="0" smtClean="0"/>
           </a:p>
         </p:txBody>
       </p:sp>
     </p:spTree>
     <p:extLst>
       <p:ext uri="{BB962C8B-B14F-4D97-AF65-F5344CB8AC3E}">
-        <p14:creationId xmlns:p14="http://schemas.microsoft.com/office/powerpoint/2010/main" val="2125971102"/>
+        <p14:creationId xmlns:p14="http://schemas.microsoft.com/office/powerpoint/2010/main" val="577320681"/>
       </p:ext>
     </p:extLst>
   </p:cSld>
@@ -11263,7 +11370,7 @@
           <a:p>
             <a:r>
               <a:rPr lang="en-US" dirty="0" smtClean="0"/>
-              <a:t>Page Layouts</a:t>
+              <a:t>Float</a:t>
             </a:r>
             <a:endParaRPr lang="en-US" dirty="0"/>
           </a:p>
@@ -11282,117 +11389,183 @@
         <p:spPr/>
         <p:txBody>
           <a:bodyPr>
-            <a:normAutofit/>
+            <a:normAutofit lnSpcReduction="10000"/>
           </a:bodyPr>
           <a:lstStyle/>
           <a:p>
             <a:r>
-              <a:rPr lang="en-US" sz="2800" dirty="0" smtClean="0"/>
-              <a:t>Options:  </a:t>
+              <a:rPr lang="en-US" sz="2200" dirty="0"/>
+              <a:t>f</a:t>
+            </a:r>
+            <a:r>
+              <a:rPr lang="en-US" sz="2200" dirty="0" smtClean="0"/>
+              <a:t>loat</a:t>
             </a:r>
           </a:p>
           <a:p>
             <a:pPr lvl="1"/>
             <a:r>
-              <a:rPr lang="en-US" sz="2800" dirty="0" smtClean="0"/>
-              <a:t>Tables</a:t>
+              <a:rPr lang="en-US" sz="2200" dirty="0" smtClean="0"/>
+              <a:t>none</a:t>
             </a:r>
           </a:p>
           <a:p>
             <a:pPr lvl="1"/>
             <a:r>
-              <a:rPr lang="en-US" sz="2800" dirty="0" smtClean="0"/>
-              <a:t>Float</a:t>
+              <a:rPr lang="en-US" sz="2200" dirty="0" smtClean="0"/>
+              <a:t>left</a:t>
             </a:r>
           </a:p>
           <a:p>
             <a:pPr lvl="1"/>
             <a:r>
-              <a:rPr lang="en-US" sz="2800" dirty="0" smtClean="0"/>
-              <a:t>CSS Framework</a:t>
+              <a:rPr lang="en-US" sz="2200" dirty="0" smtClean="0"/>
+              <a:t>right</a:t>
             </a:r>
           </a:p>
           <a:p>
             <a:pPr lvl="1"/>
             <a:r>
-              <a:rPr lang="en-US" sz="2800" dirty="0" smtClean="0"/>
-              <a:t>Flexbox</a:t>
+              <a:rPr lang="en-US" sz="2200" dirty="0" smtClean="0"/>
+              <a:t>initial</a:t>
             </a:r>
           </a:p>
           <a:p>
             <a:pPr lvl="1"/>
             <a:r>
-              <a:rPr lang="en-US" sz="2800" dirty="0" smtClean="0"/>
-              <a:t>CSS Grid</a:t>
-            </a:r>
-            <a:endParaRPr lang="en-US" sz="2800" dirty="0" smtClean="0"/>
-          </a:p>
-        </p:txBody>
-      </p:sp>
-      <p:sp>
-        <p:nvSpPr>
-          <p:cNvPr id="4" name="Content Placeholder 3"/>
-          <p:cNvSpPr>
-            <a:spLocks noGrp="1"/>
-          </p:cNvSpPr>
-          <p:nvPr>
-            <p:ph sz="half" idx="2"/>
-          </p:nvPr>
-        </p:nvSpPr>
-        <p:spPr/>
-        <p:txBody>
-          <a:bodyPr>
-            <a:normAutofit/>
-          </a:bodyPr>
-          <a:lstStyle/>
-          <a:p>
-            <a:r>
-              <a:rPr lang="en-US" dirty="0"/>
+              <a:rPr lang="en-US" sz="2200" dirty="0" smtClean="0"/>
+              <a:t>inherit</a:t>
+            </a:r>
+          </a:p>
+          <a:p>
+            <a:r>
+              <a:rPr lang="en-US" sz="2200" dirty="0" smtClean="0"/>
+              <a:t>clear</a:t>
+            </a:r>
+          </a:p>
+          <a:p>
+            <a:pPr lvl="1"/>
+            <a:r>
+              <a:rPr lang="en-US" sz="2200" dirty="0" smtClean="0"/>
+              <a:t>Same +both</a:t>
+            </a:r>
+          </a:p>
+          <a:p>
+            <a:r>
+              <a:rPr lang="en-US" sz="2200" dirty="0"/>
               <a:t>Example:  </a:t>
             </a:r>
             <a:r>
-              <a:rPr lang="en-US" dirty="0">
+              <a:rPr lang="en-US" sz="2200" dirty="0">
                 <a:hlinkClick r:id="rId3"/>
               </a:rPr>
-              <a:t>https://www.codementor.io/codementorteam/4-different-html-css-layout-techniques-to-create-a-site-85i9t1x34</a:t>
-            </a:r>
+              <a:t>https://css-tricks.com/all-about-floats</a:t>
+            </a:r>
+            <a:r>
+              <a:rPr lang="en-US" sz="2200" dirty="0" smtClean="0">
+                <a:hlinkClick r:id="rId3"/>
+              </a:rPr>
+              <a:t>/</a:t>
+            </a:r>
+            <a:endParaRPr lang="en-US" sz="2200" dirty="0" smtClean="0"/>
+          </a:p>
+          <a:p>
+            <a:pPr marL="45720" indent="0">
+              <a:buNone/>
+            </a:pPr>
             <a:endParaRPr lang="en-US" dirty="0"/>
           </a:p>
-          <a:p>
-            <a:r>
-              <a:rPr lang="en-US" dirty="0"/>
-              <a:t>Bootstrap Templates:  </a:t>
-            </a:r>
-            <a:r>
-              <a:rPr lang="en-US" dirty="0">
+        </p:txBody>
+      </p:sp>
+      <p:sp>
+        <p:nvSpPr>
+          <p:cNvPr id="4" name="Content Placeholder 3"/>
+          <p:cNvSpPr>
+            <a:spLocks noGrp="1"/>
+          </p:cNvSpPr>
+          <p:nvPr>
+            <p:ph sz="half" idx="2"/>
+          </p:nvPr>
+        </p:nvSpPr>
+        <p:spPr/>
+        <p:txBody>
+          <a:bodyPr>
+            <a:normAutofit lnSpcReduction="10000"/>
+          </a:bodyPr>
+          <a:lstStyle/>
+          <a:p>
+            <a:r>
+              <a:rPr lang="en-US" sz="2000" dirty="0"/>
+              <a:t>overflow</a:t>
+            </a:r>
+          </a:p>
+          <a:p>
+            <a:pPr lvl="1"/>
+            <a:r>
+              <a:rPr lang="en-US" sz="2000" dirty="0"/>
+              <a:t>visible</a:t>
+            </a:r>
+          </a:p>
+          <a:p>
+            <a:pPr lvl="1"/>
+            <a:r>
+              <a:rPr lang="en-US" sz="2000" dirty="0"/>
+              <a:t>hidden</a:t>
+            </a:r>
+          </a:p>
+          <a:p>
+            <a:pPr lvl="1"/>
+            <a:r>
+              <a:rPr lang="en-US" sz="2000" dirty="0"/>
+              <a:t>scroll</a:t>
+            </a:r>
+          </a:p>
+          <a:p>
+            <a:pPr lvl="1"/>
+            <a:r>
+              <a:rPr lang="en-US" sz="2000" dirty="0"/>
+              <a:t>auto</a:t>
+            </a:r>
+          </a:p>
+          <a:p>
+            <a:pPr lvl="1"/>
+            <a:r>
+              <a:rPr lang="en-US" sz="2000" dirty="0"/>
+              <a:t>initial</a:t>
+            </a:r>
+          </a:p>
+          <a:p>
+            <a:pPr lvl="1"/>
+            <a:r>
+              <a:rPr lang="en-US" sz="2000" dirty="0" smtClean="0"/>
+              <a:t>Inherit</a:t>
+            </a:r>
+          </a:p>
+          <a:p>
+            <a:r>
+              <a:rPr lang="en-US" sz="2000" dirty="0"/>
+              <a:t>Example:  </a:t>
+            </a:r>
+            <a:r>
+              <a:rPr lang="en-US" sz="2000" dirty="0">
                 <a:hlinkClick r:id="rId4"/>
               </a:rPr>
-              <a:t>https://www.w3schools.com/bootstrap/bootstrap_templates.asp</a:t>
-            </a:r>
-            <a:endParaRPr lang="en-US" dirty="0"/>
-          </a:p>
-          <a:p>
-            <a:r>
-              <a:rPr lang="en-US" dirty="0"/>
-              <a:t>Scroll Template:  </a:t>
-            </a:r>
-            <a:r>
-              <a:rPr lang="en-US" dirty="0">
-                <a:hlinkClick r:id="rId5"/>
+              <a:t>https://css-tricks.com/almanac/properties/o/overflow</a:t>
+            </a:r>
+            <a:r>
+              <a:rPr lang="en-US" sz="2000" dirty="0" smtClean="0">
+                <a:hlinkClick r:id="rId4"/>
               </a:rPr>
-              <a:t>https://www.w3schools.com/bootstrap/bootstrap_theme_company.asp</a:t>
-            </a:r>
-            <a:endParaRPr lang="en-US" dirty="0"/>
-          </a:p>
-          <a:p>
-            <a:endParaRPr lang="en-US" dirty="0"/>
+              <a:t>/</a:t>
+            </a:r>
+            <a:endParaRPr lang="en-US" sz="2000" dirty="0" smtClean="0"/>
           </a:p>
         </p:txBody>
       </p:sp>
     </p:spTree>
     <p:extLst>
       <p:ext uri="{BB962C8B-B14F-4D97-AF65-F5344CB8AC3E}">
-        <p14:creationId xmlns:p14="http://schemas.microsoft.com/office/powerpoint/2010/main" val="3024625893"/>
+        <p14:creationId xmlns:p14="http://schemas.microsoft.com/office/powerpoint/2010/main" val="410006674"/>
       </p:ext>
     </p:extLst>
   </p:cSld>
@@ -11436,7 +11609,7 @@
           <a:p>
             <a:r>
               <a:rPr lang="en-US" dirty="0" smtClean="0"/>
-              <a:t>Responsive</a:t>
+              <a:t>EXAMPLE</a:t>
             </a:r>
             <a:endParaRPr lang="en-US" dirty="0"/>
           </a:p>
@@ -11444,71 +11617,74 @@
       </p:sp>
       <p:sp>
         <p:nvSpPr>
-          <p:cNvPr id="3" name="Content Placeholder 2"/>
-          <p:cNvSpPr>
-            <a:spLocks noGrp="1"/>
-          </p:cNvSpPr>
-          <p:nvPr>
-            <p:ph idx="1"/>
-          </p:nvPr>
-        </p:nvSpPr>
-        <p:spPr/>
-        <p:txBody>
-          <a:bodyPr>
-            <a:normAutofit/>
-          </a:bodyPr>
-          <a:lstStyle/>
-          <a:p>
-            <a:r>
-              <a:rPr lang="en-US" sz="2800" dirty="0" smtClean="0"/>
-              <a:t>Designing to work on any monitor size or device</a:t>
-            </a:r>
-          </a:p>
-          <a:p>
-            <a:r>
-              <a:rPr lang="en-US" sz="2800" dirty="0" smtClean="0"/>
-              <a:t>Use a Grid </a:t>
-            </a:r>
-            <a:r>
-              <a:rPr lang="en-US" sz="2800" dirty="0"/>
-              <a:t>S</a:t>
-            </a:r>
-            <a:r>
-              <a:rPr lang="en-US" sz="2800" dirty="0" smtClean="0"/>
-              <a:t>ystem</a:t>
-            </a:r>
-          </a:p>
-          <a:p>
-            <a:r>
-              <a:rPr lang="en-US" sz="2800" dirty="0" smtClean="0"/>
-              <a:t>Use Media Queries</a:t>
-            </a:r>
-          </a:p>
-          <a:p>
-            <a:r>
-              <a:rPr lang="en-US" sz="2800" dirty="0" smtClean="0"/>
-              <a:t>Use Vector Graphics or Alternate Images</a:t>
-            </a:r>
-          </a:p>
-          <a:p>
-            <a:r>
-              <a:rPr lang="en-US" sz="2800" dirty="0" smtClean="0"/>
-              <a:t>Use a Framework like Bootstrap</a:t>
-            </a:r>
-            <a:endParaRPr lang="en-US" sz="2800" dirty="0"/>
-          </a:p>
-        </p:txBody>
-      </p:sp>
+          <p:cNvPr id="3" name="Text Placeholder 2"/>
+          <p:cNvSpPr>
+            <a:spLocks noGrp="1"/>
+          </p:cNvSpPr>
+          <p:nvPr>
+            <p:ph type="body" idx="1"/>
+          </p:nvPr>
+        </p:nvSpPr>
+        <p:spPr/>
+        <p:txBody>
+          <a:bodyPr/>
+          <a:lstStyle/>
+          <a:p>
+            <a:r>
+              <a:rPr lang="en-US" dirty="0" smtClean="0"/>
+              <a:t>Display, Position, Float, Flex b ox</a:t>
+            </a:r>
+            <a:endParaRPr lang="en-US" dirty="0"/>
+          </a:p>
+        </p:txBody>
+      </p:sp>
+      <p:pic>
+        <p:nvPicPr>
+          <p:cNvPr id="4" name="Content Placeholder 4"/>
+          <p:cNvPicPr>
+            <a:picLocks noChangeAspect="1"/>
+          </p:cNvPicPr>
+          <p:nvPr/>
+        </p:nvPicPr>
+        <p:blipFill>
+          <a:blip r:embed="rId3">
+            <a:extLst>
+              <a:ext uri="{28A0092B-C50C-407E-A947-70E740481C1C}">
+                <a14:useLocalDpi xmlns:a14="http://schemas.microsoft.com/office/drawing/2010/main" val="0"/>
+              </a:ext>
+            </a:extLst>
+          </a:blip>
+          <a:stretch>
+            <a:fillRect/>
+          </a:stretch>
+        </p:blipFill>
+        <p:spPr>
+          <a:xfrm>
+            <a:off x="1154955" y="563880"/>
+            <a:ext cx="3819192" cy="3055354"/>
+          </a:xfrm>
+          <a:prstGeom prst="rect">
+            <a:avLst/>
+          </a:prstGeom>
+        </p:spPr>
+      </p:pic>
     </p:spTree>
     <p:extLst>
       <p:ext uri="{BB962C8B-B14F-4D97-AF65-F5344CB8AC3E}">
-        <p14:creationId xmlns:p14="http://schemas.microsoft.com/office/powerpoint/2010/main" val="1862052600"/>
+        <p14:creationId xmlns:p14="http://schemas.microsoft.com/office/powerpoint/2010/main" val="16490265"/>
       </p:ext>
     </p:extLst>
   </p:cSld>
   <p:clrMapOvr>
     <a:masterClrMapping/>
   </p:clrMapOvr>
+  <p:timing>
+    <p:tnLst>
+      <p:par>
+        <p:cTn id="1" dur="indefinite" restart="never" nodeType="tmRoot"/>
+      </p:par>
+    </p:tnLst>
+  </p:timing>
 </p:sld>
 </file>
 
@@ -11546,7 +11722,7 @@
           <a:p>
             <a:r>
               <a:rPr lang="en-US" dirty="0" smtClean="0"/>
-              <a:t>EXAMPLE</a:t>
+              <a:t>Assignment</a:t>
             </a:r>
             <a:endParaRPr lang="en-US" dirty="0"/>
           </a:p>
@@ -11554,44 +11730,75 @@
       </p:sp>
       <p:sp>
         <p:nvSpPr>
-          <p:cNvPr id="3" name="Text Placeholder 2"/>
-          <p:cNvSpPr>
-            <a:spLocks noGrp="1"/>
-          </p:cNvSpPr>
-          <p:nvPr>
-            <p:ph type="body" idx="1"/>
-          </p:nvPr>
-        </p:nvSpPr>
-        <p:spPr/>
-        <p:txBody>
-          <a:bodyPr/>
-          <a:lstStyle/>
-          <a:p>
-            <a:r>
-              <a:rPr lang="en-US" dirty="0" smtClean="0"/>
-              <a:t>CSS</a:t>
-            </a:r>
-            <a:endParaRPr lang="en-US" dirty="0"/>
-          </a:p>
-        </p:txBody>
-      </p:sp>
+          <p:cNvPr id="3" name="Content Placeholder 2"/>
+          <p:cNvSpPr>
+            <a:spLocks noGrp="1"/>
+          </p:cNvSpPr>
+          <p:nvPr>
+            <p:ph sz="half" idx="1"/>
+          </p:nvPr>
+        </p:nvSpPr>
+        <p:spPr>
+          <a:xfrm>
+            <a:off x="496388" y="1387975"/>
+            <a:ext cx="7772401" cy="5119408"/>
+          </a:xfrm>
+        </p:spPr>
+        <p:txBody>
+          <a:bodyPr>
+            <a:normAutofit/>
+          </a:bodyPr>
+          <a:lstStyle/>
+          <a:p>
+            <a:r>
+              <a:rPr lang="en-US" sz="4000" dirty="0" smtClean="0"/>
+              <a:t>Style the report so the image is to the right of the data table using floats.</a:t>
+            </a:r>
+          </a:p>
+          <a:p>
+            <a:endParaRPr lang="en-US" sz="2800" dirty="0"/>
+          </a:p>
+        </p:txBody>
+      </p:sp>
+      <p:pic>
+        <p:nvPicPr>
+          <p:cNvPr id="5" name="Content Placeholder 4"/>
+          <p:cNvPicPr>
+            <a:picLocks noGrp="1" noChangeAspect="1"/>
+          </p:cNvPicPr>
+          <p:nvPr>
+            <p:ph sz="half" idx="2"/>
+          </p:nvPr>
+        </p:nvPicPr>
+        <p:blipFill>
+          <a:blip r:embed="rId3">
+            <a:extLst>
+              <a:ext uri="{28A0092B-C50C-407E-A947-70E740481C1C}">
+                <a14:useLocalDpi xmlns:a14="http://schemas.microsoft.com/office/drawing/2010/main" val="0"/>
+              </a:ext>
+            </a:extLst>
+          </a:blip>
+          <a:stretch>
+            <a:fillRect/>
+          </a:stretch>
+        </p:blipFill>
+        <p:spPr>
+          <a:xfrm>
+            <a:off x="8630940" y="1387975"/>
+            <a:ext cx="3179422" cy="5119408"/>
+          </a:xfrm>
+        </p:spPr>
+      </p:pic>
     </p:spTree>
     <p:extLst>
       <p:ext uri="{BB962C8B-B14F-4D97-AF65-F5344CB8AC3E}">
-        <p14:creationId xmlns:p14="http://schemas.microsoft.com/office/powerpoint/2010/main" val="1940377696"/>
+        <p14:creationId xmlns:p14="http://schemas.microsoft.com/office/powerpoint/2010/main" val="2342690102"/>
       </p:ext>
     </p:extLst>
   </p:cSld>
   <p:clrMapOvr>
     <a:masterClrMapping/>
   </p:clrMapOvr>
-  <p:timing>
-    <p:tnLst>
-      <p:par>
-        <p:cTn id="1" dur="indefinite" restart="never" nodeType="tmRoot"/>
-      </p:par>
-    </p:tnLst>
-  </p:timing>
 </p:sld>
 </file>
 
@@ -11721,7 +11928,7 @@
             <a:spLocks noGrp="1"/>
           </p:cNvSpPr>
           <p:nvPr>
-            <p:ph type="ctrTitle"/>
+            <p:ph type="title"/>
           </p:nvPr>
         </p:nvSpPr>
         <p:spPr/>
@@ -11731,7 +11938,7 @@
           <a:p>
             <a:r>
               <a:rPr lang="en-US" dirty="0" smtClean="0"/>
-              <a:t>ASSESSMENT</a:t>
+              <a:t>Alignment</a:t>
             </a:r>
             <a:endParaRPr lang="en-US" dirty="0"/>
           </a:p>
@@ -11739,23 +11946,140 @@
       </p:sp>
       <p:sp>
         <p:nvSpPr>
-          <p:cNvPr id="3" name="Subtitle 2"/>
-          <p:cNvSpPr>
-            <a:spLocks noGrp="1"/>
-          </p:cNvSpPr>
-          <p:nvPr>
-            <p:ph type="subTitle" idx="1"/>
-          </p:nvPr>
-        </p:nvSpPr>
-        <p:spPr/>
-        <p:txBody>
-          <a:bodyPr/>
-          <a:lstStyle/>
-          <a:p>
-            <a:r>
-              <a:rPr lang="en-US" dirty="0" smtClean="0"/>
-              <a:t>CSS</a:t>
-            </a:r>
+          <p:cNvPr id="3" name="Content Placeholder 2"/>
+          <p:cNvSpPr>
+            <a:spLocks noGrp="1"/>
+          </p:cNvSpPr>
+          <p:nvPr>
+            <p:ph sz="half" idx="1"/>
+          </p:nvPr>
+        </p:nvSpPr>
+        <p:spPr/>
+        <p:txBody>
+          <a:bodyPr>
+            <a:normAutofit/>
+          </a:bodyPr>
+          <a:lstStyle/>
+          <a:p>
+            <a:r>
+              <a:rPr lang="en-US" sz="2400" dirty="0" smtClean="0"/>
+              <a:t>Center Align Block Element or image</a:t>
+            </a:r>
+          </a:p>
+          <a:p>
+            <a:pPr lvl="1"/>
+            <a:r>
+              <a:rPr lang="en-US" sz="2400" dirty="0"/>
+              <a:t>m</a:t>
+            </a:r>
+            <a:r>
+              <a:rPr lang="en-US" sz="2400" dirty="0" smtClean="0"/>
+              <a:t>argin: auto;</a:t>
+            </a:r>
+          </a:p>
+          <a:p>
+            <a:r>
+              <a:rPr lang="en-US" sz="2400" dirty="0" smtClean="0"/>
+              <a:t>Center Align Text</a:t>
+            </a:r>
+          </a:p>
+          <a:p>
+            <a:pPr lvl="1"/>
+            <a:r>
+              <a:rPr lang="en-US" sz="2400" dirty="0"/>
+              <a:t>t</a:t>
+            </a:r>
+            <a:r>
+              <a:rPr lang="en-US" sz="2400" dirty="0" smtClean="0"/>
+              <a:t>ext-align: center;</a:t>
+            </a:r>
+          </a:p>
+          <a:p>
+            <a:r>
+              <a:rPr lang="en-US" sz="2400" dirty="0" smtClean="0"/>
+              <a:t>Absolute Position Alignment</a:t>
+            </a:r>
+          </a:p>
+          <a:p>
+            <a:pPr lvl="1"/>
+            <a:r>
+              <a:rPr lang="en-US" sz="2400" dirty="0"/>
+              <a:t>p</a:t>
+            </a:r>
+            <a:r>
+              <a:rPr lang="en-US" sz="2400" dirty="0" smtClean="0"/>
+              <a:t>osition: absolute</a:t>
+            </a:r>
+          </a:p>
+          <a:p>
+            <a:pPr lvl="1"/>
+            <a:r>
+              <a:rPr lang="en-US" sz="2400" dirty="0"/>
+              <a:t>r</a:t>
+            </a:r>
+            <a:r>
+              <a:rPr lang="en-US" sz="2400" dirty="0" smtClean="0"/>
+              <a:t>ight: 0px; or left: 0px;</a:t>
+            </a:r>
+          </a:p>
+        </p:txBody>
+      </p:sp>
+      <p:sp>
+        <p:nvSpPr>
+          <p:cNvPr id="4" name="Content Placeholder 3"/>
+          <p:cNvSpPr>
+            <a:spLocks noGrp="1"/>
+          </p:cNvSpPr>
+          <p:nvPr>
+            <p:ph sz="half" idx="2"/>
+          </p:nvPr>
+        </p:nvSpPr>
+        <p:spPr/>
+        <p:txBody>
+          <a:bodyPr>
+            <a:normAutofit/>
+          </a:bodyPr>
+          <a:lstStyle/>
+          <a:p>
+            <a:r>
+              <a:rPr lang="en-US" sz="2400" dirty="0"/>
+              <a:t>Float Alignment</a:t>
+            </a:r>
+          </a:p>
+          <a:p>
+            <a:pPr lvl="1"/>
+            <a:r>
+              <a:rPr lang="en-US" sz="2400" dirty="0"/>
+              <a:t>float: right; or float: left;</a:t>
+            </a:r>
+          </a:p>
+          <a:p>
+            <a:r>
+              <a:rPr lang="en-US" sz="2400" dirty="0"/>
+              <a:t>Center Vertically with Padding</a:t>
+            </a:r>
+          </a:p>
+          <a:p>
+            <a:pPr lvl="1"/>
+            <a:r>
+              <a:rPr lang="en-US" sz="2400" dirty="0"/>
+              <a:t>padding: 70px 0;</a:t>
+            </a:r>
+          </a:p>
+          <a:p>
+            <a:r>
+              <a:rPr lang="en-US" sz="2400" dirty="0"/>
+              <a:t>Example:  </a:t>
+            </a:r>
+            <a:r>
+              <a:rPr lang="en-US" sz="2400" dirty="0">
+                <a:hlinkClick r:id="rId3"/>
+              </a:rPr>
+              <a:t>https://www.w3schools.com/css/css_align.asp</a:t>
+            </a:r>
+            <a:endParaRPr lang="en-US" sz="2400" dirty="0"/>
+          </a:p>
+          <a:p>
             <a:endParaRPr lang="en-US" dirty="0"/>
           </a:p>
         </p:txBody>
@@ -11763,20 +12087,13 @@
     </p:spTree>
     <p:extLst>
       <p:ext uri="{BB962C8B-B14F-4D97-AF65-F5344CB8AC3E}">
-        <p14:creationId xmlns:p14="http://schemas.microsoft.com/office/powerpoint/2010/main" val="447600791"/>
+        <p14:creationId xmlns:p14="http://schemas.microsoft.com/office/powerpoint/2010/main" val="824902312"/>
       </p:ext>
     </p:extLst>
   </p:cSld>
   <p:clrMapOvr>
     <a:masterClrMapping/>
   </p:clrMapOvr>
-  <p:timing>
-    <p:tnLst>
-      <p:par>
-        <p:cTn id="1" dur="indefinite" restart="never" nodeType="tmRoot"/>
-      </p:par>
-    </p:tnLst>
-  </p:timing>
 </p:sld>
 </file>
 
@@ -11814,7 +12131,7 @@
           <a:p>
             <a:r>
               <a:rPr lang="en-US" dirty="0" smtClean="0"/>
-              <a:t>CSS Exercises</a:t>
+              <a:t>Pseudo-Class</a:t>
             </a:r>
             <a:endParaRPr lang="en-US" dirty="0"/>
           </a:p>
@@ -11830,38 +12147,127 @@
             <p:ph sz="half" idx="1"/>
           </p:nvPr>
         </p:nvSpPr>
-        <p:spPr>
-          <a:xfrm>
-            <a:off x="1103312" y="2060575"/>
-            <a:ext cx="10008033" cy="4195763"/>
-          </a:xfrm>
-        </p:spPr>
+        <p:spPr/>
         <p:txBody>
           <a:bodyPr>
             <a:normAutofit/>
           </a:bodyPr>
           <a:lstStyle/>
           <a:p>
-            <a:pPr lvl="0"/>
-            <a:r>
-              <a:rPr lang="en-US" sz="2800" dirty="0"/>
-              <a:t>Create a resume site with your favorite links, a picture of you, and a table of your skills.  Try out multiple CSS features to see how they operate. </a:t>
-            </a:r>
-            <a:r>
-              <a:rPr lang="en-US" sz="2800" dirty="0" smtClean="0"/>
-              <a:t>Spend </a:t>
-            </a:r>
-            <a:r>
-              <a:rPr lang="en-US" sz="2800" dirty="0"/>
-              <a:t>time and get intimate with options available.</a:t>
-            </a:r>
+            <a:r>
+              <a:rPr lang="en-US" sz="2400" dirty="0" smtClean="0"/>
+              <a:t>Allow to set style of element in certain states.</a:t>
+            </a:r>
+          </a:p>
+          <a:p>
+            <a:r>
+              <a:rPr lang="en-US" sz="2400" dirty="0" smtClean="0"/>
+              <a:t>Examples of Pseudo-Classes:</a:t>
+            </a:r>
+          </a:p>
+          <a:p>
+            <a:pPr lvl="1"/>
+            <a:r>
+              <a:rPr lang="en-US" sz="2400" dirty="0" smtClean="0"/>
+              <a:t>a:active</a:t>
+            </a:r>
+          </a:p>
+          <a:p>
+            <a:pPr lvl="1"/>
+            <a:r>
+              <a:rPr lang="en-US" sz="2400" dirty="0" smtClean="0"/>
+              <a:t>a:hover</a:t>
+            </a:r>
+          </a:p>
+          <a:p>
+            <a:pPr lvl="1"/>
+            <a:r>
+              <a:rPr lang="en-US" sz="2400" dirty="0" smtClean="0"/>
+              <a:t>a:link</a:t>
+            </a:r>
+          </a:p>
+          <a:p>
+            <a:pPr lvl="1"/>
+            <a:r>
+              <a:rPr lang="en-US" sz="2400" dirty="0" smtClean="0"/>
+              <a:t>a:visited</a:t>
+            </a:r>
+          </a:p>
+        </p:txBody>
+      </p:sp>
+      <p:sp>
+        <p:nvSpPr>
+          <p:cNvPr id="4" name="Content Placeholder 3"/>
+          <p:cNvSpPr>
+            <a:spLocks noGrp="1"/>
+          </p:cNvSpPr>
+          <p:nvPr>
+            <p:ph sz="half" idx="2"/>
+          </p:nvPr>
+        </p:nvSpPr>
+        <p:spPr/>
+        <p:txBody>
+          <a:bodyPr>
+            <a:normAutofit/>
+          </a:bodyPr>
+          <a:lstStyle/>
+          <a:p>
+            <a:pPr lvl="1"/>
+            <a:r>
+              <a:rPr lang="en-US" sz="2400" dirty="0" err="1"/>
+              <a:t>input:checked</a:t>
+            </a:r>
+            <a:endParaRPr lang="en-US" sz="2400" dirty="0"/>
+          </a:p>
+          <a:p>
+            <a:pPr lvl="1"/>
+            <a:r>
+              <a:rPr lang="en-US" sz="2400" dirty="0" err="1"/>
+              <a:t>input:disabled</a:t>
+            </a:r>
+            <a:endParaRPr lang="en-US" sz="2400" dirty="0"/>
+          </a:p>
+          <a:p>
+            <a:pPr lvl="1"/>
+            <a:r>
+              <a:rPr lang="en-US" sz="2400" dirty="0" err="1"/>
+              <a:t>input:enabled</a:t>
+            </a:r>
+            <a:endParaRPr lang="en-US" sz="2400" dirty="0"/>
+          </a:p>
+          <a:p>
+            <a:pPr lvl="1"/>
+            <a:r>
+              <a:rPr lang="en-US" sz="2400" dirty="0" err="1"/>
+              <a:t>input:focus</a:t>
+            </a:r>
+            <a:endParaRPr lang="en-US" sz="2400" dirty="0"/>
+          </a:p>
+          <a:p>
+            <a:pPr lvl="1"/>
+            <a:r>
+              <a:rPr lang="en-US" sz="2400" dirty="0" err="1"/>
+              <a:t>input:invalid</a:t>
+            </a:r>
+            <a:endParaRPr lang="en-US" sz="2400" dirty="0"/>
+          </a:p>
+          <a:p>
+            <a:pPr lvl="1"/>
+            <a:r>
+              <a:rPr lang="en-US" sz="2400" dirty="0" err="1"/>
+              <a:t>input:valid</a:t>
+            </a:r>
+            <a:endParaRPr lang="en-US" sz="2400" dirty="0"/>
+          </a:p>
+          <a:p>
+            <a:endParaRPr lang="en-US" dirty="0"/>
           </a:p>
         </p:txBody>
       </p:sp>
     </p:spTree>
     <p:extLst>
       <p:ext uri="{BB962C8B-B14F-4D97-AF65-F5344CB8AC3E}">
-        <p14:creationId xmlns:p14="http://schemas.microsoft.com/office/powerpoint/2010/main" val="2934790648"/>
+        <p14:creationId xmlns:p14="http://schemas.microsoft.com/office/powerpoint/2010/main" val="2734982113"/>
       </p:ext>
     </p:extLst>
   </p:cSld>
@@ -11895,6 +12301,548 @@
             <a:spLocks noGrp="1"/>
           </p:cNvSpPr>
           <p:nvPr>
+            <p:ph type="title"/>
+          </p:nvPr>
+        </p:nvSpPr>
+        <p:spPr/>
+        <p:txBody>
+          <a:bodyPr/>
+          <a:lstStyle/>
+          <a:p>
+            <a:r>
+              <a:rPr lang="en-US" dirty="0" smtClean="0"/>
+              <a:t>Where is </a:t>
+            </a:r>
+            <a:r>
+              <a:rPr lang="en-US" smtClean="0"/>
+              <a:t>my style?</a:t>
+            </a:r>
+            <a:endParaRPr lang="en-US" dirty="0"/>
+          </a:p>
+        </p:txBody>
+      </p:sp>
+      <p:sp>
+        <p:nvSpPr>
+          <p:cNvPr id="3" name="Content Placeholder 2"/>
+          <p:cNvSpPr>
+            <a:spLocks noGrp="1"/>
+          </p:cNvSpPr>
+          <p:nvPr>
+            <p:ph idx="1"/>
+          </p:nvPr>
+        </p:nvSpPr>
+        <p:spPr/>
+        <p:txBody>
+          <a:bodyPr>
+            <a:normAutofit lnSpcReduction="10000"/>
+          </a:bodyPr>
+          <a:lstStyle/>
+          <a:p>
+            <a:r>
+              <a:rPr lang="en-US" dirty="0" smtClean="0"/>
+              <a:t>Importance</a:t>
+            </a:r>
+          </a:p>
+          <a:p>
+            <a:pPr lvl="1"/>
+            <a:r>
+              <a:rPr lang="en-US" dirty="0" smtClean="0"/>
+              <a:t>Add !important to the end of a property</a:t>
+            </a:r>
+          </a:p>
+          <a:p>
+            <a:pPr lvl="1"/>
+            <a:r>
+              <a:rPr lang="en-US" dirty="0" smtClean="0"/>
+              <a:t>Wins over all other rules (not recommended)</a:t>
+            </a:r>
+          </a:p>
+          <a:p>
+            <a:r>
+              <a:rPr lang="en-US" dirty="0" smtClean="0"/>
+              <a:t>Specificity</a:t>
+            </a:r>
+          </a:p>
+          <a:p>
+            <a:pPr lvl="1"/>
+            <a:r>
+              <a:rPr lang="en-US" dirty="0" smtClean="0"/>
+              <a:t>Measured using 4 values </a:t>
+            </a:r>
+          </a:p>
+          <a:p>
+            <a:pPr lvl="2"/>
+            <a:r>
+              <a:rPr lang="en-US" dirty="0" smtClean="0"/>
+              <a:t>Thousands – inside style element or style attribute</a:t>
+            </a:r>
+          </a:p>
+          <a:p>
+            <a:pPr lvl="2"/>
+            <a:r>
+              <a:rPr lang="en-US" dirty="0" smtClean="0"/>
+              <a:t>Hundreds – one for each ID selector</a:t>
+            </a:r>
+          </a:p>
+          <a:p>
+            <a:pPr lvl="2"/>
+            <a:r>
+              <a:rPr lang="en-US" dirty="0" smtClean="0"/>
+              <a:t>Tens – one for each class selector, attribute selector, or pseudo-class</a:t>
+            </a:r>
+          </a:p>
+          <a:p>
+            <a:pPr lvl="2"/>
+            <a:r>
+              <a:rPr lang="en-US" dirty="0" smtClean="0"/>
+              <a:t>Ones – one for each element selector or pseudo-element</a:t>
+            </a:r>
+          </a:p>
+          <a:p>
+            <a:r>
+              <a:rPr lang="en-US" dirty="0" smtClean="0"/>
+              <a:t>Source Order</a:t>
+            </a:r>
+          </a:p>
+          <a:p>
+            <a:pPr lvl="1"/>
+            <a:r>
+              <a:rPr lang="en-US" dirty="0" smtClean="0"/>
+              <a:t>Later rule wins if everything else is the same</a:t>
+            </a:r>
+            <a:endParaRPr lang="en-US" dirty="0"/>
+          </a:p>
+        </p:txBody>
+      </p:sp>
+    </p:spTree>
+    <p:extLst>
+      <p:ext uri="{BB962C8B-B14F-4D97-AF65-F5344CB8AC3E}">
+        <p14:creationId xmlns:p14="http://schemas.microsoft.com/office/powerpoint/2010/main" val="2125971102"/>
+      </p:ext>
+    </p:extLst>
+  </p:cSld>
+  <p:clrMapOvr>
+    <a:masterClrMapping/>
+  </p:clrMapOvr>
+</p:sld>
+</file>
+
+<file path=ppt/slides/slide23.xml><?xml version="1.0" encoding="utf-8"?>
+<p:sld xmlns:a="http://schemas.openxmlformats.org/drawingml/2006/main" xmlns:r="http://schemas.openxmlformats.org/officeDocument/2006/relationships" xmlns:p="http://schemas.openxmlformats.org/presentationml/2006/main">
+  <p:cSld>
+    <p:spTree>
+      <p:nvGrpSpPr>
+        <p:cNvPr id="1" name=""/>
+        <p:cNvGrpSpPr/>
+        <p:nvPr/>
+      </p:nvGrpSpPr>
+      <p:grpSpPr>
+        <a:xfrm>
+          <a:off x="0" y="0"/>
+          <a:ext cx="0" cy="0"/>
+          <a:chOff x="0" y="0"/>
+          <a:chExt cx="0" cy="0"/>
+        </a:xfrm>
+      </p:grpSpPr>
+      <p:sp>
+        <p:nvSpPr>
+          <p:cNvPr id="2" name="Title 1"/>
+          <p:cNvSpPr>
+            <a:spLocks noGrp="1"/>
+          </p:cNvSpPr>
+          <p:nvPr>
+            <p:ph type="title"/>
+          </p:nvPr>
+        </p:nvSpPr>
+        <p:spPr/>
+        <p:txBody>
+          <a:bodyPr/>
+          <a:lstStyle/>
+          <a:p>
+            <a:r>
+              <a:rPr lang="en-US" dirty="0" smtClean="0"/>
+              <a:t>Page Layouts</a:t>
+            </a:r>
+            <a:endParaRPr lang="en-US" dirty="0"/>
+          </a:p>
+        </p:txBody>
+      </p:sp>
+      <p:sp>
+        <p:nvSpPr>
+          <p:cNvPr id="3" name="Content Placeholder 2"/>
+          <p:cNvSpPr>
+            <a:spLocks noGrp="1"/>
+          </p:cNvSpPr>
+          <p:nvPr>
+            <p:ph sz="half" idx="1"/>
+          </p:nvPr>
+        </p:nvSpPr>
+        <p:spPr/>
+        <p:txBody>
+          <a:bodyPr>
+            <a:normAutofit/>
+          </a:bodyPr>
+          <a:lstStyle/>
+          <a:p>
+            <a:r>
+              <a:rPr lang="en-US" sz="2800" dirty="0" smtClean="0"/>
+              <a:t>Options:  </a:t>
+            </a:r>
+          </a:p>
+          <a:p>
+            <a:pPr lvl="1"/>
+            <a:r>
+              <a:rPr lang="en-US" sz="2800" dirty="0" smtClean="0"/>
+              <a:t>Tables</a:t>
+            </a:r>
+          </a:p>
+          <a:p>
+            <a:pPr lvl="1"/>
+            <a:r>
+              <a:rPr lang="en-US" sz="2800" dirty="0" smtClean="0"/>
+              <a:t>Float</a:t>
+            </a:r>
+          </a:p>
+          <a:p>
+            <a:pPr lvl="1"/>
+            <a:r>
+              <a:rPr lang="en-US" sz="2800" dirty="0" smtClean="0"/>
+              <a:t>CSS Framework</a:t>
+            </a:r>
+          </a:p>
+          <a:p>
+            <a:pPr lvl="1"/>
+            <a:r>
+              <a:rPr lang="en-US" sz="2800" dirty="0" smtClean="0"/>
+              <a:t>Flexbox</a:t>
+            </a:r>
+          </a:p>
+          <a:p>
+            <a:pPr lvl="1"/>
+            <a:r>
+              <a:rPr lang="en-US" sz="2800" dirty="0" smtClean="0"/>
+              <a:t>CSS Grid</a:t>
+            </a:r>
+          </a:p>
+        </p:txBody>
+      </p:sp>
+      <p:sp>
+        <p:nvSpPr>
+          <p:cNvPr id="4" name="Content Placeholder 3"/>
+          <p:cNvSpPr>
+            <a:spLocks noGrp="1"/>
+          </p:cNvSpPr>
+          <p:nvPr>
+            <p:ph sz="half" idx="2"/>
+          </p:nvPr>
+        </p:nvSpPr>
+        <p:spPr/>
+        <p:txBody>
+          <a:bodyPr>
+            <a:normAutofit/>
+          </a:bodyPr>
+          <a:lstStyle/>
+          <a:p>
+            <a:r>
+              <a:rPr lang="en-US" dirty="0"/>
+              <a:t>Example:  </a:t>
+            </a:r>
+            <a:r>
+              <a:rPr lang="en-US" dirty="0">
+                <a:hlinkClick r:id="rId3"/>
+              </a:rPr>
+              <a:t>https://www.codementor.io/codementorteam/4-different-html-css-layout-techniques-to-create-a-site-85i9t1x34</a:t>
+            </a:r>
+            <a:endParaRPr lang="en-US" dirty="0"/>
+          </a:p>
+          <a:p>
+            <a:r>
+              <a:rPr lang="en-US" dirty="0"/>
+              <a:t>Bootstrap Templates:  </a:t>
+            </a:r>
+            <a:r>
+              <a:rPr lang="en-US" dirty="0">
+                <a:hlinkClick r:id="rId4"/>
+              </a:rPr>
+              <a:t>https://www.w3schools.com/bootstrap/bootstrap_templates.asp</a:t>
+            </a:r>
+            <a:endParaRPr lang="en-US" dirty="0"/>
+          </a:p>
+          <a:p>
+            <a:r>
+              <a:rPr lang="en-US" dirty="0"/>
+              <a:t>Scroll Template:  </a:t>
+            </a:r>
+            <a:r>
+              <a:rPr lang="en-US" dirty="0">
+                <a:hlinkClick r:id="rId5"/>
+              </a:rPr>
+              <a:t>https://www.w3schools.com/bootstrap/bootstrap_theme_company.asp</a:t>
+            </a:r>
+            <a:endParaRPr lang="en-US" dirty="0"/>
+          </a:p>
+          <a:p>
+            <a:endParaRPr lang="en-US" dirty="0"/>
+          </a:p>
+        </p:txBody>
+      </p:sp>
+    </p:spTree>
+    <p:extLst>
+      <p:ext uri="{BB962C8B-B14F-4D97-AF65-F5344CB8AC3E}">
+        <p14:creationId xmlns:p14="http://schemas.microsoft.com/office/powerpoint/2010/main" val="3024625893"/>
+      </p:ext>
+    </p:extLst>
+  </p:cSld>
+  <p:clrMapOvr>
+    <a:masterClrMapping/>
+  </p:clrMapOvr>
+</p:sld>
+</file>
+
+<file path=ppt/slides/slide24.xml><?xml version="1.0" encoding="utf-8"?>
+<p:sld xmlns:a="http://schemas.openxmlformats.org/drawingml/2006/main" xmlns:r="http://schemas.openxmlformats.org/officeDocument/2006/relationships" xmlns:p="http://schemas.openxmlformats.org/presentationml/2006/main">
+  <p:cSld>
+    <p:spTree>
+      <p:nvGrpSpPr>
+        <p:cNvPr id="1" name=""/>
+        <p:cNvGrpSpPr/>
+        <p:nvPr/>
+      </p:nvGrpSpPr>
+      <p:grpSpPr>
+        <a:xfrm>
+          <a:off x="0" y="0"/>
+          <a:ext cx="0" cy="0"/>
+          <a:chOff x="0" y="0"/>
+          <a:chExt cx="0" cy="0"/>
+        </a:xfrm>
+      </p:grpSpPr>
+      <p:sp>
+        <p:nvSpPr>
+          <p:cNvPr id="2" name="Title 1"/>
+          <p:cNvSpPr>
+            <a:spLocks noGrp="1"/>
+          </p:cNvSpPr>
+          <p:nvPr>
+            <p:ph type="title"/>
+          </p:nvPr>
+        </p:nvSpPr>
+        <p:spPr/>
+        <p:txBody>
+          <a:bodyPr/>
+          <a:lstStyle/>
+          <a:p>
+            <a:r>
+              <a:rPr lang="en-US" dirty="0" smtClean="0"/>
+              <a:t>Responsive</a:t>
+            </a:r>
+            <a:endParaRPr lang="en-US" dirty="0"/>
+          </a:p>
+        </p:txBody>
+      </p:sp>
+      <p:sp>
+        <p:nvSpPr>
+          <p:cNvPr id="3" name="Content Placeholder 2"/>
+          <p:cNvSpPr>
+            <a:spLocks noGrp="1"/>
+          </p:cNvSpPr>
+          <p:nvPr>
+            <p:ph idx="1"/>
+          </p:nvPr>
+        </p:nvSpPr>
+        <p:spPr/>
+        <p:txBody>
+          <a:bodyPr>
+            <a:normAutofit/>
+          </a:bodyPr>
+          <a:lstStyle/>
+          <a:p>
+            <a:r>
+              <a:rPr lang="en-US" sz="2800" dirty="0" smtClean="0"/>
+              <a:t>Designing to work on any monitor size or device</a:t>
+            </a:r>
+          </a:p>
+          <a:p>
+            <a:r>
+              <a:rPr lang="en-US" sz="2800" dirty="0" smtClean="0"/>
+              <a:t>Use a Grid </a:t>
+            </a:r>
+            <a:r>
+              <a:rPr lang="en-US" sz="2800" dirty="0" smtClean="0"/>
+              <a:t>System – CSS Grid</a:t>
+            </a:r>
+            <a:endParaRPr lang="en-US" sz="2800" dirty="0" smtClean="0"/>
+          </a:p>
+          <a:p>
+            <a:r>
+              <a:rPr lang="en-US" sz="2800" dirty="0" smtClean="0"/>
+              <a:t>Use Media Queries</a:t>
+            </a:r>
+          </a:p>
+          <a:p>
+            <a:r>
+              <a:rPr lang="en-US" sz="2800" dirty="0" smtClean="0"/>
+              <a:t>Use Vector Graphics or Alternate Images</a:t>
+            </a:r>
+          </a:p>
+          <a:p>
+            <a:r>
+              <a:rPr lang="en-US" sz="2800" dirty="0" smtClean="0"/>
+              <a:t>Use a Framework like Bootstrap</a:t>
+            </a:r>
+            <a:endParaRPr lang="en-US" sz="2800" dirty="0"/>
+          </a:p>
+        </p:txBody>
+      </p:sp>
+    </p:spTree>
+    <p:extLst>
+      <p:ext uri="{BB962C8B-B14F-4D97-AF65-F5344CB8AC3E}">
+        <p14:creationId xmlns:p14="http://schemas.microsoft.com/office/powerpoint/2010/main" val="1862052600"/>
+      </p:ext>
+    </p:extLst>
+  </p:cSld>
+  <p:clrMapOvr>
+    <a:masterClrMapping/>
+  </p:clrMapOvr>
+</p:sld>
+</file>
+
+<file path=ppt/slides/slide25.xml><?xml version="1.0" encoding="utf-8"?>
+<p:sld xmlns:a="http://schemas.openxmlformats.org/drawingml/2006/main" xmlns:r="http://schemas.openxmlformats.org/officeDocument/2006/relationships" xmlns:p="http://schemas.openxmlformats.org/presentationml/2006/main">
+  <p:cSld>
+    <p:spTree>
+      <p:nvGrpSpPr>
+        <p:cNvPr id="1" name=""/>
+        <p:cNvGrpSpPr/>
+        <p:nvPr/>
+      </p:nvGrpSpPr>
+      <p:grpSpPr>
+        <a:xfrm>
+          <a:off x="0" y="0"/>
+          <a:ext cx="0" cy="0"/>
+          <a:chOff x="0" y="0"/>
+          <a:chExt cx="0" cy="0"/>
+        </a:xfrm>
+      </p:grpSpPr>
+      <p:sp>
+        <p:nvSpPr>
+          <p:cNvPr id="2" name="Title 1"/>
+          <p:cNvSpPr>
+            <a:spLocks noGrp="1"/>
+          </p:cNvSpPr>
+          <p:nvPr>
+            <p:ph type="title"/>
+          </p:nvPr>
+        </p:nvSpPr>
+        <p:spPr/>
+        <p:txBody>
+          <a:bodyPr/>
+          <a:lstStyle/>
+          <a:p>
+            <a:r>
+              <a:rPr lang="en-US" dirty="0" smtClean="0"/>
+              <a:t>EXAMPLE</a:t>
+            </a:r>
+            <a:endParaRPr lang="en-US" dirty="0"/>
+          </a:p>
+        </p:txBody>
+      </p:sp>
+      <p:sp>
+        <p:nvSpPr>
+          <p:cNvPr id="3" name="Text Placeholder 2"/>
+          <p:cNvSpPr>
+            <a:spLocks noGrp="1"/>
+          </p:cNvSpPr>
+          <p:nvPr>
+            <p:ph type="body" idx="1"/>
+          </p:nvPr>
+        </p:nvSpPr>
+        <p:spPr/>
+        <p:txBody>
+          <a:bodyPr/>
+          <a:lstStyle/>
+          <a:p>
+            <a:r>
+              <a:rPr lang="en-US" dirty="0" smtClean="0"/>
+              <a:t>CSS Grid</a:t>
+            </a:r>
+            <a:endParaRPr lang="en-US" dirty="0"/>
+          </a:p>
+        </p:txBody>
+      </p:sp>
+      <p:pic>
+        <p:nvPicPr>
+          <p:cNvPr id="4" name="Content Placeholder 4"/>
+          <p:cNvPicPr>
+            <a:picLocks noChangeAspect="1"/>
+          </p:cNvPicPr>
+          <p:nvPr/>
+        </p:nvPicPr>
+        <p:blipFill>
+          <a:blip r:embed="rId3">
+            <a:extLst>
+              <a:ext uri="{28A0092B-C50C-407E-A947-70E740481C1C}">
+                <a14:useLocalDpi xmlns:a14="http://schemas.microsoft.com/office/drawing/2010/main" val="0"/>
+              </a:ext>
+            </a:extLst>
+          </a:blip>
+          <a:stretch>
+            <a:fillRect/>
+          </a:stretch>
+        </p:blipFill>
+        <p:spPr>
+          <a:xfrm>
+            <a:off x="1154955" y="563880"/>
+            <a:ext cx="3819192" cy="3055354"/>
+          </a:xfrm>
+          <a:prstGeom prst="rect">
+            <a:avLst/>
+          </a:prstGeom>
+        </p:spPr>
+      </p:pic>
+    </p:spTree>
+    <p:extLst>
+      <p:ext uri="{BB962C8B-B14F-4D97-AF65-F5344CB8AC3E}">
+        <p14:creationId xmlns:p14="http://schemas.microsoft.com/office/powerpoint/2010/main" val="4127276555"/>
+      </p:ext>
+    </p:extLst>
+  </p:cSld>
+  <p:clrMapOvr>
+    <a:masterClrMapping/>
+  </p:clrMapOvr>
+  <p:timing>
+    <p:tnLst>
+      <p:par>
+        <p:cTn id="1" dur="indefinite" restart="never" nodeType="tmRoot"/>
+      </p:par>
+    </p:tnLst>
+  </p:timing>
+</p:sld>
+</file>
+
+<file path=ppt/slides/slide26.xml><?xml version="1.0" encoding="utf-8"?>
+<p:sld xmlns:a="http://schemas.openxmlformats.org/drawingml/2006/main" xmlns:r="http://schemas.openxmlformats.org/officeDocument/2006/relationships" xmlns:p="http://schemas.openxmlformats.org/presentationml/2006/main">
+  <p:cSld>
+    <p:spTree>
+      <p:nvGrpSpPr>
+        <p:cNvPr id="1" name=""/>
+        <p:cNvGrpSpPr/>
+        <p:nvPr/>
+      </p:nvGrpSpPr>
+      <p:grpSpPr>
+        <a:xfrm>
+          <a:off x="0" y="0"/>
+          <a:ext cx="0" cy="0"/>
+          <a:chOff x="0" y="0"/>
+          <a:chExt cx="0" cy="0"/>
+        </a:xfrm>
+      </p:grpSpPr>
+      <p:sp>
+        <p:nvSpPr>
+          <p:cNvPr id="2" name="Title 1"/>
+          <p:cNvSpPr>
+            <a:spLocks noGrp="1"/>
+          </p:cNvSpPr>
+          <p:nvPr>
             <p:ph type="ctrTitle"/>
           </p:nvPr>
         </p:nvSpPr>
@@ -11905,7 +12853,245 @@
           <a:p>
             <a:r>
               <a:rPr lang="en-US" dirty="0" smtClean="0"/>
-              <a:t>REVIEW GAME</a:t>
+              <a:t>ASSESSMENT</a:t>
+            </a:r>
+            <a:endParaRPr lang="en-US" dirty="0"/>
+          </a:p>
+        </p:txBody>
+      </p:sp>
+      <p:sp>
+        <p:nvSpPr>
+          <p:cNvPr id="3" name="Subtitle 2"/>
+          <p:cNvSpPr>
+            <a:spLocks noGrp="1"/>
+          </p:cNvSpPr>
+          <p:nvPr>
+            <p:ph type="subTitle" idx="1"/>
+          </p:nvPr>
+        </p:nvSpPr>
+        <p:spPr/>
+        <p:txBody>
+          <a:bodyPr/>
+          <a:lstStyle/>
+          <a:p>
+            <a:r>
+              <a:rPr lang="en-US" dirty="0" smtClean="0"/>
+              <a:t>Box Model, Display, Positio</a:t>
+            </a:r>
+            <a:r>
+              <a:rPr lang="en-US" dirty="0" smtClean="0"/>
+              <a:t>n, Float, Responsive</a:t>
+            </a:r>
+            <a:endParaRPr lang="en-US" dirty="0"/>
+          </a:p>
+        </p:txBody>
+      </p:sp>
+      <p:pic>
+        <p:nvPicPr>
+          <p:cNvPr id="4" name="Picture 3"/>
+          <p:cNvPicPr>
+            <a:picLocks noChangeAspect="1"/>
+          </p:cNvPicPr>
+          <p:nvPr/>
+        </p:nvPicPr>
+        <p:blipFill>
+          <a:blip r:embed="rId3">
+            <a:extLst>
+              <a:ext uri="{28A0092B-C50C-407E-A947-70E740481C1C}">
+                <a14:useLocalDpi xmlns:a14="http://schemas.microsoft.com/office/drawing/2010/main" val="0"/>
+              </a:ext>
+            </a:extLst>
+          </a:blip>
+          <a:stretch>
+            <a:fillRect/>
+          </a:stretch>
+        </p:blipFill>
+        <p:spPr>
+          <a:xfrm>
+            <a:off x="7950200" y="1447800"/>
+            <a:ext cx="3571240" cy="4529836"/>
+          </a:xfrm>
+          <a:prstGeom prst="rect">
+            <a:avLst/>
+          </a:prstGeom>
+        </p:spPr>
+      </p:pic>
+    </p:spTree>
+    <p:extLst>
+      <p:ext uri="{BB962C8B-B14F-4D97-AF65-F5344CB8AC3E}">
+        <p14:creationId xmlns:p14="http://schemas.microsoft.com/office/powerpoint/2010/main" val="447600791"/>
+      </p:ext>
+    </p:extLst>
+  </p:cSld>
+  <p:clrMapOvr>
+    <a:masterClrMapping/>
+  </p:clrMapOvr>
+  <p:timing>
+    <p:tnLst>
+      <p:par>
+        <p:cTn id="1" dur="indefinite" restart="never" nodeType="tmRoot"/>
+      </p:par>
+    </p:tnLst>
+  </p:timing>
+</p:sld>
+</file>
+
+<file path=ppt/slides/slide27.xml><?xml version="1.0" encoding="utf-8"?>
+<p:sld xmlns:a="http://schemas.openxmlformats.org/drawingml/2006/main" xmlns:r="http://schemas.openxmlformats.org/officeDocument/2006/relationships" xmlns:p="http://schemas.openxmlformats.org/presentationml/2006/main">
+  <p:cSld>
+    <p:spTree>
+      <p:nvGrpSpPr>
+        <p:cNvPr id="1" name=""/>
+        <p:cNvGrpSpPr/>
+        <p:nvPr/>
+      </p:nvGrpSpPr>
+      <p:grpSpPr>
+        <a:xfrm>
+          <a:off x="0" y="0"/>
+          <a:ext cx="0" cy="0"/>
+          <a:chOff x="0" y="0"/>
+          <a:chExt cx="0" cy="0"/>
+        </a:xfrm>
+      </p:grpSpPr>
+      <p:sp>
+        <p:nvSpPr>
+          <p:cNvPr id="2" name="Title 1"/>
+          <p:cNvSpPr>
+            <a:spLocks noGrp="1"/>
+          </p:cNvSpPr>
+          <p:nvPr>
+            <p:ph type="title"/>
+          </p:nvPr>
+        </p:nvSpPr>
+        <p:spPr/>
+        <p:txBody>
+          <a:bodyPr/>
+          <a:lstStyle/>
+          <a:p>
+            <a:r>
+              <a:rPr lang="en-US" dirty="0" smtClean="0"/>
+              <a:t>Assignment</a:t>
+            </a:r>
+            <a:endParaRPr lang="en-US" dirty="0"/>
+          </a:p>
+        </p:txBody>
+      </p:sp>
+      <p:sp>
+        <p:nvSpPr>
+          <p:cNvPr id="3" name="Content Placeholder 2"/>
+          <p:cNvSpPr>
+            <a:spLocks noGrp="1"/>
+          </p:cNvSpPr>
+          <p:nvPr>
+            <p:ph sz="half" idx="1"/>
+          </p:nvPr>
+        </p:nvSpPr>
+        <p:spPr>
+          <a:xfrm>
+            <a:off x="496388" y="1387975"/>
+            <a:ext cx="7772401" cy="5119408"/>
+          </a:xfrm>
+        </p:spPr>
+        <p:txBody>
+          <a:bodyPr>
+            <a:normAutofit/>
+          </a:bodyPr>
+          <a:lstStyle/>
+          <a:p>
+            <a:r>
+              <a:rPr lang="en-US" sz="4000" dirty="0" smtClean="0"/>
+              <a:t>Style the report so the image is to the right of the data table using CSS Grid.</a:t>
+            </a:r>
+          </a:p>
+          <a:p>
+            <a:r>
+              <a:rPr lang="en-US" sz="4000" dirty="0" smtClean="0"/>
+              <a:t>Ensure the image goes below the table when page size is reduced.</a:t>
+            </a:r>
+            <a:endParaRPr lang="en-US" sz="4000" dirty="0" smtClean="0"/>
+          </a:p>
+          <a:p>
+            <a:endParaRPr lang="en-US" sz="2800" dirty="0"/>
+          </a:p>
+        </p:txBody>
+      </p:sp>
+      <p:pic>
+        <p:nvPicPr>
+          <p:cNvPr id="5" name="Content Placeholder 4"/>
+          <p:cNvPicPr>
+            <a:picLocks noGrp="1" noChangeAspect="1"/>
+          </p:cNvPicPr>
+          <p:nvPr>
+            <p:ph sz="half" idx="2"/>
+          </p:nvPr>
+        </p:nvPicPr>
+        <p:blipFill>
+          <a:blip r:embed="rId3">
+            <a:extLst>
+              <a:ext uri="{28A0092B-C50C-407E-A947-70E740481C1C}">
+                <a14:useLocalDpi xmlns:a14="http://schemas.microsoft.com/office/drawing/2010/main" val="0"/>
+              </a:ext>
+            </a:extLst>
+          </a:blip>
+          <a:stretch>
+            <a:fillRect/>
+          </a:stretch>
+        </p:blipFill>
+        <p:spPr>
+          <a:xfrm>
+            <a:off x="8630940" y="1387975"/>
+            <a:ext cx="3179422" cy="5119408"/>
+          </a:xfrm>
+        </p:spPr>
+      </p:pic>
+    </p:spTree>
+    <p:extLst>
+      <p:ext uri="{BB962C8B-B14F-4D97-AF65-F5344CB8AC3E}">
+        <p14:creationId xmlns:p14="http://schemas.microsoft.com/office/powerpoint/2010/main" val="1491727249"/>
+      </p:ext>
+    </p:extLst>
+  </p:cSld>
+  <p:clrMapOvr>
+    <a:masterClrMapping/>
+  </p:clrMapOvr>
+</p:sld>
+</file>
+
+<file path=ppt/slides/slide28.xml><?xml version="1.0" encoding="utf-8"?>
+<p:sld xmlns:a="http://schemas.openxmlformats.org/drawingml/2006/main" xmlns:r="http://schemas.openxmlformats.org/officeDocument/2006/relationships" xmlns:p="http://schemas.openxmlformats.org/presentationml/2006/main">
+  <p:cSld>
+    <p:spTree>
+      <p:nvGrpSpPr>
+        <p:cNvPr id="1" name=""/>
+        <p:cNvGrpSpPr/>
+        <p:nvPr/>
+      </p:nvGrpSpPr>
+      <p:grpSpPr>
+        <a:xfrm>
+          <a:off x="0" y="0"/>
+          <a:ext cx="0" cy="0"/>
+          <a:chOff x="0" y="0"/>
+          <a:chExt cx="0" cy="0"/>
+        </a:xfrm>
+      </p:grpSpPr>
+      <p:sp>
+        <p:nvSpPr>
+          <p:cNvPr id="2" name="Title 1"/>
+          <p:cNvSpPr>
+            <a:spLocks noGrp="1"/>
+          </p:cNvSpPr>
+          <p:nvPr>
+            <p:ph type="ctrTitle"/>
+          </p:nvPr>
+        </p:nvSpPr>
+        <p:spPr/>
+        <p:txBody>
+          <a:bodyPr/>
+          <a:lstStyle/>
+          <a:p>
+            <a:r>
+              <a:rPr lang="en-US" dirty="0" smtClean="0"/>
+              <a:t>QUICK REVIEW</a:t>
             </a:r>
             <a:endParaRPr lang="en-US" dirty="0"/>
           </a:p>
@@ -11934,6 +13120,36 @@
           </a:p>
         </p:txBody>
       </p:sp>
+      <p:pic>
+        <p:nvPicPr>
+          <p:cNvPr id="4" name="Picture 3"/>
+          <p:cNvPicPr>
+            <a:picLocks noChangeAspect="1"/>
+          </p:cNvPicPr>
+          <p:nvPr/>
+        </p:nvPicPr>
+        <p:blipFill>
+          <a:blip r:embed="rId3">
+            <a:extLst>
+              <a:ext uri="{28A0092B-C50C-407E-A947-70E740481C1C}">
+                <a14:useLocalDpi xmlns:a14="http://schemas.microsoft.com/office/drawing/2010/main" val="0"/>
+              </a:ext>
+            </a:extLst>
+          </a:blip>
+          <a:stretch>
+            <a:fillRect/>
+          </a:stretch>
+        </p:blipFill>
+        <p:spPr>
+          <a:xfrm>
+            <a:off x="8168603" y="1172656"/>
+            <a:ext cx="3624020" cy="5461159"/>
+          </a:xfrm>
+          <a:prstGeom prst="rect">
+            <a:avLst/>
+          </a:prstGeom>
+        </p:spPr>
+      </p:pic>
     </p:spTree>
     <p:extLst>
       <p:ext uri="{BB962C8B-B14F-4D97-AF65-F5344CB8AC3E}">
@@ -11954,7 +13170,7 @@
 </p:sld>
 </file>
 
-<file path=ppt/slides/slide23.xml><?xml version="1.0" encoding="utf-8"?>
+<file path=ppt/slides/slide29.xml><?xml version="1.0" encoding="utf-8"?>
 <p:sld xmlns:a="http://schemas.openxmlformats.org/drawingml/2006/main" xmlns:r="http://schemas.openxmlformats.org/officeDocument/2006/relationships" xmlns:p="http://schemas.openxmlformats.org/presentationml/2006/main">
   <p:cSld>
     <p:spTree>

--- a/Slides/09_CSS_TrainingPlan.pptx
+++ b/Slides/09_CSS_TrainingPlan.pptx
@@ -225,7 +225,7 @@
           <a:p>
             <a:fld id="{511FFA03-EA42-4D4B-BC08-EB70C6D8C289}" type="datetimeFigureOut">
               <a:rPr lang="en-US" smtClean="0"/>
-              <a:t>2/4/2018</a:t>
+              <a:t>3/14/2018</a:t>
             </a:fld>
             <a:endParaRPr lang="en-US"/>
           </a:p>
@@ -737,19 +737,7 @@
                 <a:ea typeface="+mn-ea"/>
                 <a:cs typeface="+mn-cs"/>
               </a:rPr>
-              <a:t> to make the font color red for an element with an id of </a:t>
-            </a:r>
-            <a:r>
-              <a:rPr lang="en-US" sz="1200" kern="1200" dirty="0" smtClean="0">
-                <a:solidFill>
-                  <a:schemeClr val="tx1"/>
-                </a:solidFill>
-                <a:effectLst/>
-                <a:latin typeface="+mn-lt"/>
-                <a:ea typeface="+mn-ea"/>
-                <a:cs typeface="+mn-cs"/>
-              </a:rPr>
-              <a:t>header.</a:t>
+              <a:t> to make the font color red for an element with an id of header.</a:t>
             </a:r>
           </a:p>
         </p:txBody>
@@ -2558,19 +2546,7 @@
                 <a:ea typeface="+mn-ea"/>
                 <a:cs typeface="+mn-cs"/>
               </a:rPr>
-              <a:t>What </a:t>
-            </a:r>
-            <a:r>
-              <a:rPr lang="en-US" sz="1200" kern="1200" dirty="0" smtClean="0">
-                <a:solidFill>
-                  <a:schemeClr val="tx1"/>
-                </a:solidFill>
-                <a:effectLst/>
-                <a:latin typeface="+mn-lt"/>
-                <a:ea typeface="+mn-ea"/>
-                <a:cs typeface="+mn-cs"/>
-              </a:rPr>
-              <a:t>makes up the box model?</a:t>
+              <a:t>What makes up the box model?</a:t>
             </a:r>
           </a:p>
           <a:p>
@@ -4319,7 +4295,7 @@
           <a:p>
             <a:fld id="{96FB5D56-0812-4ED5-8B52-3D0DCBF578CB}" type="datetimeFigureOut">
               <a:rPr lang="en-US" smtClean="0"/>
-              <a:t>2/4/2018</a:t>
+              <a:t>3/14/2018</a:t>
             </a:fld>
             <a:endParaRPr lang="en-US"/>
           </a:p>
@@ -4594,7 +4570,7 @@
           <a:p>
             <a:fld id="{96FB5D56-0812-4ED5-8B52-3D0DCBF578CB}" type="datetimeFigureOut">
               <a:rPr lang="en-US" smtClean="0"/>
-              <a:t>2/4/2018</a:t>
+              <a:t>3/14/2018</a:t>
             </a:fld>
             <a:endParaRPr lang="en-US"/>
           </a:p>
@@ -4788,7 +4764,7 @@
           <a:p>
             <a:fld id="{96FB5D56-0812-4ED5-8B52-3D0DCBF578CB}" type="datetimeFigureOut">
               <a:rPr lang="en-US" smtClean="0"/>
-              <a:t>2/4/2018</a:t>
+              <a:t>3/14/2018</a:t>
             </a:fld>
             <a:endParaRPr lang="en-US"/>
           </a:p>
@@ -5061,7 +5037,7 @@
           <a:p>
             <a:fld id="{96FB5D56-0812-4ED5-8B52-3D0DCBF578CB}" type="datetimeFigureOut">
               <a:rPr lang="en-US" smtClean="0"/>
-              <a:t>2/4/2018</a:t>
+              <a:t>3/14/2018</a:t>
             </a:fld>
             <a:endParaRPr lang="en-US"/>
           </a:p>
@@ -5402,7 +5378,7 @@
           <a:p>
             <a:fld id="{96FB5D56-0812-4ED5-8B52-3D0DCBF578CB}" type="datetimeFigureOut">
               <a:rPr lang="en-US" smtClean="0"/>
-              <a:t>2/4/2018</a:t>
+              <a:t>3/14/2018</a:t>
             </a:fld>
             <a:endParaRPr lang="en-US"/>
           </a:p>
@@ -6025,7 +6001,7 @@
           <a:p>
             <a:fld id="{96FB5D56-0812-4ED5-8B52-3D0DCBF578CB}" type="datetimeFigureOut">
               <a:rPr lang="en-US" smtClean="0"/>
-              <a:t>2/4/2018</a:t>
+              <a:t>3/14/2018</a:t>
             </a:fld>
             <a:endParaRPr lang="en-US"/>
           </a:p>
@@ -6885,7 +6861,7 @@
           <a:p>
             <a:fld id="{96FB5D56-0812-4ED5-8B52-3D0DCBF578CB}" type="datetimeFigureOut">
               <a:rPr lang="en-US" smtClean="0"/>
-              <a:t>2/4/2018</a:t>
+              <a:t>3/14/2018</a:t>
             </a:fld>
             <a:endParaRPr lang="en-US"/>
           </a:p>
@@ -7055,7 +7031,7 @@
           <a:p>
             <a:fld id="{96FB5D56-0812-4ED5-8B52-3D0DCBF578CB}" type="datetimeFigureOut">
               <a:rPr lang="en-US" smtClean="0"/>
-              <a:t>2/4/2018</a:t>
+              <a:t>3/14/2018</a:t>
             </a:fld>
             <a:endParaRPr lang="en-US"/>
           </a:p>
@@ -7235,7 +7211,7 @@
           <a:p>
             <a:fld id="{96FB5D56-0812-4ED5-8B52-3D0DCBF578CB}" type="datetimeFigureOut">
               <a:rPr lang="en-US" smtClean="0"/>
-              <a:t>2/4/2018</a:t>
+              <a:t>3/14/2018</a:t>
             </a:fld>
             <a:endParaRPr lang="en-US"/>
           </a:p>
@@ -7405,7 +7381,7 @@
           <a:p>
             <a:fld id="{96FB5D56-0812-4ED5-8B52-3D0DCBF578CB}" type="datetimeFigureOut">
               <a:rPr lang="en-US" smtClean="0"/>
-              <a:t>2/4/2018</a:t>
+              <a:t>3/14/2018</a:t>
             </a:fld>
             <a:endParaRPr lang="en-US"/>
           </a:p>
@@ -7652,7 +7628,7 @@
           <a:p>
             <a:fld id="{96FB5D56-0812-4ED5-8B52-3D0DCBF578CB}" type="datetimeFigureOut">
               <a:rPr lang="en-US" smtClean="0"/>
-              <a:t>2/4/2018</a:t>
+              <a:t>3/14/2018</a:t>
             </a:fld>
             <a:endParaRPr lang="en-US"/>
           </a:p>
@@ -7944,7 +7920,7 @@
           <a:p>
             <a:fld id="{96FB5D56-0812-4ED5-8B52-3D0DCBF578CB}" type="datetimeFigureOut">
               <a:rPr lang="en-US" smtClean="0"/>
-              <a:t>2/4/2018</a:t>
+              <a:t>3/14/2018</a:t>
             </a:fld>
             <a:endParaRPr lang="en-US"/>
           </a:p>
@@ -8388,7 +8364,7 @@
           <a:p>
             <a:fld id="{96FB5D56-0812-4ED5-8B52-3D0DCBF578CB}" type="datetimeFigureOut">
               <a:rPr lang="en-US" smtClean="0"/>
-              <a:t>2/4/2018</a:t>
+              <a:t>3/14/2018</a:t>
             </a:fld>
             <a:endParaRPr lang="en-US"/>
           </a:p>
@@ -8506,7 +8482,7 @@
           <a:p>
             <a:fld id="{96FB5D56-0812-4ED5-8B52-3D0DCBF578CB}" type="datetimeFigureOut">
               <a:rPr lang="en-US" smtClean="0"/>
-              <a:t>2/4/2018</a:t>
+              <a:t>3/14/2018</a:t>
             </a:fld>
             <a:endParaRPr lang="en-US"/>
           </a:p>
@@ -8601,7 +8577,7 @@
           <a:p>
             <a:fld id="{96FB5D56-0812-4ED5-8B52-3D0DCBF578CB}" type="datetimeFigureOut">
               <a:rPr lang="en-US" smtClean="0"/>
-              <a:t>2/4/2018</a:t>
+              <a:t>3/14/2018</a:t>
             </a:fld>
             <a:endParaRPr lang="en-US"/>
           </a:p>
@@ -8880,7 +8856,7 @@
           <a:p>
             <a:fld id="{96FB5D56-0812-4ED5-8B52-3D0DCBF578CB}" type="datetimeFigureOut">
               <a:rPr lang="en-US" smtClean="0"/>
-              <a:t>2/4/2018</a:t>
+              <a:t>3/14/2018</a:t>
             </a:fld>
             <a:endParaRPr lang="en-US"/>
           </a:p>
@@ -9155,7 +9131,7 @@
           <a:p>
             <a:fld id="{96FB5D56-0812-4ED5-8B52-3D0DCBF578CB}" type="datetimeFigureOut">
               <a:rPr lang="en-US" smtClean="0"/>
-              <a:t>2/4/2018</a:t>
+              <a:t>3/14/2018</a:t>
             </a:fld>
             <a:endParaRPr lang="en-US"/>
           </a:p>
@@ -9584,7 +9560,7 @@
           <a:p>
             <a:fld id="{96FB5D56-0812-4ED5-8B52-3D0DCBF578CB}" type="datetimeFigureOut">
               <a:rPr lang="en-US" smtClean="0"/>
-              <a:t>2/4/2018</a:t>
+              <a:t>3/14/2018</a:t>
             </a:fld>
             <a:endParaRPr lang="en-US"/>
           </a:p>
@@ -10360,7 +10336,6 @@
               <a:rPr lang="en-US" dirty="0"/>
               <a:t>Linking, Selectors, Colors, Text, Comments</a:t>
             </a:r>
-            <a:endParaRPr lang="en-US" dirty="0"/>
           </a:p>
         </p:txBody>
       </p:sp>
@@ -10496,7 +10471,7 @@
           <a:p>
             <a:r>
               <a:rPr lang="en-US" sz="3600" dirty="0" smtClean="0"/>
-              <a:t>Modify the table header tow to be light grey using the element selector.</a:t>
+              <a:t>Modify the table header to be light grey using the element selector.</a:t>
             </a:r>
           </a:p>
           <a:p>
@@ -11885,7 +11860,7 @@
           <a:p>
             <a:r>
               <a:rPr lang="en-US" sz="2800" dirty="0" smtClean="0"/>
-              <a:t>If multiple styles applied, styles will override based up the hierarchy</a:t>
+              <a:t>If multiple styles applied, styles will override based on the hierarchy</a:t>
             </a:r>
             <a:endParaRPr lang="en-US" sz="2800" dirty="0"/>
           </a:p>
@@ -12664,11 +12639,11 @@
           <a:p>
             <a:r>
               <a:rPr lang="en-US" sz="2800" dirty="0" smtClean="0"/>
-              <a:t>Use a Grid </a:t>
+              <a:t>Use a Grid System – </a:t>
             </a:r>
             <a:r>
               <a:rPr lang="en-US" sz="2800" dirty="0" smtClean="0"/>
-              <a:t>System – CSS Grid</a:t>
+              <a:t>Bootstrap</a:t>
             </a:r>
             <a:endParaRPr lang="en-US" sz="2800" dirty="0" smtClean="0"/>
           </a:p>
@@ -12876,11 +12851,7 @@
           <a:p>
             <a:r>
               <a:rPr lang="en-US" dirty="0" smtClean="0"/>
-              <a:t>Box Model, Display, Positio</a:t>
-            </a:r>
-            <a:r>
-              <a:rPr lang="en-US" dirty="0" smtClean="0"/>
-              <a:t>n, Float, Responsive</a:t>
+              <a:t>Box Model, Display, Position, Float, Responsive</a:t>
             </a:r>
             <a:endParaRPr lang="en-US" dirty="0"/>
           </a:p>
@@ -12994,21 +12965,32 @@
         </p:spPr>
         <p:txBody>
           <a:bodyPr>
-            <a:normAutofit/>
+            <a:normAutofit lnSpcReduction="10000"/>
           </a:bodyPr>
           <a:lstStyle/>
           <a:p>
             <a:r>
               <a:rPr lang="en-US" sz="4000" dirty="0" smtClean="0"/>
-              <a:t>Style the report so the image is to the right of the data table using CSS Grid.</a:t>
+              <a:t>Add a div surrounding everything under the header.</a:t>
             </a:r>
           </a:p>
           <a:p>
             <a:r>
               <a:rPr lang="en-US" sz="4000" dirty="0" smtClean="0"/>
-              <a:t>Ensure the image goes below the table when page size is reduced.</a:t>
-            </a:r>
-            <a:endParaRPr lang="en-US" sz="4000" dirty="0" smtClean="0"/>
+              <a:t>Add a max width to the div.</a:t>
+            </a:r>
+          </a:p>
+          <a:p>
+            <a:r>
+              <a:rPr lang="en-US" sz="4000" dirty="0" smtClean="0"/>
+              <a:t>Center the div using margin: 0 auto;</a:t>
+            </a:r>
+          </a:p>
+          <a:p>
+            <a:r>
+              <a:rPr lang="en-US" sz="4000" dirty="0" smtClean="0"/>
+              <a:t>Play around with margins and padding to change the looks.</a:t>
+            </a:r>
           </a:p>
           <a:p>
             <a:endParaRPr lang="en-US" sz="2800" dirty="0"/>
@@ -14106,14 +14088,14 @@
           <p:nvPr>
             <p:extLst>
               <p:ext uri="{D42A27DB-BD31-4B8C-83A1-F6EECF244321}">
-                <p14:modId xmlns:p14="http://schemas.microsoft.com/office/powerpoint/2010/main" val="1453122878"/>
+                <p14:modId xmlns:p14="http://schemas.microsoft.com/office/powerpoint/2010/main" val="379301983"/>
               </p:ext>
             </p:extLst>
           </p:nvPr>
         </p:nvGraphicFramePr>
         <p:xfrm>
           <a:off x="1427843" y="3034220"/>
-          <a:ext cx="8127999" cy="3235960"/>
+          <a:ext cx="8127999" cy="2966720"/>
         </p:xfrm>
         <a:graphic>
           <a:graphicData uri="http://schemas.openxmlformats.org/drawingml/2006/table">
@@ -14472,7 +14454,11 @@
                       <a:pPr algn="ctr"/>
                       <a:r>
                         <a:rPr lang="en-US" dirty="0" smtClean="0"/>
-                        <a:t>Element anywhere in Element</a:t>
+                        <a:t>Element </a:t>
+                      </a:r>
+                      <a:r>
+                        <a:rPr lang="en-US" dirty="0" smtClean="0"/>
+                        <a:t>direct child</a:t>
                       </a:r>
                       <a:endParaRPr lang="en-US" dirty="0"/>
                     </a:p>
